--- a/reports/Báo cáo tiến độ 3.pptx
+++ b/reports/Báo cáo tiến độ 3.pptx
@@ -892,25 +892,8 @@
         <a:lstStyle/>
         <a:p>
           <a:r>
-            <a:rPr lang="en-US" dirty="0" err="1" smtClean="0">
-              <a:latin typeface="Arial" pitchFamily="34" charset="0"/>
-              <a:cs typeface="Arial" pitchFamily="34" charset="0"/>
-            </a:rPr>
-            <a:t>Giới</a:t>
-          </a:r>
-          <a:r>
-            <a:rPr lang="en-US" dirty="0" smtClean="0">
-              <a:latin typeface="Arial" pitchFamily="34" charset="0"/>
-              <a:cs typeface="Arial" pitchFamily="34" charset="0"/>
-            </a:rPr>
-            <a:t> </a:t>
-          </a:r>
-          <a:r>
-            <a:rPr lang="en-US" dirty="0" err="1" smtClean="0">
-              <a:latin typeface="Arial" pitchFamily="34" charset="0"/>
-              <a:cs typeface="Arial" pitchFamily="34" charset="0"/>
-            </a:rPr>
-            <a:t>thiệu</a:t>
+            <a:rPr lang="vi-VN" b="0" i="0" u="none" smtClean="0"/>
+            <a:t>Giới thiệu vấn đề</a:t>
           </a:r>
           <a:endParaRPr lang="en-AU" dirty="0"/>
         </a:p>
@@ -938,28 +921,23 @@
         </a:p>
       </dgm:t>
     </dgm:pt>
-    <dgm:pt modelId="{E3A121B5-B761-4C69-9193-B00F13871622}">
+    <dgm:pt modelId="{D7701119-9D27-4C95-BB47-45230F4B1283}">
       <dgm:prSet/>
       <dgm:spPr/>
       <dgm:t>
         <a:bodyPr/>
         <a:lstStyle/>
         <a:p>
+          <a:pPr rtl="0"/>
           <a:r>
-            <a:rPr lang="en-US" smtClean="0">
-              <a:latin typeface="Arial" pitchFamily="34" charset="0"/>
-              <a:cs typeface="Arial" pitchFamily="34" charset="0"/>
-            </a:rPr>
-            <a:t>Phân chia công việc</a:t>
+            <a:rPr lang="en-AU" b="0" i="0" u="none" smtClean="0"/>
+            <a:t>Giải pháp</a:t>
           </a:r>
-          <a:endParaRPr lang="en-US" dirty="0" smtClean="0">
-            <a:latin typeface="Arial" pitchFamily="34" charset="0"/>
-            <a:cs typeface="Arial" pitchFamily="34" charset="0"/>
-          </a:endParaRPr>
+          <a:endParaRPr lang="en-AU" b="0" i="0" u="none"/>
         </a:p>
       </dgm:t>
     </dgm:pt>
-    <dgm:pt modelId="{1A67F84A-2F4D-4D0B-8680-8F7BCDA8E2BF}" type="parTrans" cxnId="{5A22FC17-B1C1-464C-863C-30637141583D}">
+    <dgm:pt modelId="{75D78395-B350-42F7-BF4E-52AE456C3085}" type="parTrans" cxnId="{D5B390CB-EC48-4D06-AEE7-B00944A7D941}">
       <dgm:prSet/>
       <dgm:spPr/>
       <dgm:t>
@@ -970,7 +948,7 @@
         </a:p>
       </dgm:t>
     </dgm:pt>
-    <dgm:pt modelId="{7AEB6CB1-43A5-41CD-A265-A33B913AE3B6}" type="sibTrans" cxnId="{5A22FC17-B1C1-464C-863C-30637141583D}">
+    <dgm:pt modelId="{39A3E1DE-E0CE-4F3F-B08B-F6DC93847EB5}" type="sibTrans" cxnId="{D5B390CB-EC48-4D06-AEE7-B00944A7D941}">
       <dgm:prSet/>
       <dgm:spPr/>
       <dgm:t>
@@ -981,28 +959,23 @@
         </a:p>
       </dgm:t>
     </dgm:pt>
-    <dgm:pt modelId="{36C99CB1-6D6A-40E7-92EF-225383AE1016}">
+    <dgm:pt modelId="{71A86979-F3CF-4E37-8DAC-1049E051F07C}">
       <dgm:prSet/>
       <dgm:spPr/>
       <dgm:t>
         <a:bodyPr/>
         <a:lstStyle/>
         <a:p>
+          <a:pPr rtl="0"/>
           <a:r>
-            <a:rPr lang="en-US" smtClean="0">
-              <a:latin typeface="Arial" pitchFamily="34" charset="0"/>
-              <a:cs typeface="Arial" pitchFamily="34" charset="0"/>
-            </a:rPr>
-            <a:t>Tiến độ triển khai</a:t>
+            <a:rPr lang="en-AU" b="0" i="0" u="none" smtClean="0"/>
+            <a:t>Phân công nhiệm vụ</a:t>
           </a:r>
-          <a:endParaRPr lang="en-US" dirty="0" smtClean="0">
-            <a:latin typeface="Arial" pitchFamily="34" charset="0"/>
-            <a:cs typeface="Arial" pitchFamily="34" charset="0"/>
-          </a:endParaRPr>
+          <a:endParaRPr lang="en-AU" b="0" i="0" u="none"/>
         </a:p>
       </dgm:t>
     </dgm:pt>
-    <dgm:pt modelId="{8C26D711-BE87-432B-B72A-015A2D34E5A9}" type="parTrans" cxnId="{14608183-3D44-4777-B67E-1566565A0979}">
+    <dgm:pt modelId="{AED133B4-7FA3-4748-988E-5AF049BFDDE1}" type="parTrans" cxnId="{CB077A09-E0E2-40A6-B516-D7798F699863}">
       <dgm:prSet/>
       <dgm:spPr/>
       <dgm:t>
@@ -1013,7 +986,7 @@
         </a:p>
       </dgm:t>
     </dgm:pt>
-    <dgm:pt modelId="{02DD9390-7860-48E1-9FA1-BF14743924A0}" type="sibTrans" cxnId="{14608183-3D44-4777-B67E-1566565A0979}">
+    <dgm:pt modelId="{7B993F61-3409-49EC-AA7A-9CD095BCF4AF}" type="sibTrans" cxnId="{CB077A09-E0E2-40A6-B516-D7798F699863}">
       <dgm:prSet/>
       <dgm:spPr/>
       <dgm:t>
@@ -1024,28 +997,23 @@
         </a:p>
       </dgm:t>
     </dgm:pt>
-    <dgm:pt modelId="{FC951D82-5023-476D-9628-873AA78F1A96}">
+    <dgm:pt modelId="{90E15242-3A3B-4E2B-9836-874CE387D84A}">
       <dgm:prSet/>
       <dgm:spPr/>
       <dgm:t>
         <a:bodyPr/>
         <a:lstStyle/>
         <a:p>
+          <a:pPr rtl="0"/>
           <a:r>
-            <a:rPr lang="en-US" smtClean="0">
-              <a:latin typeface="Arial" pitchFamily="34" charset="0"/>
-              <a:cs typeface="Arial" pitchFamily="34" charset="0"/>
-            </a:rPr>
-            <a:t>Công việc sắp tới</a:t>
+            <a:rPr lang="en-AU" b="0" i="0" u="none" smtClean="0"/>
+            <a:t>Kết quả triển khai</a:t>
           </a:r>
-          <a:endParaRPr lang="en-AU" dirty="0">
-            <a:latin typeface="Arial" pitchFamily="34" charset="0"/>
-            <a:cs typeface="Arial" pitchFamily="34" charset="0"/>
-          </a:endParaRPr>
+          <a:endParaRPr lang="en-AU" b="0" i="0" u="none"/>
         </a:p>
       </dgm:t>
     </dgm:pt>
-    <dgm:pt modelId="{885B91AD-9AE2-4872-A504-06B3B98FB313}" type="parTrans" cxnId="{FDCFC503-E779-4429-A929-8730C10830E1}">
+    <dgm:pt modelId="{186EE319-2AE9-4A1D-AE88-A092A021442A}" type="parTrans" cxnId="{AF3BC280-2A54-4A85-A819-F9971329A258}">
       <dgm:prSet/>
       <dgm:spPr/>
       <dgm:t>
@@ -1056,7 +1024,45 @@
         </a:p>
       </dgm:t>
     </dgm:pt>
-    <dgm:pt modelId="{988D9CCD-2A76-49C6-AD1F-BCD783243A9B}" type="sibTrans" cxnId="{FDCFC503-E779-4429-A929-8730C10830E1}">
+    <dgm:pt modelId="{8952C12C-D8E0-45B5-B5D7-00915D298E93}" type="sibTrans" cxnId="{AF3BC280-2A54-4A85-A819-F9971329A258}">
+      <dgm:prSet/>
+      <dgm:spPr/>
+      <dgm:t>
+        <a:bodyPr/>
+        <a:lstStyle/>
+        <a:p>
+          <a:endParaRPr lang="en-AU"/>
+        </a:p>
+      </dgm:t>
+    </dgm:pt>
+    <dgm:pt modelId="{28878EEF-1C92-482E-9637-4494DB14930D}">
+      <dgm:prSet/>
+      <dgm:spPr/>
+      <dgm:t>
+        <a:bodyPr/>
+        <a:lstStyle/>
+        <a:p>
+          <a:pPr rtl="0"/>
+          <a:r>
+            <a:rPr lang="vi-VN" b="0" i="0" u="none" smtClean="0"/>
+            <a:t>Kết luận và hướng phát triển</a:t>
+          </a:r>
+          <a:endParaRPr lang="vi-VN" b="0" i="0" u="none"/>
+        </a:p>
+      </dgm:t>
+    </dgm:pt>
+    <dgm:pt modelId="{76A7910D-757B-4580-9C40-CA8C41138F37}" type="parTrans" cxnId="{84B65879-81AA-43D3-985F-06CC7953E85C}">
+      <dgm:prSet/>
+      <dgm:spPr/>
+      <dgm:t>
+        <a:bodyPr/>
+        <a:lstStyle/>
+        <a:p>
+          <a:endParaRPr lang="en-AU"/>
+        </a:p>
+      </dgm:t>
+    </dgm:pt>
+    <dgm:pt modelId="{2F7E72FB-C736-4AED-9D04-E37DF2743D46}" type="sibTrans" cxnId="{84B65879-81AA-43D3-985F-06CC7953E85C}">
       <dgm:prSet/>
       <dgm:spPr/>
       <dgm:t>
@@ -1093,7 +1099,7 @@
       <dgm:spPr/>
     </dgm:pt>
     <dgm:pt modelId="{22AB09F9-2801-41E1-89C0-5CE4CC59422A}" type="pres">
-      <dgm:prSet presAssocID="{9D00E425-56F7-4CA5-8522-F1CA2C40F0BC}" presName="srcNode" presStyleLbl="node1" presStyleIdx="0" presStyleCnt="4"/>
+      <dgm:prSet presAssocID="{9D00E425-56F7-4CA5-8522-F1CA2C40F0BC}" presName="srcNode" presStyleLbl="node1" presStyleIdx="0" presStyleCnt="5"/>
       <dgm:spPr/>
     </dgm:pt>
     <dgm:pt modelId="{9B513649-EAA8-4990-A790-8B6691672729}" type="pres">
@@ -1108,15 +1114,15 @@
       </dgm:t>
     </dgm:pt>
     <dgm:pt modelId="{123A62C1-955B-44C5-8274-97A004C8C6D1}" type="pres">
-      <dgm:prSet presAssocID="{9D00E425-56F7-4CA5-8522-F1CA2C40F0BC}" presName="extraNode" presStyleLbl="node1" presStyleIdx="0" presStyleCnt="4"/>
+      <dgm:prSet presAssocID="{9D00E425-56F7-4CA5-8522-F1CA2C40F0BC}" presName="extraNode" presStyleLbl="node1" presStyleIdx="0" presStyleCnt="5"/>
       <dgm:spPr/>
     </dgm:pt>
     <dgm:pt modelId="{DDBF4996-7319-41BE-B743-590C4D4963AA}" type="pres">
-      <dgm:prSet presAssocID="{9D00E425-56F7-4CA5-8522-F1CA2C40F0BC}" presName="dstNode" presStyleLbl="node1" presStyleIdx="0" presStyleCnt="4"/>
+      <dgm:prSet presAssocID="{9D00E425-56F7-4CA5-8522-F1CA2C40F0BC}" presName="dstNode" presStyleLbl="node1" presStyleIdx="0" presStyleCnt="5"/>
       <dgm:spPr/>
     </dgm:pt>
     <dgm:pt modelId="{F97039F3-4912-478A-A093-74382BEC6855}" type="pres">
-      <dgm:prSet presAssocID="{A1953304-C846-484B-A008-D9818604D20A}" presName="text_1" presStyleLbl="node1" presStyleIdx="0" presStyleCnt="4">
+      <dgm:prSet presAssocID="{A1953304-C846-484B-A008-D9818604D20A}" presName="text_1" presStyleLbl="node1" presStyleIdx="0" presStyleCnt="5">
         <dgm:presLayoutVars>
           <dgm:bulletEnabled val="1"/>
         </dgm:presLayoutVars>
@@ -1135,90 +1141,87 @@
       <dgm:spPr/>
     </dgm:pt>
     <dgm:pt modelId="{39369B2B-7096-44AF-B9E0-F4D0F6349BE7}" type="pres">
-      <dgm:prSet presAssocID="{A1953304-C846-484B-A008-D9818604D20A}" presName="accentRepeatNode" presStyleLbl="solidFgAcc1" presStyleIdx="0" presStyleCnt="4"/>
+      <dgm:prSet presAssocID="{A1953304-C846-484B-A008-D9818604D20A}" presName="accentRepeatNode" presStyleLbl="solidFgAcc1" presStyleIdx="0" presStyleCnt="5"/>
       <dgm:spPr/>
     </dgm:pt>
-    <dgm:pt modelId="{79D9027F-A5F5-4C02-B3F9-0A265F5F4EEE}" type="pres">
-      <dgm:prSet presAssocID="{E3A121B5-B761-4C69-9193-B00F13871622}" presName="text_2" presStyleLbl="node1" presStyleIdx="1" presStyleCnt="4">
+    <dgm:pt modelId="{FBE68ABD-63A8-4110-BDF8-5D32595FC8C7}" type="pres">
+      <dgm:prSet presAssocID="{D7701119-9D27-4C95-BB47-45230F4B1283}" presName="text_2" presStyleLbl="node1" presStyleIdx="1" presStyleCnt="5">
         <dgm:presLayoutVars>
           <dgm:bulletEnabled val="1"/>
         </dgm:presLayoutVars>
       </dgm:prSet>
       <dgm:spPr/>
-      <dgm:t>
-        <a:bodyPr/>
-        <a:lstStyle/>
-        <a:p>
-          <a:endParaRPr lang="en-AU"/>
-        </a:p>
-      </dgm:t>
     </dgm:pt>
-    <dgm:pt modelId="{3D062514-E68F-46C9-8087-CA26BD361EF1}" type="pres">
-      <dgm:prSet presAssocID="{E3A121B5-B761-4C69-9193-B00F13871622}" presName="accent_2" presStyleCnt="0"/>
+    <dgm:pt modelId="{991CD589-EFC8-42B9-9530-685CB58BE48F}" type="pres">
+      <dgm:prSet presAssocID="{D7701119-9D27-4C95-BB47-45230F4B1283}" presName="accent_2" presStyleCnt="0"/>
       <dgm:spPr/>
     </dgm:pt>
-    <dgm:pt modelId="{BF94358B-7D55-40E3-A11F-00F528F0F9C2}" type="pres">
-      <dgm:prSet presAssocID="{E3A121B5-B761-4C69-9193-B00F13871622}" presName="accentRepeatNode" presStyleLbl="solidFgAcc1" presStyleIdx="1" presStyleCnt="4"/>
+    <dgm:pt modelId="{5E46C05E-EEC3-4BB5-8CD4-818A23CE24AD}" type="pres">
+      <dgm:prSet presAssocID="{D7701119-9D27-4C95-BB47-45230F4B1283}" presName="accentRepeatNode" presStyleLbl="solidFgAcc1" presStyleIdx="1" presStyleCnt="5"/>
       <dgm:spPr/>
     </dgm:pt>
-    <dgm:pt modelId="{22B8FB06-3E11-4D68-970A-076EA64C6A4A}" type="pres">
-      <dgm:prSet presAssocID="{36C99CB1-6D6A-40E7-92EF-225383AE1016}" presName="text_3" presStyleLbl="node1" presStyleIdx="2" presStyleCnt="4">
+    <dgm:pt modelId="{1524E971-380A-45C9-90DF-5E0E403249E9}" type="pres">
+      <dgm:prSet presAssocID="{71A86979-F3CF-4E37-8DAC-1049E051F07C}" presName="text_3" presStyleLbl="node1" presStyleIdx="2" presStyleCnt="5">
         <dgm:presLayoutVars>
           <dgm:bulletEnabled val="1"/>
         </dgm:presLayoutVars>
       </dgm:prSet>
       <dgm:spPr/>
-      <dgm:t>
-        <a:bodyPr/>
-        <a:lstStyle/>
-        <a:p>
-          <a:endParaRPr lang="en-AU"/>
-        </a:p>
-      </dgm:t>
     </dgm:pt>
-    <dgm:pt modelId="{B19E6CE9-23A5-4A52-A9D7-D04C65177657}" type="pres">
-      <dgm:prSet presAssocID="{36C99CB1-6D6A-40E7-92EF-225383AE1016}" presName="accent_3" presStyleCnt="0"/>
+    <dgm:pt modelId="{F1DC2E86-13CB-4D7E-B9EF-0CBC34B6B292}" type="pres">
+      <dgm:prSet presAssocID="{71A86979-F3CF-4E37-8DAC-1049E051F07C}" presName="accent_3" presStyleCnt="0"/>
       <dgm:spPr/>
     </dgm:pt>
-    <dgm:pt modelId="{857A8F08-DE02-4C42-B6AF-F28E6BB448A6}" type="pres">
-      <dgm:prSet presAssocID="{36C99CB1-6D6A-40E7-92EF-225383AE1016}" presName="accentRepeatNode" presStyleLbl="solidFgAcc1" presStyleIdx="2" presStyleCnt="4"/>
+    <dgm:pt modelId="{BDFFC806-5674-4F3B-B737-EAC01C0D94D8}" type="pres">
+      <dgm:prSet presAssocID="{71A86979-F3CF-4E37-8DAC-1049E051F07C}" presName="accentRepeatNode" presStyleLbl="solidFgAcc1" presStyleIdx="2" presStyleCnt="5"/>
       <dgm:spPr/>
     </dgm:pt>
-    <dgm:pt modelId="{759ABBCC-C5D4-4E41-907C-1136AF50B538}" type="pres">
-      <dgm:prSet presAssocID="{FC951D82-5023-476D-9628-873AA78F1A96}" presName="text_4" presStyleLbl="node1" presStyleIdx="3" presStyleCnt="4">
+    <dgm:pt modelId="{0CBF23C8-5035-4716-B74D-6805D5DEDB69}" type="pres">
+      <dgm:prSet presAssocID="{90E15242-3A3B-4E2B-9836-874CE387D84A}" presName="text_4" presStyleLbl="node1" presStyleIdx="3" presStyleCnt="5">
         <dgm:presLayoutVars>
           <dgm:bulletEnabled val="1"/>
         </dgm:presLayoutVars>
       </dgm:prSet>
       <dgm:spPr/>
-      <dgm:t>
-        <a:bodyPr/>
-        <a:lstStyle/>
-        <a:p>
-          <a:endParaRPr lang="en-AU"/>
-        </a:p>
-      </dgm:t>
     </dgm:pt>
-    <dgm:pt modelId="{B522F75D-9751-41AE-B76D-20AD026649A0}" type="pres">
-      <dgm:prSet presAssocID="{FC951D82-5023-476D-9628-873AA78F1A96}" presName="accent_4" presStyleCnt="0"/>
+    <dgm:pt modelId="{DDC85FD0-C893-4D89-BC4C-9D81CF0B7E46}" type="pres">
+      <dgm:prSet presAssocID="{90E15242-3A3B-4E2B-9836-874CE387D84A}" presName="accent_4" presStyleCnt="0"/>
       <dgm:spPr/>
     </dgm:pt>
-    <dgm:pt modelId="{E6D48C6D-5381-4A4E-8471-AC4A6E6F503F}" type="pres">
-      <dgm:prSet presAssocID="{FC951D82-5023-476D-9628-873AA78F1A96}" presName="accentRepeatNode" presStyleLbl="solidFgAcc1" presStyleIdx="3" presStyleCnt="4"/>
+    <dgm:pt modelId="{BFB6D9EA-25C0-4594-9F54-A68EE9DC3E9D}" type="pres">
+      <dgm:prSet presAssocID="{90E15242-3A3B-4E2B-9836-874CE387D84A}" presName="accentRepeatNode" presStyleLbl="solidFgAcc1" presStyleIdx="3" presStyleCnt="5"/>
+      <dgm:spPr/>
+    </dgm:pt>
+    <dgm:pt modelId="{BA901146-5622-42D2-9336-C64B0A66A047}" type="pres">
+      <dgm:prSet presAssocID="{28878EEF-1C92-482E-9637-4494DB14930D}" presName="text_5" presStyleLbl="node1" presStyleIdx="4" presStyleCnt="5">
+        <dgm:presLayoutVars>
+          <dgm:bulletEnabled val="1"/>
+        </dgm:presLayoutVars>
+      </dgm:prSet>
+      <dgm:spPr/>
+    </dgm:pt>
+    <dgm:pt modelId="{423480EE-8286-4581-B3F7-72A9465EEB7C}" type="pres">
+      <dgm:prSet presAssocID="{28878EEF-1C92-482E-9637-4494DB14930D}" presName="accent_5" presStyleCnt="0"/>
+      <dgm:spPr/>
+    </dgm:pt>
+    <dgm:pt modelId="{6267930A-1B81-44BA-BD31-29A2C7933759}" type="pres">
+      <dgm:prSet presAssocID="{28878EEF-1C92-482E-9637-4494DB14930D}" presName="accentRepeatNode" presStyleLbl="solidFgAcc1" presStyleIdx="4" presStyleCnt="5"/>
       <dgm:spPr/>
     </dgm:pt>
   </dgm:ptLst>
   <dgm:cxnLst>
+    <dgm:cxn modelId="{CB077A09-E0E2-40A6-B516-D7798F699863}" srcId="{9D00E425-56F7-4CA5-8522-F1CA2C40F0BC}" destId="{71A86979-F3CF-4E37-8DAC-1049E051F07C}" srcOrd="2" destOrd="0" parTransId="{AED133B4-7FA3-4748-988E-5AF049BFDDE1}" sibTransId="{7B993F61-3409-49EC-AA7A-9CD095BCF4AF}"/>
+    <dgm:cxn modelId="{862D579C-D400-496E-9458-64425F842FA9}" type="presOf" srcId="{A1953304-C846-484B-A008-D9818604D20A}" destId="{F97039F3-4912-478A-A093-74382BEC6855}" srcOrd="0" destOrd="0" presId="urn:microsoft.com/office/officeart/2008/layout/VerticalCurvedList"/>
+    <dgm:cxn modelId="{FCFE17C4-B56C-4119-AB55-16B466457BEA}" type="presOf" srcId="{71C56EB8-279A-48F0-9BC4-35F2EB4C305E}" destId="{9B513649-EAA8-4990-A790-8B6691672729}" srcOrd="0" destOrd="0" presId="urn:microsoft.com/office/officeart/2008/layout/VerticalCurvedList"/>
+    <dgm:cxn modelId="{FCF2C61E-5386-46B5-8746-D173C140D372}" type="presOf" srcId="{9D00E425-56F7-4CA5-8522-F1CA2C40F0BC}" destId="{6FBAFCDE-FC1E-456F-A578-04FDB0CDECA0}" srcOrd="0" destOrd="0" presId="urn:microsoft.com/office/officeart/2008/layout/VerticalCurvedList"/>
+    <dgm:cxn modelId="{2A79A1FC-4231-4C09-917C-D8859706888A}" type="presOf" srcId="{D7701119-9D27-4C95-BB47-45230F4B1283}" destId="{FBE68ABD-63A8-4110-BDF8-5D32595FC8C7}" srcOrd="0" destOrd="0" presId="urn:microsoft.com/office/officeart/2008/layout/VerticalCurvedList"/>
+    <dgm:cxn modelId="{84B65879-81AA-43D3-985F-06CC7953E85C}" srcId="{9D00E425-56F7-4CA5-8522-F1CA2C40F0BC}" destId="{28878EEF-1C92-482E-9637-4494DB14930D}" srcOrd="4" destOrd="0" parTransId="{76A7910D-757B-4580-9C40-CA8C41138F37}" sibTransId="{2F7E72FB-C736-4AED-9D04-E37DF2743D46}"/>
     <dgm:cxn modelId="{EF95E86A-44DD-4727-893F-EEEF87EB789C}" srcId="{9D00E425-56F7-4CA5-8522-F1CA2C40F0BC}" destId="{A1953304-C846-484B-A008-D9818604D20A}" srcOrd="0" destOrd="0" parTransId="{F1DDB8FC-E164-4941-B320-625B29D6DC68}" sibTransId="{71C56EB8-279A-48F0-9BC4-35F2EB4C305E}"/>
-    <dgm:cxn modelId="{FDCFC503-E779-4429-A929-8730C10830E1}" srcId="{9D00E425-56F7-4CA5-8522-F1CA2C40F0BC}" destId="{FC951D82-5023-476D-9628-873AA78F1A96}" srcOrd="3" destOrd="0" parTransId="{885B91AD-9AE2-4872-A504-06B3B98FB313}" sibTransId="{988D9CCD-2A76-49C6-AD1F-BCD783243A9B}"/>
-    <dgm:cxn modelId="{FCF2C61E-5386-46B5-8746-D173C140D372}" type="presOf" srcId="{9D00E425-56F7-4CA5-8522-F1CA2C40F0BC}" destId="{6FBAFCDE-FC1E-456F-A578-04FDB0CDECA0}" srcOrd="0" destOrd="0" presId="urn:microsoft.com/office/officeart/2008/layout/VerticalCurvedList"/>
-    <dgm:cxn modelId="{F07182BE-406D-4553-9095-C3DDF0079C58}" type="presOf" srcId="{E3A121B5-B761-4C69-9193-B00F13871622}" destId="{79D9027F-A5F5-4C02-B3F9-0A265F5F4EEE}" srcOrd="0" destOrd="0" presId="urn:microsoft.com/office/officeart/2008/layout/VerticalCurvedList"/>
-    <dgm:cxn modelId="{5A22FC17-B1C1-464C-863C-30637141583D}" srcId="{9D00E425-56F7-4CA5-8522-F1CA2C40F0BC}" destId="{E3A121B5-B761-4C69-9193-B00F13871622}" srcOrd="1" destOrd="0" parTransId="{1A67F84A-2F4D-4D0B-8680-8F7BCDA8E2BF}" sibTransId="{7AEB6CB1-43A5-41CD-A265-A33B913AE3B6}"/>
-    <dgm:cxn modelId="{FCFE17C4-B56C-4119-AB55-16B466457BEA}" type="presOf" srcId="{71C56EB8-279A-48F0-9BC4-35F2EB4C305E}" destId="{9B513649-EAA8-4990-A790-8B6691672729}" srcOrd="0" destOrd="0" presId="urn:microsoft.com/office/officeart/2008/layout/VerticalCurvedList"/>
-    <dgm:cxn modelId="{14608183-3D44-4777-B67E-1566565A0979}" srcId="{9D00E425-56F7-4CA5-8522-F1CA2C40F0BC}" destId="{36C99CB1-6D6A-40E7-92EF-225383AE1016}" srcOrd="2" destOrd="0" parTransId="{8C26D711-BE87-432B-B72A-015A2D34E5A9}" sibTransId="{02DD9390-7860-48E1-9FA1-BF14743924A0}"/>
-    <dgm:cxn modelId="{9533B0CF-D6F4-4089-92B3-340E0D8A4A15}" type="presOf" srcId="{FC951D82-5023-476D-9628-873AA78F1A96}" destId="{759ABBCC-C5D4-4E41-907C-1136AF50B538}" srcOrd="0" destOrd="0" presId="urn:microsoft.com/office/officeart/2008/layout/VerticalCurvedList"/>
-    <dgm:cxn modelId="{862D579C-D400-496E-9458-64425F842FA9}" type="presOf" srcId="{A1953304-C846-484B-A008-D9818604D20A}" destId="{F97039F3-4912-478A-A093-74382BEC6855}" srcOrd="0" destOrd="0" presId="urn:microsoft.com/office/officeart/2008/layout/VerticalCurvedList"/>
-    <dgm:cxn modelId="{A8B4C7A0-47E9-4910-A82F-C435B5D14177}" type="presOf" srcId="{36C99CB1-6D6A-40E7-92EF-225383AE1016}" destId="{22B8FB06-3E11-4D68-970A-076EA64C6A4A}" srcOrd="0" destOrd="0" presId="urn:microsoft.com/office/officeart/2008/layout/VerticalCurvedList"/>
+    <dgm:cxn modelId="{F4A5AECC-75BF-4CB2-B348-42EAD6401700}" type="presOf" srcId="{90E15242-3A3B-4E2B-9836-874CE387D84A}" destId="{0CBF23C8-5035-4716-B74D-6805D5DEDB69}" srcOrd="0" destOrd="0" presId="urn:microsoft.com/office/officeart/2008/layout/VerticalCurvedList"/>
+    <dgm:cxn modelId="{F6BB5F9B-5F11-451A-B938-76373E66C56A}" type="presOf" srcId="{71A86979-F3CF-4E37-8DAC-1049E051F07C}" destId="{1524E971-380A-45C9-90DF-5E0E403249E9}" srcOrd="0" destOrd="0" presId="urn:microsoft.com/office/officeart/2008/layout/VerticalCurvedList"/>
+    <dgm:cxn modelId="{D5B390CB-EC48-4D06-AEE7-B00944A7D941}" srcId="{9D00E425-56F7-4CA5-8522-F1CA2C40F0BC}" destId="{D7701119-9D27-4C95-BB47-45230F4B1283}" srcOrd="1" destOrd="0" parTransId="{75D78395-B350-42F7-BF4E-52AE456C3085}" sibTransId="{39A3E1DE-E0CE-4F3F-B08B-F6DC93847EB5}"/>
+    <dgm:cxn modelId="{AF3BC280-2A54-4A85-A819-F9971329A258}" srcId="{9D00E425-56F7-4CA5-8522-F1CA2C40F0BC}" destId="{90E15242-3A3B-4E2B-9836-874CE387D84A}" srcOrd="3" destOrd="0" parTransId="{186EE319-2AE9-4A1D-AE88-A092A021442A}" sibTransId="{8952C12C-D8E0-45B5-B5D7-00915D298E93}"/>
+    <dgm:cxn modelId="{9CE1FB8B-4378-4CF9-9FC9-9740DB0C17B0}" type="presOf" srcId="{28878EEF-1C92-482E-9637-4494DB14930D}" destId="{BA901146-5622-42D2-9336-C64B0A66A047}" srcOrd="0" destOrd="0" presId="urn:microsoft.com/office/officeart/2008/layout/VerticalCurvedList"/>
     <dgm:cxn modelId="{0FD96445-E52A-40C4-AFD4-8F6CB6CF435A}" type="presParOf" srcId="{6FBAFCDE-FC1E-456F-A578-04FDB0CDECA0}" destId="{D737C13C-688B-46B2-834C-7E4B9FFA13E2}" srcOrd="0" destOrd="0" presId="urn:microsoft.com/office/officeart/2008/layout/VerticalCurvedList"/>
     <dgm:cxn modelId="{6A5F86BD-8E53-4E35-88F1-4927221B958B}" type="presParOf" srcId="{D737C13C-688B-46B2-834C-7E4B9FFA13E2}" destId="{394FBDD7-4D28-4059-B489-EE7AE9ECF86F}" srcOrd="0" destOrd="0" presId="urn:microsoft.com/office/officeart/2008/layout/VerticalCurvedList"/>
     <dgm:cxn modelId="{3384B67B-2199-4E2A-81F4-C750CA3E173A}" type="presParOf" srcId="{394FBDD7-4D28-4059-B489-EE7AE9ECF86F}" destId="{22AB09F9-2801-41E1-89C0-5CE4CC59422A}" srcOrd="0" destOrd="0" presId="urn:microsoft.com/office/officeart/2008/layout/VerticalCurvedList"/>
@@ -1228,15 +1231,18 @@
     <dgm:cxn modelId="{189A5FD0-B460-49BC-95D6-9E664BD63BF0}" type="presParOf" srcId="{D737C13C-688B-46B2-834C-7E4B9FFA13E2}" destId="{F97039F3-4912-478A-A093-74382BEC6855}" srcOrd="1" destOrd="0" presId="urn:microsoft.com/office/officeart/2008/layout/VerticalCurvedList"/>
     <dgm:cxn modelId="{E9F3DD87-2A7D-4EC2-9357-6F60F64BD075}" type="presParOf" srcId="{D737C13C-688B-46B2-834C-7E4B9FFA13E2}" destId="{D8D3A28D-0209-46D8-9BD3-CE4C8F038349}" srcOrd="2" destOrd="0" presId="urn:microsoft.com/office/officeart/2008/layout/VerticalCurvedList"/>
     <dgm:cxn modelId="{A5CE0B5A-FC0D-4F09-8FF5-635A9829CB8B}" type="presParOf" srcId="{D8D3A28D-0209-46D8-9BD3-CE4C8F038349}" destId="{39369B2B-7096-44AF-B9E0-F4D0F6349BE7}" srcOrd="0" destOrd="0" presId="urn:microsoft.com/office/officeart/2008/layout/VerticalCurvedList"/>
-    <dgm:cxn modelId="{E56D9392-768C-4C9F-9A89-D61473F74B66}" type="presParOf" srcId="{D737C13C-688B-46B2-834C-7E4B9FFA13E2}" destId="{79D9027F-A5F5-4C02-B3F9-0A265F5F4EEE}" srcOrd="3" destOrd="0" presId="urn:microsoft.com/office/officeart/2008/layout/VerticalCurvedList"/>
-    <dgm:cxn modelId="{8D35877C-F09A-4E7C-8B53-3AABE7EA4EE0}" type="presParOf" srcId="{D737C13C-688B-46B2-834C-7E4B9FFA13E2}" destId="{3D062514-E68F-46C9-8087-CA26BD361EF1}" srcOrd="4" destOrd="0" presId="urn:microsoft.com/office/officeart/2008/layout/VerticalCurvedList"/>
-    <dgm:cxn modelId="{0E80BD30-DDBC-4348-A69E-DD2D8E46FE1D}" type="presParOf" srcId="{3D062514-E68F-46C9-8087-CA26BD361EF1}" destId="{BF94358B-7D55-40E3-A11F-00F528F0F9C2}" srcOrd="0" destOrd="0" presId="urn:microsoft.com/office/officeart/2008/layout/VerticalCurvedList"/>
-    <dgm:cxn modelId="{CECDE919-95AB-46A5-BA36-9BD0A42A9EB3}" type="presParOf" srcId="{D737C13C-688B-46B2-834C-7E4B9FFA13E2}" destId="{22B8FB06-3E11-4D68-970A-076EA64C6A4A}" srcOrd="5" destOrd="0" presId="urn:microsoft.com/office/officeart/2008/layout/VerticalCurvedList"/>
-    <dgm:cxn modelId="{39C2A33D-76D4-4A78-B5B6-C87613046574}" type="presParOf" srcId="{D737C13C-688B-46B2-834C-7E4B9FFA13E2}" destId="{B19E6CE9-23A5-4A52-A9D7-D04C65177657}" srcOrd="6" destOrd="0" presId="urn:microsoft.com/office/officeart/2008/layout/VerticalCurvedList"/>
-    <dgm:cxn modelId="{E64689EE-61FF-4EC0-B6B3-C2E0D528B1F6}" type="presParOf" srcId="{B19E6CE9-23A5-4A52-A9D7-D04C65177657}" destId="{857A8F08-DE02-4C42-B6AF-F28E6BB448A6}" srcOrd="0" destOrd="0" presId="urn:microsoft.com/office/officeart/2008/layout/VerticalCurvedList"/>
-    <dgm:cxn modelId="{269E877A-57D5-4656-B0E5-F4F7CDFEDD9E}" type="presParOf" srcId="{D737C13C-688B-46B2-834C-7E4B9FFA13E2}" destId="{759ABBCC-C5D4-4E41-907C-1136AF50B538}" srcOrd="7" destOrd="0" presId="urn:microsoft.com/office/officeart/2008/layout/VerticalCurvedList"/>
-    <dgm:cxn modelId="{A82F16E4-6299-4D71-909E-22226209C792}" type="presParOf" srcId="{D737C13C-688B-46B2-834C-7E4B9FFA13E2}" destId="{B522F75D-9751-41AE-B76D-20AD026649A0}" srcOrd="8" destOrd="0" presId="urn:microsoft.com/office/officeart/2008/layout/VerticalCurvedList"/>
-    <dgm:cxn modelId="{16D6909A-5F63-404B-B284-4DA00DD5C19F}" type="presParOf" srcId="{B522F75D-9751-41AE-B76D-20AD026649A0}" destId="{E6D48C6D-5381-4A4E-8471-AC4A6E6F503F}" srcOrd="0" destOrd="0" presId="urn:microsoft.com/office/officeart/2008/layout/VerticalCurvedList"/>
+    <dgm:cxn modelId="{7BB3CBA0-DBA7-4D00-898C-D7FE1FB2B545}" type="presParOf" srcId="{D737C13C-688B-46B2-834C-7E4B9FFA13E2}" destId="{FBE68ABD-63A8-4110-BDF8-5D32595FC8C7}" srcOrd="3" destOrd="0" presId="urn:microsoft.com/office/officeart/2008/layout/VerticalCurvedList"/>
+    <dgm:cxn modelId="{D29EAFD6-6404-4E95-891A-1534C55C18C4}" type="presParOf" srcId="{D737C13C-688B-46B2-834C-7E4B9FFA13E2}" destId="{991CD589-EFC8-42B9-9530-685CB58BE48F}" srcOrd="4" destOrd="0" presId="urn:microsoft.com/office/officeart/2008/layout/VerticalCurvedList"/>
+    <dgm:cxn modelId="{99A23810-0BEC-44D0-A939-128C94090163}" type="presParOf" srcId="{991CD589-EFC8-42B9-9530-685CB58BE48F}" destId="{5E46C05E-EEC3-4BB5-8CD4-818A23CE24AD}" srcOrd="0" destOrd="0" presId="urn:microsoft.com/office/officeart/2008/layout/VerticalCurvedList"/>
+    <dgm:cxn modelId="{2DB77B93-25D1-4EA1-95DD-A46818C3CBC4}" type="presParOf" srcId="{D737C13C-688B-46B2-834C-7E4B9FFA13E2}" destId="{1524E971-380A-45C9-90DF-5E0E403249E9}" srcOrd="5" destOrd="0" presId="urn:microsoft.com/office/officeart/2008/layout/VerticalCurvedList"/>
+    <dgm:cxn modelId="{0B0B6E46-DCC5-4530-B6BF-212DB790350D}" type="presParOf" srcId="{D737C13C-688B-46B2-834C-7E4B9FFA13E2}" destId="{F1DC2E86-13CB-4D7E-B9EF-0CBC34B6B292}" srcOrd="6" destOrd="0" presId="urn:microsoft.com/office/officeart/2008/layout/VerticalCurvedList"/>
+    <dgm:cxn modelId="{7FB6DFCB-6773-43A6-91EF-9CA39788013B}" type="presParOf" srcId="{F1DC2E86-13CB-4D7E-B9EF-0CBC34B6B292}" destId="{BDFFC806-5674-4F3B-B737-EAC01C0D94D8}" srcOrd="0" destOrd="0" presId="urn:microsoft.com/office/officeart/2008/layout/VerticalCurvedList"/>
+    <dgm:cxn modelId="{EA50A784-78CE-4892-B203-8B8DF5615885}" type="presParOf" srcId="{D737C13C-688B-46B2-834C-7E4B9FFA13E2}" destId="{0CBF23C8-5035-4716-B74D-6805D5DEDB69}" srcOrd="7" destOrd="0" presId="urn:microsoft.com/office/officeart/2008/layout/VerticalCurvedList"/>
+    <dgm:cxn modelId="{4325C2BD-40F1-427E-8BE1-94E83E2EB199}" type="presParOf" srcId="{D737C13C-688B-46B2-834C-7E4B9FFA13E2}" destId="{DDC85FD0-C893-4D89-BC4C-9D81CF0B7E46}" srcOrd="8" destOrd="0" presId="urn:microsoft.com/office/officeart/2008/layout/VerticalCurvedList"/>
+    <dgm:cxn modelId="{EDF84894-1FB6-4874-A978-C209109A425A}" type="presParOf" srcId="{DDC85FD0-C893-4D89-BC4C-9D81CF0B7E46}" destId="{BFB6D9EA-25C0-4594-9F54-A68EE9DC3E9D}" srcOrd="0" destOrd="0" presId="urn:microsoft.com/office/officeart/2008/layout/VerticalCurvedList"/>
+    <dgm:cxn modelId="{A8DD0E6E-D012-4826-ABE7-8F71DDEDD090}" type="presParOf" srcId="{D737C13C-688B-46B2-834C-7E4B9FFA13E2}" destId="{BA901146-5622-42D2-9336-C64B0A66A047}" srcOrd="9" destOrd="0" presId="urn:microsoft.com/office/officeart/2008/layout/VerticalCurvedList"/>
+    <dgm:cxn modelId="{202F1B22-84D6-4724-B1FB-FB3D319FFC52}" type="presParOf" srcId="{D737C13C-688B-46B2-834C-7E4B9FFA13E2}" destId="{423480EE-8286-4581-B3F7-72A9465EEB7C}" srcOrd="10" destOrd="0" presId="urn:microsoft.com/office/officeart/2008/layout/VerticalCurvedList"/>
+    <dgm:cxn modelId="{4AFC9565-1117-4B5A-B640-658245E9C06C}" type="presParOf" srcId="{423480EE-8286-4581-B3F7-72A9465EEB7C}" destId="{6267930A-1B81-44BA-BD31-29A2C7933759}" srcOrd="0" destOrd="0" presId="urn:microsoft.com/office/officeart/2008/layout/VerticalCurvedList"/>
   </dgm:cxnLst>
   <dgm:bg/>
   <dgm:whole/>
@@ -1308,8 +1314,8 @@
       </dsp:nvSpPr>
       <dsp:spPr>
         <a:xfrm>
-          <a:off x="570431" y="388833"/>
-          <a:ext cx="7639607" cy="778071"/>
+          <a:off x="476358" y="316002"/>
+          <a:ext cx="7733680" cy="632410"/>
         </a:xfrm>
         <a:prstGeom prst="rect">
           <a:avLst/>
@@ -1386,12 +1392,12 @@
         </a:fontRef>
       </dsp:style>
       <dsp:txBody>
-        <a:bodyPr spcFirstLastPara="0" vert="horz" wrap="square" lIns="617594" tIns="101600" rIns="101600" bIns="101600" numCol="1" spcCol="1270" anchor="ctr" anchorCtr="0">
+        <a:bodyPr spcFirstLastPara="0" vert="horz" wrap="square" lIns="501976" tIns="83820" rIns="83820" bIns="83820" numCol="1" spcCol="1270" anchor="ctr" anchorCtr="0">
           <a:noAutofit/>
         </a:bodyPr>
         <a:lstStyle/>
         <a:p>
-          <a:pPr lvl="0" algn="l" defTabSz="1778000">
+          <a:pPr lvl="0" algn="l" defTabSz="1466850">
             <a:lnSpc>
               <a:spcPct val="90000"/>
             </a:lnSpc>
@@ -1403,32 +1409,15 @@
             </a:spcAft>
           </a:pPr>
           <a:r>
-            <a:rPr lang="en-US" sz="4000" kern="1200" dirty="0" err="1" smtClean="0">
-              <a:latin typeface="Arial" pitchFamily="34" charset="0"/>
-              <a:cs typeface="Arial" pitchFamily="34" charset="0"/>
-            </a:rPr>
-            <a:t>Giới</a:t>
+            <a:rPr lang="vi-VN" sz="3300" b="0" i="0" u="none" kern="1200" smtClean="0"/>
+            <a:t>Giới thiệu vấn đề</a:t>
           </a:r>
-          <a:r>
-            <a:rPr lang="en-US" sz="4000" kern="1200" dirty="0" smtClean="0">
-              <a:latin typeface="Arial" pitchFamily="34" charset="0"/>
-              <a:cs typeface="Arial" pitchFamily="34" charset="0"/>
-            </a:rPr>
-            <a:t> </a:t>
-          </a:r>
-          <a:r>
-            <a:rPr lang="en-US" sz="4000" kern="1200" dirty="0" err="1" smtClean="0">
-              <a:latin typeface="Arial" pitchFamily="34" charset="0"/>
-              <a:cs typeface="Arial" pitchFamily="34" charset="0"/>
-            </a:rPr>
-            <a:t>thiệu</a:t>
-          </a:r>
-          <a:endParaRPr lang="en-AU" sz="4000" kern="1200" dirty="0"/>
+          <a:endParaRPr lang="en-AU" sz="3300" kern="1200" dirty="0"/>
         </a:p>
       </dsp:txBody>
       <dsp:txXfrm>
-        <a:off x="570431" y="388833"/>
-        <a:ext cx="7639607" cy="778071"/>
+        <a:off x="476358" y="316002"/>
+        <a:ext cx="7733680" cy="632410"/>
       </dsp:txXfrm>
     </dsp:sp>
     <dsp:sp modelId="{39369B2B-7096-44AF-B9E0-F4D0F6349BE7}">
@@ -1438,8 +1427,8 @@
       </dsp:nvSpPr>
       <dsp:spPr>
         <a:xfrm>
-          <a:off x="84136" y="291574"/>
-          <a:ext cx="972589" cy="972589"/>
+          <a:off x="81102" y="236951"/>
+          <a:ext cx="790513" cy="790513"/>
         </a:xfrm>
         <a:prstGeom prst="ellipse">
           <a:avLst/>
@@ -1484,15 +1473,15 @@
         <a:fontRef idx="minor"/>
       </dsp:style>
     </dsp:sp>
-    <dsp:sp modelId="{79D9027F-A5F5-4C02-B3F9-0A265F5F4EEE}">
+    <dsp:sp modelId="{FBE68ABD-63A8-4110-BDF8-5D32595FC8C7}">
       <dsp:nvSpPr>
         <dsp:cNvPr id="0" name=""/>
         <dsp:cNvSpPr/>
       </dsp:nvSpPr>
       <dsp:spPr>
         <a:xfrm>
-          <a:off x="1016517" y="1556142"/>
-          <a:ext cx="7193521" cy="778071"/>
+          <a:off x="929525" y="1264315"/>
+          <a:ext cx="7280513" cy="632410"/>
         </a:xfrm>
         <a:prstGeom prst="rect">
           <a:avLst/>
@@ -1569,12 +1558,12 @@
         </a:fontRef>
       </dsp:style>
       <dsp:txBody>
-        <a:bodyPr spcFirstLastPara="0" vert="horz" wrap="square" lIns="617594" tIns="101600" rIns="101600" bIns="101600" numCol="1" spcCol="1270" anchor="ctr" anchorCtr="0">
+        <a:bodyPr spcFirstLastPara="0" vert="horz" wrap="square" lIns="501976" tIns="83820" rIns="83820" bIns="83820" numCol="1" spcCol="1270" anchor="ctr" anchorCtr="0">
           <a:noAutofit/>
         </a:bodyPr>
         <a:lstStyle/>
         <a:p>
-          <a:pPr lvl="0" algn="l" defTabSz="1778000">
+          <a:pPr lvl="0" algn="l" defTabSz="1466850" rtl="0">
             <a:lnSpc>
               <a:spcPct val="90000"/>
             </a:lnSpc>
@@ -1586,32 +1575,26 @@
             </a:spcAft>
           </a:pPr>
           <a:r>
-            <a:rPr lang="en-US" sz="4000" kern="1200" smtClean="0">
-              <a:latin typeface="Arial" pitchFamily="34" charset="0"/>
-              <a:cs typeface="Arial" pitchFamily="34" charset="0"/>
-            </a:rPr>
-            <a:t>Phân chia công việc</a:t>
+            <a:rPr lang="en-AU" sz="3300" b="0" i="0" u="none" kern="1200" smtClean="0"/>
+            <a:t>Giải pháp</a:t>
           </a:r>
-          <a:endParaRPr lang="en-US" sz="4000" kern="1200" dirty="0" smtClean="0">
-            <a:latin typeface="Arial" pitchFamily="34" charset="0"/>
-            <a:cs typeface="Arial" pitchFamily="34" charset="0"/>
-          </a:endParaRPr>
+          <a:endParaRPr lang="en-AU" sz="3300" b="0" i="0" u="none" kern="1200"/>
         </a:p>
       </dsp:txBody>
       <dsp:txXfrm>
-        <a:off x="1016517" y="1556142"/>
-        <a:ext cx="7193521" cy="778071"/>
+        <a:off x="929525" y="1264315"/>
+        <a:ext cx="7280513" cy="632410"/>
       </dsp:txXfrm>
     </dsp:sp>
-    <dsp:sp modelId="{BF94358B-7D55-40E3-A11F-00F528F0F9C2}">
+    <dsp:sp modelId="{5E46C05E-EEC3-4BB5-8CD4-818A23CE24AD}">
       <dsp:nvSpPr>
         <dsp:cNvPr id="0" name=""/>
         <dsp:cNvSpPr/>
       </dsp:nvSpPr>
       <dsp:spPr>
         <a:xfrm>
-          <a:off x="530223" y="1458883"/>
-          <a:ext cx="972589" cy="972589"/>
+          <a:off x="534269" y="1185264"/>
+          <a:ext cx="790513" cy="790513"/>
         </a:xfrm>
         <a:prstGeom prst="ellipse">
           <a:avLst/>
@@ -1656,15 +1639,15 @@
         <a:fontRef idx="minor"/>
       </dsp:style>
     </dsp:sp>
-    <dsp:sp modelId="{22B8FB06-3E11-4D68-970A-076EA64C6A4A}">
+    <dsp:sp modelId="{1524E971-380A-45C9-90DF-5E0E403249E9}">
       <dsp:nvSpPr>
         <dsp:cNvPr id="0" name=""/>
         <dsp:cNvSpPr/>
       </dsp:nvSpPr>
       <dsp:spPr>
         <a:xfrm>
-          <a:off x="1016517" y="2723451"/>
-          <a:ext cx="7193521" cy="778071"/>
+          <a:off x="1068611" y="2212627"/>
+          <a:ext cx="7141427" cy="632410"/>
         </a:xfrm>
         <a:prstGeom prst="rect">
           <a:avLst/>
@@ -1741,12 +1724,12 @@
         </a:fontRef>
       </dsp:style>
       <dsp:txBody>
-        <a:bodyPr spcFirstLastPara="0" vert="horz" wrap="square" lIns="617594" tIns="101600" rIns="101600" bIns="101600" numCol="1" spcCol="1270" anchor="ctr" anchorCtr="0">
+        <a:bodyPr spcFirstLastPara="0" vert="horz" wrap="square" lIns="501976" tIns="83820" rIns="83820" bIns="83820" numCol="1" spcCol="1270" anchor="ctr" anchorCtr="0">
           <a:noAutofit/>
         </a:bodyPr>
         <a:lstStyle/>
         <a:p>
-          <a:pPr lvl="0" algn="l" defTabSz="1778000">
+          <a:pPr lvl="0" algn="l" defTabSz="1466850" rtl="0">
             <a:lnSpc>
               <a:spcPct val="90000"/>
             </a:lnSpc>
@@ -1758,32 +1741,26 @@
             </a:spcAft>
           </a:pPr>
           <a:r>
-            <a:rPr lang="en-US" sz="4000" kern="1200" smtClean="0">
-              <a:latin typeface="Arial" pitchFamily="34" charset="0"/>
-              <a:cs typeface="Arial" pitchFamily="34" charset="0"/>
-            </a:rPr>
-            <a:t>Tiến độ triển khai</a:t>
+            <a:rPr lang="en-AU" sz="3300" b="0" i="0" u="none" kern="1200" smtClean="0"/>
+            <a:t>Phân công nhiệm vụ</a:t>
           </a:r>
-          <a:endParaRPr lang="en-US" sz="4000" kern="1200" dirty="0" smtClean="0">
-            <a:latin typeface="Arial" pitchFamily="34" charset="0"/>
-            <a:cs typeface="Arial" pitchFamily="34" charset="0"/>
-          </a:endParaRPr>
+          <a:endParaRPr lang="en-AU" sz="3300" b="0" i="0" u="none" kern="1200"/>
         </a:p>
       </dsp:txBody>
       <dsp:txXfrm>
-        <a:off x="1016517" y="2723451"/>
-        <a:ext cx="7193521" cy="778071"/>
+        <a:off x="1068611" y="2212627"/>
+        <a:ext cx="7141427" cy="632410"/>
       </dsp:txXfrm>
     </dsp:sp>
-    <dsp:sp modelId="{857A8F08-DE02-4C42-B6AF-F28E6BB448A6}">
+    <dsp:sp modelId="{BDFFC806-5674-4F3B-B737-EAC01C0D94D8}">
       <dsp:nvSpPr>
         <dsp:cNvPr id="0" name=""/>
         <dsp:cNvSpPr/>
       </dsp:nvSpPr>
       <dsp:spPr>
         <a:xfrm>
-          <a:off x="530223" y="2626193"/>
-          <a:ext cx="972589" cy="972589"/>
+          <a:off x="673355" y="2133576"/>
+          <a:ext cx="790513" cy="790513"/>
         </a:xfrm>
         <a:prstGeom prst="ellipse">
           <a:avLst/>
@@ -1828,15 +1805,15 @@
         <a:fontRef idx="minor"/>
       </dsp:style>
     </dsp:sp>
-    <dsp:sp modelId="{759ABBCC-C5D4-4E41-907C-1136AF50B538}">
+    <dsp:sp modelId="{0CBF23C8-5035-4716-B74D-6805D5DEDB69}">
       <dsp:nvSpPr>
         <dsp:cNvPr id="0" name=""/>
         <dsp:cNvSpPr/>
       </dsp:nvSpPr>
       <dsp:spPr>
         <a:xfrm>
-          <a:off x="570431" y="3890761"/>
-          <a:ext cx="7639607" cy="778071"/>
+          <a:off x="929525" y="3160940"/>
+          <a:ext cx="7280513" cy="632410"/>
         </a:xfrm>
         <a:prstGeom prst="rect">
           <a:avLst/>
@@ -1913,12 +1890,12 @@
         </a:fontRef>
       </dsp:style>
       <dsp:txBody>
-        <a:bodyPr spcFirstLastPara="0" vert="horz" wrap="square" lIns="617594" tIns="101600" rIns="101600" bIns="101600" numCol="1" spcCol="1270" anchor="ctr" anchorCtr="0">
+        <a:bodyPr spcFirstLastPara="0" vert="horz" wrap="square" lIns="501976" tIns="83820" rIns="83820" bIns="83820" numCol="1" spcCol="1270" anchor="ctr" anchorCtr="0">
           <a:noAutofit/>
         </a:bodyPr>
         <a:lstStyle/>
         <a:p>
-          <a:pPr lvl="0" algn="l" defTabSz="1778000">
+          <a:pPr lvl="0" algn="l" defTabSz="1466850" rtl="0">
             <a:lnSpc>
               <a:spcPct val="90000"/>
             </a:lnSpc>
@@ -1930,32 +1907,192 @@
             </a:spcAft>
           </a:pPr>
           <a:r>
-            <a:rPr lang="en-US" sz="4000" kern="1200" smtClean="0">
-              <a:latin typeface="Arial" pitchFamily="34" charset="0"/>
-              <a:cs typeface="Arial" pitchFamily="34" charset="0"/>
-            </a:rPr>
-            <a:t>Công việc sắp tới</a:t>
+            <a:rPr lang="en-AU" sz="3300" b="0" i="0" u="none" kern="1200" smtClean="0"/>
+            <a:t>Kết quả triển khai</a:t>
           </a:r>
-          <a:endParaRPr lang="en-AU" sz="4000" kern="1200" dirty="0">
-            <a:latin typeface="Arial" pitchFamily="34" charset="0"/>
-            <a:cs typeface="Arial" pitchFamily="34" charset="0"/>
-          </a:endParaRPr>
+          <a:endParaRPr lang="en-AU" sz="3300" b="0" i="0" u="none" kern="1200"/>
         </a:p>
       </dsp:txBody>
       <dsp:txXfrm>
-        <a:off x="570431" y="3890761"/>
-        <a:ext cx="7639607" cy="778071"/>
+        <a:off x="929525" y="3160940"/>
+        <a:ext cx="7280513" cy="632410"/>
       </dsp:txXfrm>
     </dsp:sp>
-    <dsp:sp modelId="{E6D48C6D-5381-4A4E-8471-AC4A6E6F503F}">
+    <dsp:sp modelId="{BFB6D9EA-25C0-4594-9F54-A68EE9DC3E9D}">
       <dsp:nvSpPr>
         <dsp:cNvPr id="0" name=""/>
         <dsp:cNvSpPr/>
       </dsp:nvSpPr>
       <dsp:spPr>
         <a:xfrm>
-          <a:off x="84136" y="3793502"/>
-          <a:ext cx="972589" cy="972589"/>
+          <a:off x="534269" y="3081888"/>
+          <a:ext cx="790513" cy="790513"/>
+        </a:xfrm>
+        <a:prstGeom prst="ellipse">
+          <a:avLst/>
+        </a:prstGeom>
+        <a:solidFill>
+          <a:schemeClr val="lt1">
+            <a:hueOff val="0"/>
+            <a:satOff val="0"/>
+            <a:lumOff val="0"/>
+            <a:alphaOff val="0"/>
+          </a:schemeClr>
+        </a:solidFill>
+        <a:ln w="9525" cap="flat" cmpd="sng" algn="ctr">
+          <a:solidFill>
+            <a:schemeClr val="accent3">
+              <a:hueOff val="0"/>
+              <a:satOff val="0"/>
+              <a:lumOff val="0"/>
+              <a:alphaOff val="0"/>
+            </a:schemeClr>
+          </a:solidFill>
+          <a:prstDash val="solid"/>
+        </a:ln>
+        <a:effectLst>
+          <a:outerShdw blurRad="40000" dist="23000" dir="5400000" rotWithShape="0">
+            <a:srgbClr val="000000">
+              <a:alpha val="35000"/>
+            </a:srgbClr>
+          </a:outerShdw>
+        </a:effectLst>
+      </dsp:spPr>
+      <dsp:style>
+        <a:lnRef idx="1">
+          <a:scrgbClr r="0" g="0" b="0"/>
+        </a:lnRef>
+        <a:fillRef idx="1">
+          <a:scrgbClr r="0" g="0" b="0"/>
+        </a:fillRef>
+        <a:effectRef idx="2">
+          <a:scrgbClr r="0" g="0" b="0"/>
+        </a:effectRef>
+        <a:fontRef idx="minor"/>
+      </dsp:style>
+    </dsp:sp>
+    <dsp:sp modelId="{BA901146-5622-42D2-9336-C64B0A66A047}">
+      <dsp:nvSpPr>
+        <dsp:cNvPr id="0" name=""/>
+        <dsp:cNvSpPr/>
+      </dsp:nvSpPr>
+      <dsp:spPr>
+        <a:xfrm>
+          <a:off x="476358" y="4109252"/>
+          <a:ext cx="7733680" cy="632410"/>
+        </a:xfrm>
+        <a:prstGeom prst="rect">
+          <a:avLst/>
+        </a:prstGeom>
+        <a:gradFill rotWithShape="0">
+          <a:gsLst>
+            <a:gs pos="0">
+              <a:schemeClr val="accent3">
+                <a:hueOff val="0"/>
+                <a:satOff val="0"/>
+                <a:lumOff val="0"/>
+                <a:alphaOff val="0"/>
+                <a:shade val="51000"/>
+                <a:satMod val="130000"/>
+              </a:schemeClr>
+            </a:gs>
+            <a:gs pos="80000">
+              <a:schemeClr val="accent3">
+                <a:hueOff val="0"/>
+                <a:satOff val="0"/>
+                <a:lumOff val="0"/>
+                <a:alphaOff val="0"/>
+                <a:shade val="93000"/>
+                <a:satMod val="130000"/>
+              </a:schemeClr>
+            </a:gs>
+            <a:gs pos="100000">
+              <a:schemeClr val="accent3">
+                <a:hueOff val="0"/>
+                <a:satOff val="0"/>
+                <a:lumOff val="0"/>
+                <a:alphaOff val="0"/>
+                <a:shade val="94000"/>
+                <a:satMod val="135000"/>
+              </a:schemeClr>
+            </a:gs>
+          </a:gsLst>
+          <a:lin ang="16200000" scaled="0"/>
+        </a:gradFill>
+        <a:ln>
+          <a:noFill/>
+        </a:ln>
+        <a:effectLst>
+          <a:outerShdw blurRad="40000" dist="23000" dir="5400000" rotWithShape="0">
+            <a:srgbClr val="000000">
+              <a:alpha val="35000"/>
+            </a:srgbClr>
+          </a:outerShdw>
+        </a:effectLst>
+        <a:scene3d>
+          <a:camera prst="orthographicFront">
+            <a:rot lat="0" lon="0" rev="0"/>
+          </a:camera>
+          <a:lightRig rig="threePt" dir="t">
+            <a:rot lat="0" lon="0" rev="1200000"/>
+          </a:lightRig>
+        </a:scene3d>
+        <a:sp3d>
+          <a:bevelT w="63500" h="25400"/>
+        </a:sp3d>
+      </dsp:spPr>
+      <dsp:style>
+        <a:lnRef idx="0">
+          <a:scrgbClr r="0" g="0" b="0"/>
+        </a:lnRef>
+        <a:fillRef idx="3">
+          <a:scrgbClr r="0" g="0" b="0"/>
+        </a:fillRef>
+        <a:effectRef idx="3">
+          <a:scrgbClr r="0" g="0" b="0"/>
+        </a:effectRef>
+        <a:fontRef idx="minor">
+          <a:schemeClr val="lt1"/>
+        </a:fontRef>
+      </dsp:style>
+      <dsp:txBody>
+        <a:bodyPr spcFirstLastPara="0" vert="horz" wrap="square" lIns="501976" tIns="83820" rIns="83820" bIns="83820" numCol="1" spcCol="1270" anchor="ctr" anchorCtr="0">
+          <a:noAutofit/>
+        </a:bodyPr>
+        <a:lstStyle/>
+        <a:p>
+          <a:pPr lvl="0" algn="l" defTabSz="1466850" rtl="0">
+            <a:lnSpc>
+              <a:spcPct val="90000"/>
+            </a:lnSpc>
+            <a:spcBef>
+              <a:spcPct val="0"/>
+            </a:spcBef>
+            <a:spcAft>
+              <a:spcPct val="35000"/>
+            </a:spcAft>
+          </a:pPr>
+          <a:r>
+            <a:rPr lang="vi-VN" sz="3300" b="0" i="0" u="none" kern="1200" smtClean="0"/>
+            <a:t>Kết luận và hướng phát triển</a:t>
+          </a:r>
+          <a:endParaRPr lang="vi-VN" sz="3300" b="0" i="0" u="none" kern="1200"/>
+        </a:p>
+      </dsp:txBody>
+      <dsp:txXfrm>
+        <a:off x="476358" y="4109252"/>
+        <a:ext cx="7733680" cy="632410"/>
+      </dsp:txXfrm>
+    </dsp:sp>
+    <dsp:sp modelId="{6267930A-1B81-44BA-BD31-29A2C7933759}">
+      <dsp:nvSpPr>
+        <dsp:cNvPr id="0" name=""/>
+        <dsp:cNvSpPr/>
+      </dsp:nvSpPr>
+      <dsp:spPr>
+        <a:xfrm>
+          <a:off x="81102" y="4030201"/>
+          <a:ext cx="790513" cy="790513"/>
         </a:xfrm>
         <a:prstGeom prst="ellipse">
           <a:avLst/>
@@ -4398,7 +4535,7 @@
           <a:p>
             <a:fld id="{1C4840F9-7AFD-4344-9CEA-9AD6AD021881}" type="datetimeFigureOut">
               <a:rPr lang="en-AU" smtClean="0"/>
-              <a:t>15/04/2021</a:t>
+              <a:t>14/08/2021</a:t>
             </a:fld>
             <a:endParaRPr lang="en-AU"/>
           </a:p>
@@ -6033,7 +6170,7 @@
           <a:p>
             <a:fld id="{F4FC1B94-C13D-4C52-8B66-F2068283BBC6}" type="datetimeFigureOut">
               <a:rPr lang="en-AU" smtClean="0"/>
-              <a:t>15/04/2021</a:t>
+              <a:t>14/08/2021</a:t>
             </a:fld>
             <a:endParaRPr lang="en-AU"/>
           </a:p>
@@ -6203,7 +6340,7 @@
           <a:p>
             <a:fld id="{F4FC1B94-C13D-4C52-8B66-F2068283BBC6}" type="datetimeFigureOut">
               <a:rPr lang="en-AU" smtClean="0"/>
-              <a:t>15/04/2021</a:t>
+              <a:t>14/08/2021</a:t>
             </a:fld>
             <a:endParaRPr lang="en-AU"/>
           </a:p>
@@ -6383,7 +6520,7 @@
           <a:p>
             <a:fld id="{F4FC1B94-C13D-4C52-8B66-F2068283BBC6}" type="datetimeFigureOut">
               <a:rPr lang="en-AU" smtClean="0"/>
-              <a:t>15/04/2021</a:t>
+              <a:t>14/08/2021</a:t>
             </a:fld>
             <a:endParaRPr lang="en-AU"/>
           </a:p>
@@ -6583,7 +6720,7 @@
           <a:p>
             <a:fld id="{F4FC1B94-C13D-4C52-8B66-F2068283BBC6}" type="datetimeFigureOut">
               <a:rPr lang="en-AU" smtClean="0"/>
-              <a:t>15/04/2021</a:t>
+              <a:t>14/08/2021</a:t>
             </a:fld>
             <a:endParaRPr lang="en-AU"/>
           </a:p>
@@ -6829,7 +6966,7 @@
           <a:p>
             <a:fld id="{F4FC1B94-C13D-4C52-8B66-F2068283BBC6}" type="datetimeFigureOut">
               <a:rPr lang="en-AU" smtClean="0"/>
-              <a:t>15/04/2021</a:t>
+              <a:t>14/08/2021</a:t>
             </a:fld>
             <a:endParaRPr lang="en-AU"/>
           </a:p>
@@ -7117,7 +7254,7 @@
           <a:p>
             <a:fld id="{F4FC1B94-C13D-4C52-8B66-F2068283BBC6}" type="datetimeFigureOut">
               <a:rPr lang="en-AU" smtClean="0"/>
-              <a:t>15/04/2021</a:t>
+              <a:t>14/08/2021</a:t>
             </a:fld>
             <a:endParaRPr lang="en-AU"/>
           </a:p>
@@ -7539,7 +7676,7 @@
           <a:p>
             <a:fld id="{F4FC1B94-C13D-4C52-8B66-F2068283BBC6}" type="datetimeFigureOut">
               <a:rPr lang="en-AU" smtClean="0"/>
-              <a:t>15/04/2021</a:t>
+              <a:t>14/08/2021</a:t>
             </a:fld>
             <a:endParaRPr lang="en-AU"/>
           </a:p>
@@ -7657,7 +7794,7 @@
           <a:p>
             <a:fld id="{F4FC1B94-C13D-4C52-8B66-F2068283BBC6}" type="datetimeFigureOut">
               <a:rPr lang="en-AU" smtClean="0"/>
-              <a:t>15/04/2021</a:t>
+              <a:t>14/08/2021</a:t>
             </a:fld>
             <a:endParaRPr lang="en-AU"/>
           </a:p>
@@ -7752,7 +7889,7 @@
           <a:p>
             <a:fld id="{F4FC1B94-C13D-4C52-8B66-F2068283BBC6}" type="datetimeFigureOut">
               <a:rPr lang="en-AU" smtClean="0"/>
-              <a:t>15/04/2021</a:t>
+              <a:t>14/08/2021</a:t>
             </a:fld>
             <a:endParaRPr lang="en-AU"/>
           </a:p>
@@ -8029,7 +8166,7 @@
           <a:p>
             <a:fld id="{F4FC1B94-C13D-4C52-8B66-F2068283BBC6}" type="datetimeFigureOut">
               <a:rPr lang="en-AU" smtClean="0"/>
-              <a:t>15/04/2021</a:t>
+              <a:t>14/08/2021</a:t>
             </a:fld>
             <a:endParaRPr lang="en-AU"/>
           </a:p>
@@ -8282,7 +8419,7 @@
           <a:p>
             <a:fld id="{F4FC1B94-C13D-4C52-8B66-F2068283BBC6}" type="datetimeFigureOut">
               <a:rPr lang="en-AU" smtClean="0"/>
-              <a:t>15/04/2021</a:t>
+              <a:t>14/08/2021</a:t>
             </a:fld>
             <a:endParaRPr lang="en-AU"/>
           </a:p>
@@ -8495,7 +8632,7 @@
           <a:p>
             <a:fld id="{F4FC1B94-C13D-4C52-8B66-F2068283BBC6}" type="datetimeFigureOut">
               <a:rPr lang="en-AU" smtClean="0"/>
-              <a:t>15/04/2021</a:t>
+              <a:t>14/08/2021</a:t>
             </a:fld>
             <a:endParaRPr lang="en-AU"/>
           </a:p>
@@ -8913,14 +9050,16 @@
                 <a:solidFill>
                   <a:schemeClr val="dk1"/>
                 </a:solidFill>
-                <a:latin typeface="Roboto Condensed"/>
+                <a:latin typeface="Maven Pro" pitchFamily="2" charset="0"/>
                 <a:ea typeface="Roboto Condensed"/>
                 <a:cs typeface="Roboto Condensed"/>
                 <a:sym typeface="Roboto Condensed"/>
               </a:rPr>
               <a:t>World One Powerful Presentation Template</a:t>
             </a:r>
-            <a:endParaRPr/>
+            <a:endParaRPr>
+              <a:latin typeface="Maven Pro" pitchFamily="2" charset="0"/>
+            </a:endParaRPr>
           </a:p>
         </p:txBody>
       </p:sp>
@@ -8963,7 +9102,7 @@
                 <a:solidFill>
                   <a:srgbClr val="3F3F3F"/>
                 </a:solidFill>
-                <a:latin typeface="Times New Roman"/>
+                <a:latin typeface="Maven Pro" pitchFamily="2" charset="0"/>
                 <a:ea typeface="Times New Roman"/>
                 <a:cs typeface="Times New Roman"/>
                 <a:sym typeface="Times New Roman"/>
@@ -8975,18 +9114,42 @@
                 <a:solidFill>
                   <a:srgbClr val="3F3F3F"/>
                 </a:solidFill>
-                <a:latin typeface="Times New Roman"/>
+                <a:latin typeface="Maven Pro" pitchFamily="2" charset="0"/>
                 <a:ea typeface="Times New Roman"/>
                 <a:cs typeface="Times New Roman"/>
                 <a:sym typeface="Times New Roman"/>
               </a:rPr>
-              <a:t>NHẬN DIỆN VẬT CẢN VÀ PHÁT HIỆN NGƯỜI THÂN CHO NGƯỜI BỊ KHIẾM THỊ</a:t>
+              <a:t>NHẬN DIỆN VẬT CẢN VÀ PHÁT HIỆN NGƯỜI THÂN CHO NGƯỜI </a:t>
+            </a:r>
+            <a:r>
+              <a:rPr lang="vi-VN" sz="3200" b="1" dirty="0" smtClean="0">
+                <a:solidFill>
+                  <a:srgbClr val="3F3F3F"/>
+                </a:solidFill>
+                <a:latin typeface="Maven Pro" pitchFamily="2" charset="0"/>
+                <a:ea typeface="Times New Roman"/>
+                <a:cs typeface="Times New Roman"/>
+                <a:sym typeface="Times New Roman"/>
+              </a:rPr>
+              <a:t>KHIẾM </a:t>
+            </a:r>
+            <a:r>
+              <a:rPr lang="vi-VN" sz="3200" b="1" dirty="0">
+                <a:solidFill>
+                  <a:srgbClr val="3F3F3F"/>
+                </a:solidFill>
+                <a:latin typeface="Maven Pro" pitchFamily="2" charset="0"/>
+                <a:ea typeface="Times New Roman"/>
+                <a:cs typeface="Times New Roman"/>
+                <a:sym typeface="Times New Roman"/>
+              </a:rPr>
+              <a:t>THỊ</a:t>
             </a:r>
             <a:endParaRPr sz="3200" b="1" i="0" u="none" strike="noStrike" cap="none" dirty="0">
               <a:solidFill>
                 <a:srgbClr val="3F3F3F"/>
               </a:solidFill>
-              <a:latin typeface="Times New Roman"/>
+              <a:latin typeface="Maven Pro" pitchFamily="2" charset="0"/>
               <a:ea typeface="Times New Roman"/>
               <a:cs typeface="Times New Roman"/>
               <a:sym typeface="Times New Roman"/>
@@ -9039,7 +9202,7 @@
                 <a:solidFill>
                   <a:srgbClr val="3F3F3F"/>
                 </a:solidFill>
-                <a:latin typeface="Times New Roman"/>
+                <a:latin typeface="Maven Pro" pitchFamily="2" charset="0"/>
                 <a:ea typeface="Times New Roman"/>
                 <a:cs typeface="Times New Roman"/>
                 <a:sym typeface="Times New Roman"/>
@@ -9051,7 +9214,7 @@
                 <a:solidFill>
                   <a:srgbClr val="3F3F3F"/>
                 </a:solidFill>
-                <a:latin typeface="Times New Roman"/>
+                <a:latin typeface="Maven Pro" pitchFamily="2" charset="0"/>
                 <a:ea typeface="Times New Roman"/>
                 <a:cs typeface="Times New Roman"/>
                 <a:sym typeface="Times New Roman"/>
@@ -9062,7 +9225,7 @@
                 <a:solidFill>
                   <a:srgbClr val="3F3F3F"/>
                 </a:solidFill>
-                <a:latin typeface="Times New Roman"/>
+                <a:latin typeface="Maven Pro" pitchFamily="2" charset="0"/>
                 <a:ea typeface="Times New Roman"/>
                 <a:cs typeface="Times New Roman"/>
                 <a:sym typeface="Times New Roman"/>
@@ -9073,7 +9236,7 @@
               <a:solidFill>
                 <a:srgbClr val="3F3F3F"/>
               </a:solidFill>
-              <a:latin typeface="Times New Roman"/>
+              <a:latin typeface="Maven Pro" pitchFamily="2" charset="0"/>
               <a:ea typeface="Times New Roman"/>
               <a:cs typeface="Times New Roman"/>
               <a:sym typeface="Times New Roman"/>
@@ -9120,7 +9283,7 @@
                 <a:solidFill>
                   <a:schemeClr val="accent3"/>
                 </a:solidFill>
-                <a:latin typeface="Times New Roman"/>
+                <a:latin typeface="Maven Pro" pitchFamily="2" charset="0"/>
                 <a:ea typeface="Times New Roman"/>
                 <a:cs typeface="Times New Roman"/>
                 <a:sym typeface="Times New Roman"/>
@@ -9132,7 +9295,7 @@
                 <a:solidFill>
                   <a:schemeClr val="accent3"/>
                 </a:solidFill>
-                <a:latin typeface="Times New Roman"/>
+                <a:latin typeface="Maven Pro" pitchFamily="2" charset="0"/>
                 <a:ea typeface="Times New Roman"/>
                 <a:cs typeface="Times New Roman"/>
                 <a:sym typeface="Times New Roman"/>
@@ -9143,7 +9306,7 @@
               <a:solidFill>
                 <a:schemeClr val="accent3"/>
               </a:solidFill>
-              <a:latin typeface="Times New Roman"/>
+              <a:latin typeface="Maven Pro" pitchFamily="2" charset="0"/>
               <a:ea typeface="Times New Roman"/>
               <a:cs typeface="Times New Roman"/>
               <a:sym typeface="Times New Roman"/>
@@ -9190,7 +9353,7 @@
                 <a:solidFill>
                   <a:schemeClr val="dk1"/>
                 </a:solidFill>
-                <a:latin typeface="Times New Roman"/>
+                <a:latin typeface="Nunito" pitchFamily="2" charset="0"/>
                 <a:ea typeface="Times New Roman"/>
                 <a:cs typeface="Times New Roman"/>
                 <a:sym typeface="Times New Roman"/>
@@ -9201,7 +9364,7 @@
               <a:solidFill>
                 <a:schemeClr val="dk1"/>
               </a:solidFill>
-              <a:latin typeface="Times New Roman"/>
+              <a:latin typeface="Nunito" pitchFamily="2" charset="0"/>
               <a:ea typeface="Times New Roman"/>
               <a:cs typeface="Times New Roman"/>
               <a:sym typeface="Times New Roman"/>
@@ -9218,22 +9381,58 @@
               <a:buNone/>
             </a:pPr>
             <a:r>
+              <a:rPr lang="vi-VN" dirty="0" smtClean="0">
+                <a:solidFill>
+                  <a:schemeClr val="dk1"/>
+                </a:solidFill>
+                <a:latin typeface="Nunito" pitchFamily="2" charset="0"/>
+                <a:ea typeface="Times New Roman"/>
+                <a:cs typeface="Times New Roman"/>
+                <a:sym typeface="Times New Roman"/>
+              </a:rPr>
+              <a:t>TS.</a:t>
+            </a:r>
+            <a:r>
+              <a:rPr lang="en-US" dirty="0" smtClean="0">
+                <a:solidFill>
+                  <a:schemeClr val="dk1"/>
+                </a:solidFill>
+                <a:latin typeface="Nunito" pitchFamily="2" charset="0"/>
+                <a:ea typeface="Times New Roman"/>
+                <a:cs typeface="Times New Roman"/>
+                <a:sym typeface="Times New Roman"/>
+              </a:rPr>
+              <a:t>BÙI</a:t>
+            </a:r>
+            <a:r>
+              <a:rPr lang="vi-VN" dirty="0" smtClean="0">
+                <a:solidFill>
+                  <a:schemeClr val="dk1"/>
+                </a:solidFill>
+                <a:latin typeface="Nunito" pitchFamily="2" charset="0"/>
+                <a:ea typeface="Times New Roman"/>
+                <a:cs typeface="Times New Roman"/>
+                <a:sym typeface="Times New Roman"/>
+              </a:rPr>
+              <a:t> </a:t>
+            </a:r>
+            <a:r>
               <a:rPr lang="vi-VN" dirty="0">
                 <a:solidFill>
                   <a:schemeClr val="dk1"/>
                 </a:solidFill>
-                <a:latin typeface="Times New Roman"/>
+                <a:latin typeface="Nunito" pitchFamily="2" charset="0"/>
                 <a:ea typeface="Times New Roman"/>
                 <a:cs typeface="Times New Roman"/>
                 <a:sym typeface="Times New Roman"/>
               </a:rPr>
-              <a:t>TS.NGUYỄN THỊ THANH THANH– CÔNG TY PHẦN MỀM ENCLAVE. </a:t>
+              <a:t>THỊ THANH THANH– CÔNG TY PHẦN MỀM ENCLAVE. </a:t>
             </a:r>
             <a:endParaRPr dirty="0">
               <a:solidFill>
                 <a:schemeClr val="dk1"/>
               </a:solidFill>
-              <a:latin typeface="Times New Roman"/>
+              <a:latin typeface="Nunito" pitchFamily="2" charset="0"/>
               <a:ea typeface="Times New Roman"/>
               <a:cs typeface="Times New Roman"/>
               <a:sym typeface="Times New Roman"/>
@@ -9254,7 +9453,7 @@
                 <a:solidFill>
                   <a:schemeClr val="dk1"/>
                 </a:solidFill>
-                <a:latin typeface="Times New Roman"/>
+                <a:latin typeface="Nunito" pitchFamily="2" charset="0"/>
                 <a:ea typeface="Times New Roman"/>
                 <a:cs typeface="Times New Roman"/>
                 <a:sym typeface="Times New Roman"/>
@@ -9266,7 +9465,7 @@
                 <a:solidFill>
                   <a:schemeClr val="dk1"/>
                 </a:solidFill>
-                <a:latin typeface="Times New Roman"/>
+                <a:latin typeface="Nunito" pitchFamily="2" charset="0"/>
                 <a:ea typeface="Times New Roman"/>
                 <a:cs typeface="Times New Roman"/>
                 <a:sym typeface="Times New Roman"/>
@@ -9274,7 +9473,7 @@
               <a:t>26</a:t>
             </a:r>
             <a:endParaRPr dirty="0">
-              <a:latin typeface="Times New Roman"/>
+              <a:latin typeface="Nunito" pitchFamily="2" charset="0"/>
               <a:ea typeface="Times New Roman"/>
               <a:cs typeface="Times New Roman"/>
               <a:sym typeface="Times New Roman"/>
@@ -9295,7 +9494,7 @@
                 <a:solidFill>
                   <a:schemeClr val="dk1"/>
                 </a:solidFill>
-                <a:latin typeface="Times New Roman"/>
+                <a:latin typeface="Nunito" pitchFamily="2" charset="0"/>
                 <a:ea typeface="Times New Roman"/>
                 <a:cs typeface="Times New Roman"/>
                 <a:sym typeface="Times New Roman"/>
@@ -9307,7 +9506,7 @@
                 <a:solidFill>
                   <a:schemeClr val="dk1"/>
                 </a:solidFill>
-                <a:latin typeface="Times New Roman"/>
+                <a:latin typeface="Nunito" pitchFamily="2" charset="0"/>
                 <a:ea typeface="Times New Roman"/>
                 <a:cs typeface="Times New Roman"/>
                 <a:sym typeface="Times New Roman"/>
@@ -9319,7 +9518,7 @@
                 <a:solidFill>
                   <a:schemeClr val="dk1"/>
                 </a:solidFill>
-                <a:latin typeface="Times New Roman"/>
+                <a:latin typeface="Nunito" pitchFamily="2" charset="0"/>
                 <a:ea typeface="Times New Roman"/>
                 <a:cs typeface="Times New Roman"/>
                 <a:sym typeface="Times New Roman"/>
@@ -9331,7 +9530,7 @@
                 <a:solidFill>
                   <a:schemeClr val="dk1"/>
                 </a:solidFill>
-                <a:latin typeface="Times New Roman"/>
+                <a:latin typeface="Nunito" pitchFamily="2" charset="0"/>
                 <a:ea typeface="Times New Roman"/>
                 <a:cs typeface="Times New Roman"/>
                 <a:sym typeface="Times New Roman"/>
@@ -9343,7 +9542,7 @@
                 <a:solidFill>
                   <a:schemeClr val="dk1"/>
                 </a:solidFill>
-                <a:latin typeface="Times New Roman"/>
+                <a:latin typeface="Nunito" pitchFamily="2" charset="0"/>
                 <a:ea typeface="Times New Roman"/>
                 <a:cs typeface="Times New Roman"/>
                 <a:sym typeface="Times New Roman"/>
@@ -9354,7 +9553,7 @@
               <a:solidFill>
                 <a:schemeClr val="dk1"/>
               </a:solidFill>
-              <a:latin typeface="Times New Roman"/>
+              <a:latin typeface="Nunito" pitchFamily="2" charset="0"/>
               <a:ea typeface="Times New Roman"/>
               <a:cs typeface="Times New Roman"/>
               <a:sym typeface="Times New Roman"/>
@@ -9404,7 +9603,7 @@
         <p:fade/>
       </p:transition>
     </mc:Choice>
-    <mc:Fallback xmlns:p15="http://schemas.microsoft.com/office/powerpoint/2012/main" xmlns:com="http://schemas.openxmlformats.org/drawingml/2006/compatibility" xmlns:pvml="urn:schemas-microsoft-com:office:powerpoint" xmlns:v="urn:schemas-microsoft-com:vml" xmlns:o="urn:schemas-microsoft-com:office:office" xmlns:dgm="http://schemas.openxmlformats.org/drawingml/2006/diagram" xmlns:c="http://schemas.openxmlformats.org/drawingml/2006/chart" xmlns:mv="urn:schemas-microsoft-com:mac:vml" xmlns="">
+    <mc:Fallback xmlns="" xmlns:mv="urn:schemas-microsoft-com:mac:vml" xmlns:c="http://schemas.openxmlformats.org/drawingml/2006/chart" xmlns:dgm="http://schemas.openxmlformats.org/drawingml/2006/diagram" xmlns:o="urn:schemas-microsoft-com:office:office" xmlns:v="urn:schemas-microsoft-com:vml" xmlns:pvml="urn:schemas-microsoft-com:office:powerpoint" xmlns:com="http://schemas.openxmlformats.org/drawingml/2006/compatibility" xmlns:p15="http://schemas.microsoft.com/office/powerpoint/2012/main">
       <p:transition spd="slow">
         <p:fade/>
       </p:transition>
@@ -9466,13 +9665,13 @@
           <a:p>
             <a:r>
               <a:rPr lang="en-US" dirty="0" smtClean="0">
-                <a:latin typeface="Arial" pitchFamily="34" charset="0"/>
+                <a:latin typeface="Nunito" pitchFamily="2" charset="0"/>
                 <a:cs typeface="Arial" pitchFamily="34" charset="0"/>
               </a:rPr>
               <a:t>TIẾN ĐỘ TRIỂN KHAI</a:t>
             </a:r>
             <a:endParaRPr lang="en-AU" dirty="0">
-              <a:latin typeface="Arial" pitchFamily="34" charset="0"/>
+              <a:latin typeface="Nunito" pitchFamily="2" charset="0"/>
               <a:cs typeface="Arial" pitchFamily="34" charset="0"/>
             </a:endParaRPr>
           </a:p>
@@ -9551,27 +9750,27 @@
             </a:pPr>
             <a:r>
               <a:rPr lang="en-US" sz="3600" dirty="0" err="1" smtClean="0">
-                <a:latin typeface="Arial" pitchFamily="34" charset="0"/>
+                <a:latin typeface="Nunito" pitchFamily="2" charset="0"/>
                 <a:cs typeface="Arial" pitchFamily="34" charset="0"/>
               </a:rPr>
               <a:t>Học</a:t>
             </a:r>
             <a:r>
               <a:rPr lang="en-US" sz="3600" dirty="0" smtClean="0">
-                <a:latin typeface="Arial" pitchFamily="34" charset="0"/>
+                <a:latin typeface="Nunito" pitchFamily="2" charset="0"/>
                 <a:cs typeface="Arial" pitchFamily="34" charset="0"/>
               </a:rPr>
               <a:t> </a:t>
             </a:r>
             <a:r>
               <a:rPr lang="en-US" sz="3600" dirty="0" err="1" smtClean="0">
-                <a:latin typeface="Arial" pitchFamily="34" charset="0"/>
+                <a:latin typeface="Nunito" pitchFamily="2" charset="0"/>
                 <a:cs typeface="Arial" pitchFamily="34" charset="0"/>
               </a:rPr>
               <a:t>máy</a:t>
             </a:r>
             <a:endParaRPr lang="en-AU" sz="3600" dirty="0">
-              <a:latin typeface="Arial" pitchFamily="34" charset="0"/>
+              <a:latin typeface="Nunito" pitchFamily="2" charset="0"/>
               <a:cs typeface="Arial" pitchFamily="34" charset="0"/>
             </a:endParaRPr>
           </a:p>
@@ -9643,125 +9842,125 @@
             <a:pPr algn="ctr"/>
             <a:r>
               <a:rPr lang="en-US" sz="1600" i="1" dirty="0">
-                <a:latin typeface="Arial" pitchFamily="34" charset="0"/>
+                <a:latin typeface="Nunito" pitchFamily="2" charset="0"/>
                 <a:cs typeface="Arial" pitchFamily="34" charset="0"/>
               </a:rPr>
               <a:t>2</a:t>
             </a:r>
             <a:r>
               <a:rPr lang="en-US" sz="1600" i="1" dirty="0" smtClean="0">
-                <a:latin typeface="Arial" pitchFamily="34" charset="0"/>
+                <a:latin typeface="Nunito" pitchFamily="2" charset="0"/>
                 <a:cs typeface="Arial" pitchFamily="34" charset="0"/>
               </a:rPr>
               <a:t> </a:t>
             </a:r>
             <a:r>
               <a:rPr lang="en-US" sz="1600" i="1" dirty="0" err="1" smtClean="0">
-                <a:latin typeface="Arial" pitchFamily="34" charset="0"/>
+                <a:latin typeface="Nunito" pitchFamily="2" charset="0"/>
                 <a:cs typeface="Arial" pitchFamily="34" charset="0"/>
               </a:rPr>
               <a:t>công</a:t>
             </a:r>
             <a:r>
               <a:rPr lang="en-US" sz="1600" i="1" dirty="0" smtClean="0">
-                <a:latin typeface="Arial" pitchFamily="34" charset="0"/>
+                <a:latin typeface="Nunito" pitchFamily="2" charset="0"/>
                 <a:cs typeface="Arial" pitchFamily="34" charset="0"/>
               </a:rPr>
               <a:t> </a:t>
             </a:r>
             <a:r>
               <a:rPr lang="en-US" sz="1600" i="1" dirty="0" err="1" smtClean="0">
-                <a:latin typeface="Arial" pitchFamily="34" charset="0"/>
+                <a:latin typeface="Nunito" pitchFamily="2" charset="0"/>
                 <a:cs typeface="Arial" pitchFamily="34" charset="0"/>
               </a:rPr>
               <a:t>cụ</a:t>
             </a:r>
             <a:r>
               <a:rPr lang="en-US" sz="1600" i="1" dirty="0" smtClean="0">
-                <a:latin typeface="Arial" pitchFamily="34" charset="0"/>
+                <a:latin typeface="Nunito" pitchFamily="2" charset="0"/>
                 <a:cs typeface="Arial" pitchFamily="34" charset="0"/>
               </a:rPr>
               <a:t> </a:t>
             </a:r>
             <a:r>
               <a:rPr lang="en-US" sz="1600" i="1" dirty="0" err="1" smtClean="0">
-                <a:latin typeface="Arial" pitchFamily="34" charset="0"/>
+                <a:latin typeface="Nunito" pitchFamily="2" charset="0"/>
                 <a:cs typeface="Arial" pitchFamily="34" charset="0"/>
               </a:rPr>
               <a:t>để</a:t>
             </a:r>
             <a:r>
               <a:rPr lang="en-US" sz="1600" i="1" dirty="0" smtClean="0">
-                <a:latin typeface="Arial" pitchFamily="34" charset="0"/>
+                <a:latin typeface="Nunito" pitchFamily="2" charset="0"/>
                 <a:cs typeface="Arial" pitchFamily="34" charset="0"/>
               </a:rPr>
               <a:t> </a:t>
             </a:r>
             <a:r>
               <a:rPr lang="en-US" sz="1600" i="1" dirty="0" err="1" smtClean="0">
-                <a:latin typeface="Arial" pitchFamily="34" charset="0"/>
+                <a:latin typeface="Nunito" pitchFamily="2" charset="0"/>
                 <a:cs typeface="Arial" pitchFamily="34" charset="0"/>
               </a:rPr>
               <a:t>chạy</a:t>
             </a:r>
             <a:r>
               <a:rPr lang="en-US" sz="1600" i="1" dirty="0" smtClean="0">
-                <a:latin typeface="Arial" pitchFamily="34" charset="0"/>
+                <a:latin typeface="Nunito" pitchFamily="2" charset="0"/>
                 <a:cs typeface="Arial" pitchFamily="34" charset="0"/>
               </a:rPr>
               <a:t> </a:t>
             </a:r>
             <a:r>
               <a:rPr lang="en-US" sz="1600" i="1" dirty="0" err="1" smtClean="0">
-                <a:latin typeface="Arial" pitchFamily="34" charset="0"/>
+                <a:latin typeface="Nunito" pitchFamily="2" charset="0"/>
                 <a:cs typeface="Arial" pitchFamily="34" charset="0"/>
               </a:rPr>
               <a:t>thuật</a:t>
             </a:r>
             <a:r>
               <a:rPr lang="en-US" sz="1600" i="1" dirty="0" smtClean="0">
-                <a:latin typeface="Arial" pitchFamily="34" charset="0"/>
+                <a:latin typeface="Nunito" pitchFamily="2" charset="0"/>
                 <a:cs typeface="Arial" pitchFamily="34" charset="0"/>
               </a:rPr>
               <a:t> </a:t>
             </a:r>
             <a:r>
               <a:rPr lang="en-US" sz="1600" i="1" dirty="0" err="1" smtClean="0">
-                <a:latin typeface="Arial" pitchFamily="34" charset="0"/>
+                <a:latin typeface="Nunito" pitchFamily="2" charset="0"/>
                 <a:cs typeface="Arial" pitchFamily="34" charset="0"/>
               </a:rPr>
               <a:t>toán</a:t>
             </a:r>
             <a:r>
               <a:rPr lang="en-US" sz="1600" i="1" dirty="0" smtClean="0">
-                <a:latin typeface="Arial" pitchFamily="34" charset="0"/>
+                <a:latin typeface="Nunito" pitchFamily="2" charset="0"/>
                 <a:cs typeface="Arial" pitchFamily="34" charset="0"/>
               </a:rPr>
               <a:t> </a:t>
             </a:r>
             <a:r>
               <a:rPr lang="en-US" sz="1600" i="1" dirty="0" err="1" smtClean="0">
-                <a:latin typeface="Arial" pitchFamily="34" charset="0"/>
+                <a:latin typeface="Nunito" pitchFamily="2" charset="0"/>
                 <a:cs typeface="Arial" pitchFamily="34" charset="0"/>
               </a:rPr>
               <a:t>học</a:t>
             </a:r>
             <a:r>
               <a:rPr lang="en-US" sz="1600" i="1" dirty="0" smtClean="0">
-                <a:latin typeface="Arial" pitchFamily="34" charset="0"/>
+                <a:latin typeface="Nunito" pitchFamily="2" charset="0"/>
                 <a:cs typeface="Arial" pitchFamily="34" charset="0"/>
               </a:rPr>
               <a:t> </a:t>
             </a:r>
             <a:r>
               <a:rPr lang="en-US" sz="1600" i="1" dirty="0" err="1" smtClean="0">
-                <a:latin typeface="Arial" pitchFamily="34" charset="0"/>
+                <a:latin typeface="Nunito" pitchFamily="2" charset="0"/>
                 <a:cs typeface="Arial" pitchFamily="34" charset="0"/>
               </a:rPr>
               <a:t>máy</a:t>
             </a:r>
             <a:endParaRPr lang="en-AU" sz="1600" i="1" dirty="0">
-              <a:latin typeface="Arial" pitchFamily="34" charset="0"/>
+              <a:latin typeface="Nunito" pitchFamily="2" charset="0"/>
               <a:cs typeface="Arial" pitchFamily="34" charset="0"/>
             </a:endParaRPr>
           </a:p>
@@ -9791,69 +9990,69 @@
           <a:p>
             <a:r>
               <a:rPr lang="en-US" sz="2200" dirty="0" smtClean="0">
-                <a:latin typeface="Arial" pitchFamily="34" charset="0"/>
+                <a:latin typeface="Nunito" pitchFamily="2" charset="0"/>
                 <a:cs typeface="Arial" pitchFamily="34" charset="0"/>
               </a:rPr>
               <a:t>d) </a:t>
             </a:r>
             <a:r>
               <a:rPr lang="en-US" sz="2200" dirty="0" err="1">
-                <a:latin typeface="Arial" pitchFamily="34" charset="0"/>
+                <a:latin typeface="Nunito" pitchFamily="2" charset="0"/>
                 <a:cs typeface="Arial" pitchFamily="34" charset="0"/>
               </a:rPr>
               <a:t>Sử</a:t>
             </a:r>
             <a:r>
               <a:rPr lang="en-US" sz="2200" dirty="0">
-                <a:latin typeface="Arial" pitchFamily="34" charset="0"/>
+                <a:latin typeface="Nunito" pitchFamily="2" charset="0"/>
                 <a:cs typeface="Arial" pitchFamily="34" charset="0"/>
               </a:rPr>
               <a:t> </a:t>
             </a:r>
             <a:r>
               <a:rPr lang="en-US" sz="2200" dirty="0" err="1">
-                <a:latin typeface="Arial" pitchFamily="34" charset="0"/>
+                <a:latin typeface="Nunito" pitchFamily="2" charset="0"/>
                 <a:cs typeface="Arial" pitchFamily="34" charset="0"/>
               </a:rPr>
               <a:t>dụng</a:t>
             </a:r>
             <a:r>
               <a:rPr lang="en-US" sz="2200" dirty="0">
-                <a:latin typeface="Arial" pitchFamily="34" charset="0"/>
+                <a:latin typeface="Nunito" pitchFamily="2" charset="0"/>
                 <a:cs typeface="Arial" pitchFamily="34" charset="0"/>
               </a:rPr>
               <a:t> </a:t>
             </a:r>
             <a:r>
               <a:rPr lang="en-US" sz="2200" dirty="0" err="1">
-                <a:latin typeface="Arial" pitchFamily="34" charset="0"/>
+                <a:latin typeface="Nunito" pitchFamily="2" charset="0"/>
                 <a:cs typeface="Arial" pitchFamily="34" charset="0"/>
               </a:rPr>
               <a:t>mô</a:t>
             </a:r>
             <a:r>
               <a:rPr lang="en-US" sz="2200" dirty="0">
-                <a:latin typeface="Arial" pitchFamily="34" charset="0"/>
+                <a:latin typeface="Nunito" pitchFamily="2" charset="0"/>
                 <a:cs typeface="Arial" pitchFamily="34" charset="0"/>
               </a:rPr>
               <a:t> </a:t>
             </a:r>
             <a:r>
               <a:rPr lang="en-US" sz="2200" dirty="0" err="1">
-                <a:latin typeface="Arial" pitchFamily="34" charset="0"/>
+                <a:latin typeface="Nunito" pitchFamily="2" charset="0"/>
                 <a:cs typeface="Arial" pitchFamily="34" charset="0"/>
               </a:rPr>
               <a:t>hình</a:t>
             </a:r>
             <a:r>
               <a:rPr lang="en-US" sz="2200" dirty="0" smtClean="0">
-                <a:latin typeface="Arial" pitchFamily="34" charset="0"/>
+                <a:latin typeface="Nunito" pitchFamily="2" charset="0"/>
                 <a:cs typeface="Arial" pitchFamily="34" charset="0"/>
               </a:rPr>
               <a:t>:</a:t>
             </a:r>
             <a:endParaRPr lang="en-US" sz="2200" dirty="0">
-              <a:latin typeface="Arial" pitchFamily="34" charset="0"/>
+              <a:latin typeface="Nunito" pitchFamily="2" charset="0"/>
               <a:cs typeface="Arial" pitchFamily="34" charset="0"/>
             </a:endParaRPr>
           </a:p>
@@ -10007,13 +10206,13 @@
           <a:p>
             <a:r>
               <a:rPr lang="en-US" dirty="0" smtClean="0">
-                <a:latin typeface="Arial" pitchFamily="34" charset="0"/>
+                <a:latin typeface="Nunito" pitchFamily="2" charset="0"/>
                 <a:cs typeface="Arial" pitchFamily="34" charset="0"/>
               </a:rPr>
               <a:t>TIẾN ĐỘ TRIỂN KHAI</a:t>
             </a:r>
             <a:endParaRPr lang="en-AU" dirty="0">
-              <a:latin typeface="Arial" pitchFamily="34" charset="0"/>
+              <a:latin typeface="Nunito" pitchFamily="2" charset="0"/>
               <a:cs typeface="Arial" pitchFamily="34" charset="0"/>
             </a:endParaRPr>
           </a:p>
@@ -10060,27 +10259,27 @@
             <a:pPr algn="l"/>
             <a:r>
               <a:rPr lang="en-US" sz="3600" dirty="0" err="1" smtClean="0">
-                <a:latin typeface="Arial" pitchFamily="34" charset="0"/>
+                <a:latin typeface="Nunito" pitchFamily="2" charset="0"/>
                 <a:cs typeface="Arial" pitchFamily="34" charset="0"/>
               </a:rPr>
               <a:t>Phần</a:t>
             </a:r>
             <a:r>
               <a:rPr lang="en-US" sz="3600" dirty="0" smtClean="0">
-                <a:latin typeface="Arial" pitchFamily="34" charset="0"/>
+                <a:latin typeface="Nunito" pitchFamily="2" charset="0"/>
                 <a:cs typeface="Arial" pitchFamily="34" charset="0"/>
               </a:rPr>
               <a:t> </a:t>
             </a:r>
             <a:r>
               <a:rPr lang="en-US" sz="3600" dirty="0" err="1" smtClean="0">
-                <a:latin typeface="Arial" pitchFamily="34" charset="0"/>
+                <a:latin typeface="Nunito" pitchFamily="2" charset="0"/>
                 <a:cs typeface="Arial" pitchFamily="34" charset="0"/>
               </a:rPr>
               <a:t>cứng</a:t>
             </a:r>
             <a:endParaRPr lang="en-AU" sz="3600" dirty="0">
-              <a:latin typeface="Arial" pitchFamily="34" charset="0"/>
+              <a:latin typeface="Nunito" pitchFamily="2" charset="0"/>
               <a:cs typeface="Arial" pitchFamily="34" charset="0"/>
             </a:endParaRPr>
           </a:p>
@@ -10152,174 +10351,174 @@
             <a:pPr algn="ctr"/>
             <a:r>
               <a:rPr lang="en-US" sz="1200" i="1" dirty="0" err="1" smtClean="0">
-                <a:latin typeface="Arial" pitchFamily="34" charset="0"/>
+                <a:latin typeface="Nunito" pitchFamily="2" charset="0"/>
                 <a:cs typeface="Arial" pitchFamily="34" charset="0"/>
               </a:rPr>
               <a:t>Sơ</a:t>
             </a:r>
             <a:r>
               <a:rPr lang="en-US" sz="1200" i="1" dirty="0" smtClean="0">
-                <a:latin typeface="Arial" pitchFamily="34" charset="0"/>
+                <a:latin typeface="Nunito" pitchFamily="2" charset="0"/>
                 <a:cs typeface="Arial" pitchFamily="34" charset="0"/>
               </a:rPr>
               <a:t> </a:t>
             </a:r>
             <a:r>
               <a:rPr lang="en-US" sz="1200" i="1" dirty="0" err="1" smtClean="0">
-                <a:latin typeface="Arial" pitchFamily="34" charset="0"/>
+                <a:latin typeface="Nunito" pitchFamily="2" charset="0"/>
                 <a:cs typeface="Arial" pitchFamily="34" charset="0"/>
               </a:rPr>
               <a:t>đồ</a:t>
             </a:r>
             <a:r>
               <a:rPr lang="en-US" sz="1200" i="1" dirty="0" smtClean="0">
-                <a:latin typeface="Arial" pitchFamily="34" charset="0"/>
+                <a:latin typeface="Nunito" pitchFamily="2" charset="0"/>
                 <a:cs typeface="Arial" pitchFamily="34" charset="0"/>
               </a:rPr>
               <a:t> </a:t>
             </a:r>
             <a:r>
               <a:rPr lang="en-US" sz="1200" i="1" dirty="0" err="1" smtClean="0">
-                <a:latin typeface="Arial" pitchFamily="34" charset="0"/>
+                <a:latin typeface="Nunito" pitchFamily="2" charset="0"/>
                 <a:cs typeface="Arial" pitchFamily="34" charset="0"/>
               </a:rPr>
               <a:t>khối</a:t>
             </a:r>
             <a:r>
               <a:rPr lang="en-US" sz="1200" i="1" dirty="0" smtClean="0">
-                <a:latin typeface="Arial" pitchFamily="34" charset="0"/>
+                <a:latin typeface="Nunito" pitchFamily="2" charset="0"/>
                 <a:cs typeface="Arial" pitchFamily="34" charset="0"/>
               </a:rPr>
               <a:t> </a:t>
             </a:r>
             <a:r>
               <a:rPr lang="en-US" sz="1200" i="1" dirty="0" err="1" smtClean="0">
-                <a:latin typeface="Arial" pitchFamily="34" charset="0"/>
+                <a:latin typeface="Nunito" pitchFamily="2" charset="0"/>
                 <a:cs typeface="Arial" pitchFamily="34" charset="0"/>
               </a:rPr>
               <a:t>quy</a:t>
             </a:r>
             <a:r>
               <a:rPr lang="en-US" sz="1200" i="1" dirty="0" smtClean="0">
-                <a:latin typeface="Arial" pitchFamily="34" charset="0"/>
+                <a:latin typeface="Nunito" pitchFamily="2" charset="0"/>
                 <a:cs typeface="Arial" pitchFamily="34" charset="0"/>
               </a:rPr>
               <a:t> </a:t>
             </a:r>
             <a:r>
               <a:rPr lang="en-US" sz="1200" i="1" dirty="0" err="1" smtClean="0">
-                <a:latin typeface="Arial" pitchFamily="34" charset="0"/>
+                <a:latin typeface="Nunito" pitchFamily="2" charset="0"/>
                 <a:cs typeface="Arial" pitchFamily="34" charset="0"/>
               </a:rPr>
               <a:t>trình</a:t>
             </a:r>
             <a:r>
               <a:rPr lang="en-US" sz="1200" i="1" dirty="0" smtClean="0">
-                <a:latin typeface="Arial" pitchFamily="34" charset="0"/>
+                <a:latin typeface="Nunito" pitchFamily="2" charset="0"/>
                 <a:cs typeface="Arial" pitchFamily="34" charset="0"/>
               </a:rPr>
               <a:t> </a:t>
             </a:r>
             <a:r>
               <a:rPr lang="en-US" sz="1200" i="1" dirty="0" err="1" smtClean="0">
-                <a:latin typeface="Arial" pitchFamily="34" charset="0"/>
+                <a:latin typeface="Nunito" pitchFamily="2" charset="0"/>
                 <a:cs typeface="Arial" pitchFamily="34" charset="0"/>
               </a:rPr>
               <a:t>hoạt</a:t>
             </a:r>
             <a:r>
               <a:rPr lang="en-US" sz="1200" i="1" dirty="0" smtClean="0">
-                <a:latin typeface="Arial" pitchFamily="34" charset="0"/>
+                <a:latin typeface="Nunito" pitchFamily="2" charset="0"/>
                 <a:cs typeface="Arial" pitchFamily="34" charset="0"/>
               </a:rPr>
               <a:t> </a:t>
             </a:r>
             <a:r>
               <a:rPr lang="en-US" sz="1200" i="1" dirty="0" err="1" smtClean="0">
-                <a:latin typeface="Arial" pitchFamily="34" charset="0"/>
+                <a:latin typeface="Nunito" pitchFamily="2" charset="0"/>
                 <a:cs typeface="Arial" pitchFamily="34" charset="0"/>
               </a:rPr>
               <a:t>động</a:t>
             </a:r>
             <a:r>
               <a:rPr lang="en-US" sz="1200" i="1" dirty="0" smtClean="0">
-                <a:latin typeface="Arial" pitchFamily="34" charset="0"/>
+                <a:latin typeface="Nunito" pitchFamily="2" charset="0"/>
                 <a:cs typeface="Arial" pitchFamily="34" charset="0"/>
               </a:rPr>
               <a:t> </a:t>
             </a:r>
             <a:r>
               <a:rPr lang="en-US" sz="1200" i="1" dirty="0" err="1" smtClean="0">
-                <a:latin typeface="Arial" pitchFamily="34" charset="0"/>
+                <a:latin typeface="Nunito" pitchFamily="2" charset="0"/>
                 <a:cs typeface="Arial" pitchFamily="34" charset="0"/>
               </a:rPr>
               <a:t>của</a:t>
             </a:r>
             <a:r>
               <a:rPr lang="en-US" sz="1200" i="1" dirty="0" smtClean="0">
-                <a:latin typeface="Arial" pitchFamily="34" charset="0"/>
+                <a:latin typeface="Nunito" pitchFamily="2" charset="0"/>
                 <a:cs typeface="Arial" pitchFamily="34" charset="0"/>
               </a:rPr>
               <a:t> </a:t>
             </a:r>
             <a:r>
               <a:rPr lang="en-US" sz="1200" i="1" dirty="0" err="1" smtClean="0">
-                <a:latin typeface="Arial" pitchFamily="34" charset="0"/>
+                <a:latin typeface="Nunito" pitchFamily="2" charset="0"/>
                 <a:cs typeface="Arial" pitchFamily="34" charset="0"/>
               </a:rPr>
               <a:t>thiết</a:t>
             </a:r>
             <a:r>
               <a:rPr lang="en-US" sz="1200" i="1" dirty="0" smtClean="0">
-                <a:latin typeface="Arial" pitchFamily="34" charset="0"/>
+                <a:latin typeface="Nunito" pitchFamily="2" charset="0"/>
                 <a:cs typeface="Arial" pitchFamily="34" charset="0"/>
               </a:rPr>
               <a:t> </a:t>
             </a:r>
             <a:r>
               <a:rPr lang="en-US" sz="1200" i="1" dirty="0" err="1" smtClean="0">
-                <a:latin typeface="Arial" pitchFamily="34" charset="0"/>
+                <a:latin typeface="Nunito" pitchFamily="2" charset="0"/>
                 <a:cs typeface="Arial" pitchFamily="34" charset="0"/>
               </a:rPr>
               <a:t>bị</a:t>
             </a:r>
             <a:r>
               <a:rPr lang="en-US" sz="1200" i="1" dirty="0" smtClean="0">
-                <a:latin typeface="Arial" pitchFamily="34" charset="0"/>
+                <a:latin typeface="Nunito" pitchFamily="2" charset="0"/>
                 <a:cs typeface="Arial" pitchFamily="34" charset="0"/>
               </a:rPr>
               <a:t> vi </a:t>
             </a:r>
             <a:r>
               <a:rPr lang="en-US" sz="1200" i="1" dirty="0" err="1" smtClean="0">
-                <a:latin typeface="Arial" pitchFamily="34" charset="0"/>
+                <a:latin typeface="Nunito" pitchFamily="2" charset="0"/>
                 <a:cs typeface="Arial" pitchFamily="34" charset="0"/>
               </a:rPr>
               <a:t>xử</a:t>
             </a:r>
             <a:r>
               <a:rPr lang="en-US" sz="1200" i="1" dirty="0" smtClean="0">
-                <a:latin typeface="Arial" pitchFamily="34" charset="0"/>
+                <a:latin typeface="Nunito" pitchFamily="2" charset="0"/>
                 <a:cs typeface="Arial" pitchFamily="34" charset="0"/>
               </a:rPr>
               <a:t> </a:t>
             </a:r>
             <a:r>
               <a:rPr lang="en-US" sz="1200" i="1" dirty="0" err="1" smtClean="0">
-                <a:latin typeface="Arial" pitchFamily="34" charset="0"/>
+                <a:latin typeface="Nunito" pitchFamily="2" charset="0"/>
                 <a:cs typeface="Arial" pitchFamily="34" charset="0"/>
               </a:rPr>
               <a:t>lý</a:t>
             </a:r>
             <a:r>
               <a:rPr lang="en-US" sz="1200" i="1" dirty="0" smtClean="0">
-                <a:latin typeface="Arial" pitchFamily="34" charset="0"/>
+                <a:latin typeface="Nunito" pitchFamily="2" charset="0"/>
                 <a:cs typeface="Arial" pitchFamily="34" charset="0"/>
               </a:rPr>
               <a:t>.</a:t>
             </a:r>
             <a:endParaRPr lang="en-AU" sz="1200" i="1" dirty="0">
-              <a:latin typeface="Arial" pitchFamily="34" charset="0"/>
+              <a:latin typeface="Nunito" pitchFamily="2" charset="0"/>
               <a:cs typeface="Arial" pitchFamily="34" charset="0"/>
             </a:endParaRPr>
           </a:p>
@@ -10350,154 +10549,154 @@
             <a:pPr marL="285750" indent="-285750"/>
             <a:r>
               <a:rPr lang="en-US" dirty="0" err="1">
-                <a:latin typeface="Arial" pitchFamily="34" charset="0"/>
+                <a:latin typeface="Nunito" pitchFamily="2" charset="0"/>
                 <a:cs typeface="Arial" pitchFamily="34" charset="0"/>
               </a:rPr>
               <a:t>Sử</a:t>
             </a:r>
             <a:r>
               <a:rPr lang="en-US" dirty="0">
-                <a:latin typeface="Arial" pitchFamily="34" charset="0"/>
+                <a:latin typeface="Nunito" pitchFamily="2" charset="0"/>
                 <a:cs typeface="Arial" pitchFamily="34" charset="0"/>
               </a:rPr>
               <a:t> </a:t>
             </a:r>
             <a:r>
               <a:rPr lang="en-US" dirty="0" err="1">
-                <a:latin typeface="Arial" pitchFamily="34" charset="0"/>
+                <a:latin typeface="Nunito" pitchFamily="2" charset="0"/>
                 <a:cs typeface="Arial" pitchFamily="34" charset="0"/>
               </a:rPr>
               <a:t>dụng</a:t>
             </a:r>
             <a:r>
               <a:rPr lang="en-US" dirty="0">
-                <a:latin typeface="Arial" pitchFamily="34" charset="0"/>
+                <a:latin typeface="Nunito" pitchFamily="2" charset="0"/>
                 <a:cs typeface="Arial" pitchFamily="34" charset="0"/>
               </a:rPr>
               <a:t> </a:t>
             </a:r>
             <a:r>
               <a:rPr lang="en-US" dirty="0" err="1">
-                <a:latin typeface="Arial" pitchFamily="34" charset="0"/>
+                <a:latin typeface="Nunito" pitchFamily="2" charset="0"/>
                 <a:cs typeface="Arial" pitchFamily="34" charset="0"/>
               </a:rPr>
               <a:t>máy</a:t>
             </a:r>
             <a:r>
               <a:rPr lang="en-US" dirty="0">
-                <a:latin typeface="Arial" pitchFamily="34" charset="0"/>
+                <a:latin typeface="Nunito" pitchFamily="2" charset="0"/>
                 <a:cs typeface="Arial" pitchFamily="34" charset="0"/>
               </a:rPr>
               <a:t> </a:t>
             </a:r>
             <a:r>
               <a:rPr lang="en-US" dirty="0" err="1">
-                <a:latin typeface="Arial" pitchFamily="34" charset="0"/>
+                <a:latin typeface="Nunito" pitchFamily="2" charset="0"/>
                 <a:cs typeface="Arial" pitchFamily="34" charset="0"/>
               </a:rPr>
               <a:t>tính</a:t>
             </a:r>
             <a:r>
               <a:rPr lang="en-US" dirty="0">
-                <a:latin typeface="Arial" pitchFamily="34" charset="0"/>
+                <a:latin typeface="Nunito" pitchFamily="2" charset="0"/>
                 <a:cs typeface="Arial" pitchFamily="34" charset="0"/>
               </a:rPr>
               <a:t> </a:t>
             </a:r>
             <a:r>
               <a:rPr lang="en-US" dirty="0" err="1">
-                <a:latin typeface="Arial" pitchFamily="34" charset="0"/>
+                <a:latin typeface="Nunito" pitchFamily="2" charset="0"/>
                 <a:cs typeface="Arial" pitchFamily="34" charset="0"/>
               </a:rPr>
               <a:t>nhúng</a:t>
             </a:r>
             <a:r>
               <a:rPr lang="en-US" dirty="0">
-                <a:latin typeface="Arial" pitchFamily="34" charset="0"/>
+                <a:latin typeface="Nunito" pitchFamily="2" charset="0"/>
                 <a:cs typeface="Arial" pitchFamily="34" charset="0"/>
               </a:rPr>
               <a:t> Raspberry Pi </a:t>
             </a:r>
             <a:r>
               <a:rPr lang="en-US" dirty="0" err="1">
-                <a:latin typeface="Arial" pitchFamily="34" charset="0"/>
+                <a:latin typeface="Nunito" pitchFamily="2" charset="0"/>
                 <a:cs typeface="Arial" pitchFamily="34" charset="0"/>
               </a:rPr>
               <a:t>làm</a:t>
             </a:r>
             <a:r>
               <a:rPr lang="en-US" dirty="0">
-                <a:latin typeface="Arial" pitchFamily="34" charset="0"/>
+                <a:latin typeface="Nunito" pitchFamily="2" charset="0"/>
                 <a:cs typeface="Arial" pitchFamily="34" charset="0"/>
               </a:rPr>
               <a:t> </a:t>
             </a:r>
             <a:r>
               <a:rPr lang="en-US" dirty="0" err="1">
-                <a:latin typeface="Arial" pitchFamily="34" charset="0"/>
+                <a:latin typeface="Nunito" pitchFamily="2" charset="0"/>
                 <a:cs typeface="Arial" pitchFamily="34" charset="0"/>
               </a:rPr>
               <a:t>thiết</a:t>
             </a:r>
             <a:r>
               <a:rPr lang="en-US" dirty="0">
-                <a:latin typeface="Arial" pitchFamily="34" charset="0"/>
+                <a:latin typeface="Nunito" pitchFamily="2" charset="0"/>
                 <a:cs typeface="Arial" pitchFamily="34" charset="0"/>
               </a:rPr>
               <a:t> </a:t>
             </a:r>
             <a:r>
               <a:rPr lang="en-US" dirty="0" err="1">
-                <a:latin typeface="Arial" pitchFamily="34" charset="0"/>
+                <a:latin typeface="Nunito" pitchFamily="2" charset="0"/>
                 <a:cs typeface="Arial" pitchFamily="34" charset="0"/>
               </a:rPr>
               <a:t>bị</a:t>
             </a:r>
             <a:r>
               <a:rPr lang="en-US" dirty="0">
-                <a:latin typeface="Arial" pitchFamily="34" charset="0"/>
+                <a:latin typeface="Nunito" pitchFamily="2" charset="0"/>
                 <a:cs typeface="Arial" pitchFamily="34" charset="0"/>
               </a:rPr>
               <a:t> vi </a:t>
             </a:r>
             <a:r>
               <a:rPr lang="en-US" dirty="0" err="1">
-                <a:latin typeface="Arial" pitchFamily="34" charset="0"/>
+                <a:latin typeface="Nunito" pitchFamily="2" charset="0"/>
                 <a:cs typeface="Arial" pitchFamily="34" charset="0"/>
               </a:rPr>
               <a:t>xử</a:t>
             </a:r>
             <a:r>
               <a:rPr lang="en-US" dirty="0">
-                <a:latin typeface="Arial" pitchFamily="34" charset="0"/>
+                <a:latin typeface="Nunito" pitchFamily="2" charset="0"/>
                 <a:cs typeface="Arial" pitchFamily="34" charset="0"/>
               </a:rPr>
               <a:t> </a:t>
             </a:r>
             <a:r>
               <a:rPr lang="en-US" dirty="0" err="1">
-                <a:latin typeface="Arial" pitchFamily="34" charset="0"/>
+                <a:latin typeface="Nunito" pitchFamily="2" charset="0"/>
                 <a:cs typeface="Arial" pitchFamily="34" charset="0"/>
               </a:rPr>
               <a:t>lý</a:t>
             </a:r>
             <a:r>
               <a:rPr lang="en-US" dirty="0">
-                <a:latin typeface="Arial" pitchFamily="34" charset="0"/>
+                <a:latin typeface="Nunito" pitchFamily="2" charset="0"/>
                 <a:cs typeface="Arial" pitchFamily="34" charset="0"/>
               </a:rPr>
               <a:t> </a:t>
             </a:r>
             <a:r>
               <a:rPr lang="en-US" dirty="0" err="1">
-                <a:latin typeface="Arial" pitchFamily="34" charset="0"/>
+                <a:latin typeface="Nunito" pitchFamily="2" charset="0"/>
                 <a:cs typeface="Arial" pitchFamily="34" charset="0"/>
               </a:rPr>
               <a:t>chính</a:t>
             </a:r>
             <a:r>
               <a:rPr lang="en-US" dirty="0">
-                <a:latin typeface="Arial" pitchFamily="34" charset="0"/>
+                <a:latin typeface="Nunito" pitchFamily="2" charset="0"/>
                 <a:cs typeface="Arial" pitchFamily="34" charset="0"/>
               </a:rPr>
               <a:t>.</a:t>
@@ -10507,98 +10706,98 @@
             <a:pPr marL="285750" indent="-285750"/>
             <a:r>
               <a:rPr lang="en-US" dirty="0" err="1">
-                <a:latin typeface="Arial" pitchFamily="34" charset="0"/>
+                <a:latin typeface="Nunito" pitchFamily="2" charset="0"/>
                 <a:cs typeface="Arial" pitchFamily="34" charset="0"/>
               </a:rPr>
               <a:t>Thông</a:t>
             </a:r>
             <a:r>
               <a:rPr lang="en-US" dirty="0">
-                <a:latin typeface="Arial" pitchFamily="34" charset="0"/>
+                <a:latin typeface="Nunito" pitchFamily="2" charset="0"/>
                 <a:cs typeface="Arial" pitchFamily="34" charset="0"/>
               </a:rPr>
               <a:t> </a:t>
             </a:r>
             <a:r>
               <a:rPr lang="en-US" dirty="0" err="1">
-                <a:latin typeface="Arial" pitchFamily="34" charset="0"/>
+                <a:latin typeface="Nunito" pitchFamily="2" charset="0"/>
                 <a:cs typeface="Arial" pitchFamily="34" charset="0"/>
               </a:rPr>
               <a:t>báo</a:t>
             </a:r>
             <a:r>
               <a:rPr lang="en-US" dirty="0">
-                <a:latin typeface="Arial" pitchFamily="34" charset="0"/>
+                <a:latin typeface="Nunito" pitchFamily="2" charset="0"/>
                 <a:cs typeface="Arial" pitchFamily="34" charset="0"/>
               </a:rPr>
               <a:t> </a:t>
             </a:r>
             <a:r>
               <a:rPr lang="en-US" dirty="0" err="1">
-                <a:latin typeface="Arial" pitchFamily="34" charset="0"/>
+                <a:latin typeface="Nunito" pitchFamily="2" charset="0"/>
                 <a:cs typeface="Arial" pitchFamily="34" charset="0"/>
               </a:rPr>
               <a:t>cho</a:t>
             </a:r>
             <a:r>
               <a:rPr lang="en-US" dirty="0">
-                <a:latin typeface="Arial" pitchFamily="34" charset="0"/>
+                <a:latin typeface="Nunito" pitchFamily="2" charset="0"/>
                 <a:cs typeface="Arial" pitchFamily="34" charset="0"/>
               </a:rPr>
               <a:t> </a:t>
             </a:r>
             <a:r>
               <a:rPr lang="en-US" dirty="0" err="1">
-                <a:latin typeface="Arial" pitchFamily="34" charset="0"/>
+                <a:latin typeface="Nunito" pitchFamily="2" charset="0"/>
                 <a:cs typeface="Arial" pitchFamily="34" charset="0"/>
               </a:rPr>
               <a:t>người</a:t>
             </a:r>
             <a:r>
               <a:rPr lang="en-US" dirty="0">
-                <a:latin typeface="Arial" pitchFamily="34" charset="0"/>
+                <a:latin typeface="Nunito" pitchFamily="2" charset="0"/>
                 <a:cs typeface="Arial" pitchFamily="34" charset="0"/>
               </a:rPr>
               <a:t> </a:t>
             </a:r>
             <a:r>
               <a:rPr lang="en-US" dirty="0" err="1">
-                <a:latin typeface="Arial" pitchFamily="34" charset="0"/>
+                <a:latin typeface="Nunito" pitchFamily="2" charset="0"/>
                 <a:cs typeface="Arial" pitchFamily="34" charset="0"/>
               </a:rPr>
               <a:t>dùng</a:t>
             </a:r>
             <a:r>
               <a:rPr lang="en-US" dirty="0">
-                <a:latin typeface="Arial" pitchFamily="34" charset="0"/>
+                <a:latin typeface="Nunito" pitchFamily="2" charset="0"/>
                 <a:cs typeface="Arial" pitchFamily="34" charset="0"/>
               </a:rPr>
               <a:t> </a:t>
             </a:r>
             <a:r>
               <a:rPr lang="en-US" dirty="0" err="1">
-                <a:latin typeface="Arial" pitchFamily="34" charset="0"/>
+                <a:latin typeface="Nunito" pitchFamily="2" charset="0"/>
                 <a:cs typeface="Arial" pitchFamily="34" charset="0"/>
               </a:rPr>
               <a:t>bằng</a:t>
             </a:r>
             <a:r>
               <a:rPr lang="en-US" dirty="0">
-                <a:latin typeface="Arial" pitchFamily="34" charset="0"/>
+                <a:latin typeface="Nunito" pitchFamily="2" charset="0"/>
                 <a:cs typeface="Arial" pitchFamily="34" charset="0"/>
               </a:rPr>
               <a:t> </a:t>
             </a:r>
             <a:r>
               <a:rPr lang="en-US" dirty="0" err="1">
-                <a:latin typeface="Arial" pitchFamily="34" charset="0"/>
+                <a:latin typeface="Nunito" pitchFamily="2" charset="0"/>
                 <a:cs typeface="Arial" pitchFamily="34" charset="0"/>
               </a:rPr>
               <a:t>loa</a:t>
             </a:r>
             <a:r>
               <a:rPr lang="en-US" dirty="0">
-                <a:latin typeface="Arial" pitchFamily="34" charset="0"/>
+                <a:latin typeface="Nunito" pitchFamily="2" charset="0"/>
                 <a:cs typeface="Arial" pitchFamily="34" charset="0"/>
               </a:rPr>
               <a:t>.</a:t>
@@ -10608,55 +10807,55 @@
             <a:pPr marL="285750" indent="-285750"/>
             <a:r>
               <a:rPr lang="en-US" dirty="0" err="1">
-                <a:latin typeface="Arial" pitchFamily="34" charset="0"/>
+                <a:latin typeface="Nunito" pitchFamily="2" charset="0"/>
                 <a:cs typeface="Arial" pitchFamily="34" charset="0"/>
               </a:rPr>
               <a:t>Chụp</a:t>
             </a:r>
             <a:r>
               <a:rPr lang="en-US" dirty="0">
-                <a:latin typeface="Arial" pitchFamily="34" charset="0"/>
+                <a:latin typeface="Nunito" pitchFamily="2" charset="0"/>
                 <a:cs typeface="Arial" pitchFamily="34" charset="0"/>
               </a:rPr>
               <a:t> </a:t>
             </a:r>
             <a:r>
               <a:rPr lang="en-US" dirty="0" err="1">
-                <a:latin typeface="Arial" pitchFamily="34" charset="0"/>
+                <a:latin typeface="Nunito" pitchFamily="2" charset="0"/>
                 <a:cs typeface="Arial" pitchFamily="34" charset="0"/>
               </a:rPr>
               <a:t>ảnh</a:t>
             </a:r>
             <a:r>
               <a:rPr lang="en-US" dirty="0">
-                <a:latin typeface="Arial" pitchFamily="34" charset="0"/>
+                <a:latin typeface="Nunito" pitchFamily="2" charset="0"/>
                 <a:cs typeface="Arial" pitchFamily="34" charset="0"/>
               </a:rPr>
               <a:t> </a:t>
             </a:r>
             <a:r>
               <a:rPr lang="en-US" dirty="0" err="1">
-                <a:latin typeface="Arial" pitchFamily="34" charset="0"/>
+                <a:latin typeface="Nunito" pitchFamily="2" charset="0"/>
                 <a:cs typeface="Arial" pitchFamily="34" charset="0"/>
               </a:rPr>
               <a:t>với</a:t>
             </a:r>
             <a:r>
               <a:rPr lang="en-US" dirty="0">
-                <a:latin typeface="Arial" pitchFamily="34" charset="0"/>
+                <a:latin typeface="Nunito" pitchFamily="2" charset="0"/>
                 <a:cs typeface="Arial" pitchFamily="34" charset="0"/>
               </a:rPr>
               <a:t> Pi camera module</a:t>
             </a:r>
             <a:r>
               <a:rPr lang="en-US" dirty="0" smtClean="0">
-                <a:latin typeface="Arial" pitchFamily="34" charset="0"/>
+                <a:latin typeface="Nunito" pitchFamily="2" charset="0"/>
                 <a:cs typeface="Arial" pitchFamily="34" charset="0"/>
               </a:rPr>
               <a:t>.</a:t>
             </a:r>
             <a:endParaRPr lang="en-US" dirty="0">
-              <a:latin typeface="Arial" pitchFamily="34" charset="0"/>
+              <a:latin typeface="Nunito" pitchFamily="2" charset="0"/>
               <a:cs typeface="Arial" pitchFamily="34" charset="0"/>
             </a:endParaRPr>
           </a:p>
@@ -10728,13 +10927,13 @@
           <a:p>
             <a:r>
               <a:rPr lang="en-US" dirty="0" smtClean="0">
-                <a:latin typeface="Arial" pitchFamily="34" charset="0"/>
+                <a:latin typeface="Nunito" pitchFamily="2" charset="0"/>
                 <a:cs typeface="Arial" pitchFamily="34" charset="0"/>
               </a:rPr>
               <a:t>TIẾN ĐỘ TRIỂN KHAI</a:t>
             </a:r>
             <a:endParaRPr lang="en-AU" dirty="0">
-              <a:latin typeface="Arial" pitchFamily="34" charset="0"/>
+              <a:latin typeface="Nunito" pitchFamily="2" charset="0"/>
               <a:cs typeface="Arial" pitchFamily="34" charset="0"/>
             </a:endParaRPr>
           </a:p>
@@ -10764,28 +10963,28 @@
           <a:p>
             <a:r>
               <a:rPr lang="en-US" sz="2800" dirty="0" err="1" smtClean="0">
-                <a:latin typeface="Arial" pitchFamily="34" charset="0"/>
+                <a:latin typeface="Nunito" pitchFamily="2" charset="0"/>
                 <a:cs typeface="Arial" pitchFamily="34" charset="0"/>
               </a:rPr>
               <a:t>Lập</a:t>
             </a:r>
             <a:r>
               <a:rPr lang="en-US" sz="2800" dirty="0" smtClean="0">
-                <a:latin typeface="Arial" pitchFamily="34" charset="0"/>
+                <a:latin typeface="Nunito" pitchFamily="2" charset="0"/>
                 <a:cs typeface="Arial" pitchFamily="34" charset="0"/>
               </a:rPr>
               <a:t> </a:t>
             </a:r>
             <a:r>
               <a:rPr lang="en-US" sz="2800" dirty="0" err="1" smtClean="0">
-                <a:latin typeface="Arial" pitchFamily="34" charset="0"/>
+                <a:latin typeface="Nunito" pitchFamily="2" charset="0"/>
                 <a:cs typeface="Arial" pitchFamily="34" charset="0"/>
               </a:rPr>
               <a:t>trình</a:t>
             </a:r>
             <a:r>
               <a:rPr lang="en-US" sz="2800" dirty="0" smtClean="0">
-                <a:latin typeface="Arial" pitchFamily="34" charset="0"/>
+                <a:latin typeface="Nunito" pitchFamily="2" charset="0"/>
                 <a:cs typeface="Arial" pitchFamily="34" charset="0"/>
               </a:rPr>
               <a:t> website.</a:t>
@@ -10794,154 +10993,154 @@
           <a:p>
             <a:r>
               <a:rPr lang="en-US" sz="2800" dirty="0" err="1" smtClean="0">
-                <a:latin typeface="Arial" pitchFamily="34" charset="0"/>
+                <a:latin typeface="Nunito" pitchFamily="2" charset="0"/>
                 <a:cs typeface="Arial" pitchFamily="34" charset="0"/>
               </a:rPr>
               <a:t>Hiển</a:t>
             </a:r>
             <a:r>
               <a:rPr lang="en-US" sz="2800" dirty="0" smtClean="0">
-                <a:latin typeface="Arial" pitchFamily="34" charset="0"/>
+                <a:latin typeface="Nunito" pitchFamily="2" charset="0"/>
                 <a:cs typeface="Arial" pitchFamily="34" charset="0"/>
               </a:rPr>
               <a:t> </a:t>
             </a:r>
             <a:r>
               <a:rPr lang="en-US" sz="2800" dirty="0" err="1" smtClean="0">
-                <a:latin typeface="Arial" pitchFamily="34" charset="0"/>
+                <a:latin typeface="Nunito" pitchFamily="2" charset="0"/>
                 <a:cs typeface="Arial" pitchFamily="34" charset="0"/>
               </a:rPr>
               <a:t>thị</a:t>
             </a:r>
             <a:r>
               <a:rPr lang="en-US" sz="2800" dirty="0" smtClean="0">
-                <a:latin typeface="Arial" pitchFamily="34" charset="0"/>
+                <a:latin typeface="Nunito" pitchFamily="2" charset="0"/>
                 <a:cs typeface="Arial" pitchFamily="34" charset="0"/>
               </a:rPr>
               <a:t> </a:t>
             </a:r>
             <a:r>
               <a:rPr lang="en-US" sz="2800" dirty="0" err="1" smtClean="0">
-                <a:latin typeface="Arial" pitchFamily="34" charset="0"/>
+                <a:latin typeface="Nunito" pitchFamily="2" charset="0"/>
                 <a:cs typeface="Arial" pitchFamily="34" charset="0"/>
               </a:rPr>
               <a:t>tọa</a:t>
             </a:r>
             <a:r>
               <a:rPr lang="en-US" sz="2800" dirty="0" smtClean="0">
-                <a:latin typeface="Arial" pitchFamily="34" charset="0"/>
+                <a:latin typeface="Nunito" pitchFamily="2" charset="0"/>
                 <a:cs typeface="Arial" pitchFamily="34" charset="0"/>
               </a:rPr>
               <a:t> </a:t>
             </a:r>
             <a:r>
               <a:rPr lang="en-US" sz="2800" dirty="0" err="1" smtClean="0">
-                <a:latin typeface="Arial" pitchFamily="34" charset="0"/>
+                <a:latin typeface="Nunito" pitchFamily="2" charset="0"/>
                 <a:cs typeface="Arial" pitchFamily="34" charset="0"/>
               </a:rPr>
               <a:t>độ</a:t>
             </a:r>
             <a:r>
               <a:rPr lang="en-US" sz="2800" dirty="0" smtClean="0">
-                <a:latin typeface="Arial" pitchFamily="34" charset="0"/>
+                <a:latin typeface="Nunito" pitchFamily="2" charset="0"/>
                 <a:cs typeface="Arial" pitchFamily="34" charset="0"/>
               </a:rPr>
               <a:t> </a:t>
             </a:r>
             <a:r>
               <a:rPr lang="en-US" sz="2800" dirty="0" err="1" smtClean="0">
-                <a:latin typeface="Arial" pitchFamily="34" charset="0"/>
+                <a:latin typeface="Nunito" pitchFamily="2" charset="0"/>
                 <a:cs typeface="Arial" pitchFamily="34" charset="0"/>
               </a:rPr>
               <a:t>của</a:t>
             </a:r>
             <a:r>
               <a:rPr lang="en-US" sz="2800" dirty="0" smtClean="0">
-                <a:latin typeface="Arial" pitchFamily="34" charset="0"/>
+                <a:latin typeface="Nunito" pitchFamily="2" charset="0"/>
                 <a:cs typeface="Arial" pitchFamily="34" charset="0"/>
               </a:rPr>
               <a:t> </a:t>
             </a:r>
             <a:r>
               <a:rPr lang="en-US" sz="2800" dirty="0" err="1" smtClean="0">
-                <a:latin typeface="Arial" pitchFamily="34" charset="0"/>
+                <a:latin typeface="Nunito" pitchFamily="2" charset="0"/>
                 <a:cs typeface="Arial" pitchFamily="34" charset="0"/>
               </a:rPr>
               <a:t>thiết</a:t>
             </a:r>
             <a:r>
               <a:rPr lang="en-US" sz="2800" dirty="0" smtClean="0">
-                <a:latin typeface="Arial" pitchFamily="34" charset="0"/>
+                <a:latin typeface="Nunito" pitchFamily="2" charset="0"/>
                 <a:cs typeface="Arial" pitchFamily="34" charset="0"/>
               </a:rPr>
               <a:t> </a:t>
             </a:r>
             <a:r>
               <a:rPr lang="en-US" sz="2800" dirty="0" err="1" smtClean="0">
-                <a:latin typeface="Arial" pitchFamily="34" charset="0"/>
+                <a:latin typeface="Nunito" pitchFamily="2" charset="0"/>
                 <a:cs typeface="Arial" pitchFamily="34" charset="0"/>
               </a:rPr>
               <a:t>bị</a:t>
             </a:r>
             <a:r>
               <a:rPr lang="en-US" sz="2800" dirty="0" smtClean="0">
-                <a:latin typeface="Arial" pitchFamily="34" charset="0"/>
+                <a:latin typeface="Nunito" pitchFamily="2" charset="0"/>
                 <a:cs typeface="Arial" pitchFamily="34" charset="0"/>
               </a:rPr>
               <a:t> </a:t>
             </a:r>
             <a:r>
               <a:rPr lang="en-US" sz="2800" dirty="0" err="1" smtClean="0">
-                <a:latin typeface="Arial" pitchFamily="34" charset="0"/>
+                <a:latin typeface="Nunito" pitchFamily="2" charset="0"/>
                 <a:cs typeface="Arial" pitchFamily="34" charset="0"/>
               </a:rPr>
               <a:t>lên</a:t>
             </a:r>
             <a:r>
               <a:rPr lang="en-US" sz="2800" dirty="0" smtClean="0">
-                <a:latin typeface="Arial" pitchFamily="34" charset="0"/>
+                <a:latin typeface="Nunito" pitchFamily="2" charset="0"/>
                 <a:cs typeface="Arial" pitchFamily="34" charset="0"/>
               </a:rPr>
               <a:t> </a:t>
             </a:r>
             <a:r>
               <a:rPr lang="en-US" sz="2800" dirty="0" err="1" smtClean="0">
-                <a:latin typeface="Arial" pitchFamily="34" charset="0"/>
+                <a:latin typeface="Nunito" pitchFamily="2" charset="0"/>
                 <a:cs typeface="Arial" pitchFamily="34" charset="0"/>
               </a:rPr>
               <a:t>bản</a:t>
             </a:r>
             <a:r>
               <a:rPr lang="en-US" sz="2800" dirty="0" smtClean="0">
-                <a:latin typeface="Arial" pitchFamily="34" charset="0"/>
+                <a:latin typeface="Nunito" pitchFamily="2" charset="0"/>
                 <a:cs typeface="Arial" pitchFamily="34" charset="0"/>
               </a:rPr>
               <a:t> </a:t>
             </a:r>
             <a:r>
               <a:rPr lang="en-US" sz="2800" dirty="0" err="1" smtClean="0">
-                <a:latin typeface="Arial" pitchFamily="34" charset="0"/>
+                <a:latin typeface="Nunito" pitchFamily="2" charset="0"/>
                 <a:cs typeface="Arial" pitchFamily="34" charset="0"/>
               </a:rPr>
               <a:t>đồ</a:t>
             </a:r>
             <a:r>
               <a:rPr lang="en-US" sz="2800" dirty="0" smtClean="0">
-                <a:latin typeface="Arial" pitchFamily="34" charset="0"/>
+                <a:latin typeface="Nunito" pitchFamily="2" charset="0"/>
                 <a:cs typeface="Arial" pitchFamily="34" charset="0"/>
               </a:rPr>
               <a:t> </a:t>
             </a:r>
             <a:r>
               <a:rPr lang="en-US" sz="2800" dirty="0" err="1" smtClean="0">
-                <a:latin typeface="Arial" pitchFamily="34" charset="0"/>
+                <a:latin typeface="Nunito" pitchFamily="2" charset="0"/>
                 <a:cs typeface="Arial" pitchFamily="34" charset="0"/>
               </a:rPr>
               <a:t>với</a:t>
             </a:r>
             <a:r>
               <a:rPr lang="en-US" sz="2800" dirty="0" smtClean="0">
-                <a:latin typeface="Arial" pitchFamily="34" charset="0"/>
+                <a:latin typeface="Nunito" pitchFamily="2" charset="0"/>
                 <a:cs typeface="Arial" pitchFamily="34" charset="0"/>
               </a:rPr>
               <a:t> Google Map API.</a:t>
@@ -10990,13 +11189,13 @@
             <a:pPr algn="l"/>
             <a:r>
               <a:rPr lang="en-US" sz="3600" dirty="0" smtClean="0">
-                <a:latin typeface="Arial" pitchFamily="34" charset="0"/>
+                <a:latin typeface="Nunito" pitchFamily="2" charset="0"/>
                 <a:cs typeface="Arial" pitchFamily="34" charset="0"/>
               </a:rPr>
               <a:t>2.   Web app</a:t>
             </a:r>
             <a:endParaRPr lang="en-AU" sz="3600" dirty="0">
-              <a:latin typeface="Arial" pitchFamily="34" charset="0"/>
+              <a:latin typeface="Nunito" pitchFamily="2" charset="0"/>
               <a:cs typeface="Arial" pitchFamily="34" charset="0"/>
             </a:endParaRPr>
           </a:p>
@@ -11027,132 +11226,132 @@
             <a:pPr algn="ctr"/>
             <a:r>
               <a:rPr lang="en-US" sz="1400" i="1" dirty="0" err="1" smtClean="0">
-                <a:latin typeface="Arial" pitchFamily="34" charset="0"/>
+                <a:latin typeface="Nunito" pitchFamily="2" charset="0"/>
                 <a:cs typeface="Arial" pitchFamily="34" charset="0"/>
               </a:rPr>
               <a:t>Giao</a:t>
             </a:r>
             <a:r>
               <a:rPr lang="en-US" sz="1400" i="1" dirty="0" smtClean="0">
-                <a:latin typeface="Arial" pitchFamily="34" charset="0"/>
+                <a:latin typeface="Nunito" pitchFamily="2" charset="0"/>
                 <a:cs typeface="Arial" pitchFamily="34" charset="0"/>
               </a:rPr>
               <a:t> </a:t>
             </a:r>
             <a:r>
               <a:rPr lang="en-US" sz="1400" i="1" dirty="0" err="1" smtClean="0">
-                <a:latin typeface="Arial" pitchFamily="34" charset="0"/>
+                <a:latin typeface="Nunito" pitchFamily="2" charset="0"/>
                 <a:cs typeface="Arial" pitchFamily="34" charset="0"/>
               </a:rPr>
               <a:t>diện</a:t>
             </a:r>
             <a:r>
               <a:rPr lang="en-US" sz="1400" i="1" dirty="0" smtClean="0">
-                <a:latin typeface="Arial" pitchFamily="34" charset="0"/>
+                <a:latin typeface="Nunito" pitchFamily="2" charset="0"/>
                 <a:cs typeface="Arial" pitchFamily="34" charset="0"/>
               </a:rPr>
               <a:t> </a:t>
             </a:r>
             <a:r>
               <a:rPr lang="en-US" sz="1400" i="1" dirty="0" err="1" smtClean="0">
-                <a:latin typeface="Arial" pitchFamily="34" charset="0"/>
+                <a:latin typeface="Nunito" pitchFamily="2" charset="0"/>
                 <a:cs typeface="Arial" pitchFamily="34" charset="0"/>
               </a:rPr>
               <a:t>hiển</a:t>
             </a:r>
             <a:r>
               <a:rPr lang="en-US" sz="1400" i="1" dirty="0" smtClean="0">
-                <a:latin typeface="Arial" pitchFamily="34" charset="0"/>
+                <a:latin typeface="Nunito" pitchFamily="2" charset="0"/>
                 <a:cs typeface="Arial" pitchFamily="34" charset="0"/>
               </a:rPr>
               <a:t> </a:t>
             </a:r>
             <a:r>
               <a:rPr lang="en-US" sz="1400" i="1" dirty="0" err="1" smtClean="0">
-                <a:latin typeface="Arial" pitchFamily="34" charset="0"/>
+                <a:latin typeface="Nunito" pitchFamily="2" charset="0"/>
                 <a:cs typeface="Arial" pitchFamily="34" charset="0"/>
               </a:rPr>
               <a:t>thị</a:t>
             </a:r>
             <a:r>
               <a:rPr lang="en-US" sz="1400" i="1" dirty="0" smtClean="0">
-                <a:latin typeface="Arial" pitchFamily="34" charset="0"/>
+                <a:latin typeface="Nunito" pitchFamily="2" charset="0"/>
                 <a:cs typeface="Arial" pitchFamily="34" charset="0"/>
               </a:rPr>
               <a:t> </a:t>
             </a:r>
             <a:r>
               <a:rPr lang="en-US" sz="1400" i="1" dirty="0" err="1" smtClean="0">
-                <a:latin typeface="Arial" pitchFamily="34" charset="0"/>
+                <a:latin typeface="Nunito" pitchFamily="2" charset="0"/>
                 <a:cs typeface="Arial" pitchFamily="34" charset="0"/>
               </a:rPr>
               <a:t>người</a:t>
             </a:r>
             <a:r>
               <a:rPr lang="en-US" sz="1400" i="1" dirty="0" smtClean="0">
-                <a:latin typeface="Arial" pitchFamily="34" charset="0"/>
+                <a:latin typeface="Nunito" pitchFamily="2" charset="0"/>
                 <a:cs typeface="Arial" pitchFamily="34" charset="0"/>
               </a:rPr>
               <a:t> </a:t>
             </a:r>
             <a:r>
               <a:rPr lang="en-US" sz="1400" i="1" dirty="0" err="1" smtClean="0">
-                <a:latin typeface="Arial" pitchFamily="34" charset="0"/>
+                <a:latin typeface="Nunito" pitchFamily="2" charset="0"/>
                 <a:cs typeface="Arial" pitchFamily="34" charset="0"/>
               </a:rPr>
               <a:t>dùng</a:t>
             </a:r>
             <a:r>
               <a:rPr lang="en-US" sz="1400" i="1" dirty="0">
-                <a:latin typeface="Arial" pitchFamily="34" charset="0"/>
+                <a:latin typeface="Nunito" pitchFamily="2" charset="0"/>
                 <a:cs typeface="Arial" pitchFamily="34" charset="0"/>
               </a:rPr>
               <a:t> </a:t>
             </a:r>
             <a:r>
               <a:rPr lang="en-US" sz="1400" i="1" dirty="0" err="1" smtClean="0">
-                <a:latin typeface="Arial" pitchFamily="34" charset="0"/>
+                <a:latin typeface="Nunito" pitchFamily="2" charset="0"/>
                 <a:cs typeface="Arial" pitchFamily="34" charset="0"/>
               </a:rPr>
               <a:t>lên</a:t>
             </a:r>
             <a:r>
               <a:rPr lang="en-US" sz="1400" i="1" dirty="0" smtClean="0">
-                <a:latin typeface="Arial" pitchFamily="34" charset="0"/>
+                <a:latin typeface="Nunito" pitchFamily="2" charset="0"/>
                 <a:cs typeface="Arial" pitchFamily="34" charset="0"/>
               </a:rPr>
               <a:t> </a:t>
             </a:r>
             <a:r>
               <a:rPr lang="en-US" sz="1400" i="1" dirty="0" err="1" smtClean="0">
-                <a:latin typeface="Arial" pitchFamily="34" charset="0"/>
+                <a:latin typeface="Nunito" pitchFamily="2" charset="0"/>
                 <a:cs typeface="Arial" pitchFamily="34" charset="0"/>
               </a:rPr>
               <a:t>bản</a:t>
             </a:r>
             <a:r>
               <a:rPr lang="en-US" sz="1400" i="1" dirty="0" smtClean="0">
-                <a:latin typeface="Arial" pitchFamily="34" charset="0"/>
+                <a:latin typeface="Nunito" pitchFamily="2" charset="0"/>
                 <a:cs typeface="Arial" pitchFamily="34" charset="0"/>
               </a:rPr>
               <a:t> </a:t>
             </a:r>
             <a:r>
               <a:rPr lang="en-US" sz="1400" i="1" dirty="0" err="1" smtClean="0">
-                <a:latin typeface="Arial" pitchFamily="34" charset="0"/>
+                <a:latin typeface="Nunito" pitchFamily="2" charset="0"/>
                 <a:cs typeface="Arial" pitchFamily="34" charset="0"/>
               </a:rPr>
               <a:t>đồ</a:t>
             </a:r>
             <a:r>
               <a:rPr lang="en-US" sz="1400" i="1" dirty="0" smtClean="0">
-                <a:latin typeface="Arial" pitchFamily="34" charset="0"/>
+                <a:latin typeface="Nunito" pitchFamily="2" charset="0"/>
                 <a:cs typeface="Arial" pitchFamily="34" charset="0"/>
               </a:rPr>
               <a:t>.</a:t>
             </a:r>
             <a:endParaRPr lang="en-AU" sz="1400" i="1" dirty="0">
-              <a:latin typeface="Arial" pitchFamily="34" charset="0"/>
+              <a:latin typeface="Nunito" pitchFamily="2" charset="0"/>
               <a:cs typeface="Arial" pitchFamily="34" charset="0"/>
             </a:endParaRPr>
           </a:p>
@@ -11265,48 +11464,48 @@
             <a:pPr algn="ctr"/>
             <a:r>
               <a:rPr lang="en-US" sz="1400" i="1" dirty="0" err="1" smtClean="0">
-                <a:latin typeface="Arial" pitchFamily="34" charset="0"/>
+                <a:latin typeface="Nunito" pitchFamily="2" charset="0"/>
                 <a:cs typeface="Arial" pitchFamily="34" charset="0"/>
               </a:rPr>
               <a:t>Giao</a:t>
             </a:r>
             <a:r>
               <a:rPr lang="en-US" sz="1400" i="1" dirty="0" smtClean="0">
-                <a:latin typeface="Arial" pitchFamily="34" charset="0"/>
+                <a:latin typeface="Nunito" pitchFamily="2" charset="0"/>
                 <a:cs typeface="Arial" pitchFamily="34" charset="0"/>
               </a:rPr>
               <a:t> </a:t>
             </a:r>
             <a:r>
               <a:rPr lang="en-US" sz="1400" i="1" dirty="0" err="1" smtClean="0">
-                <a:latin typeface="Arial" pitchFamily="34" charset="0"/>
+                <a:latin typeface="Nunito" pitchFamily="2" charset="0"/>
                 <a:cs typeface="Arial" pitchFamily="34" charset="0"/>
               </a:rPr>
               <a:t>diện</a:t>
             </a:r>
             <a:r>
               <a:rPr lang="en-US" sz="1400" i="1" dirty="0" smtClean="0">
-                <a:latin typeface="Arial" pitchFamily="34" charset="0"/>
+                <a:latin typeface="Nunito" pitchFamily="2" charset="0"/>
                 <a:cs typeface="Arial" pitchFamily="34" charset="0"/>
               </a:rPr>
               <a:t> </a:t>
             </a:r>
             <a:r>
               <a:rPr lang="en-US" sz="1400" i="1" dirty="0" err="1" smtClean="0">
-                <a:latin typeface="Arial" pitchFamily="34" charset="0"/>
+                <a:latin typeface="Nunito" pitchFamily="2" charset="0"/>
                 <a:cs typeface="Arial" pitchFamily="34" charset="0"/>
               </a:rPr>
               <a:t>trang</a:t>
             </a:r>
             <a:r>
               <a:rPr lang="en-US" sz="1400" i="1" dirty="0" smtClean="0">
-                <a:latin typeface="Arial" pitchFamily="34" charset="0"/>
+                <a:latin typeface="Nunito" pitchFamily="2" charset="0"/>
                 <a:cs typeface="Arial" pitchFamily="34" charset="0"/>
               </a:rPr>
               <a:t> index</a:t>
             </a:r>
             <a:endParaRPr lang="en-AU" sz="1400" i="1" dirty="0">
-              <a:latin typeface="Arial" pitchFamily="34" charset="0"/>
+              <a:latin typeface="Nunito" pitchFamily="2" charset="0"/>
               <a:cs typeface="Arial" pitchFamily="34" charset="0"/>
             </a:endParaRPr>
           </a:p>
@@ -11378,13 +11577,13 @@
           <a:p>
             <a:r>
               <a:rPr lang="en-US" dirty="0" smtClean="0">
-                <a:latin typeface="Arial" pitchFamily="34" charset="0"/>
+                <a:latin typeface="Nunito" pitchFamily="2" charset="0"/>
                 <a:cs typeface="Arial" pitchFamily="34" charset="0"/>
               </a:rPr>
               <a:t>CÔNG VIỆC DỰ KIẾN</a:t>
             </a:r>
             <a:endParaRPr lang="en-AU" dirty="0">
-              <a:latin typeface="Arial" pitchFamily="34" charset="0"/>
+              <a:latin typeface="Nunito" pitchFamily="2" charset="0"/>
               <a:cs typeface="Arial" pitchFamily="34" charset="0"/>
             </a:endParaRPr>
           </a:p>
@@ -11399,7 +11598,7 @@
           <p:nvPr>
             <p:extLst>
               <p:ext uri="{D42A27DB-BD31-4B8C-83A1-F6EECF244321}">
-                <p14:modId xmlns:p14="http://schemas.microsoft.com/office/powerpoint/2010/main" val="2061287387"/>
+                <p14:modId xmlns:p14="http://schemas.microsoft.com/office/powerpoint/2010/main" val="1490650477"/>
               </p:ext>
             </p:extLst>
           </p:nvPr>
@@ -12234,13 +12433,13 @@
           <a:p>
             <a:r>
               <a:rPr lang="en-US" dirty="0" smtClean="0">
-                <a:latin typeface="Arial" pitchFamily="34" charset="0"/>
+                <a:latin typeface="Nunito" pitchFamily="2" charset="0"/>
                 <a:cs typeface="Arial" pitchFamily="34" charset="0"/>
               </a:rPr>
               <a:t>Contents</a:t>
             </a:r>
             <a:endParaRPr lang="en-AU" dirty="0">
-              <a:latin typeface="Arial" pitchFamily="34" charset="0"/>
+              <a:latin typeface="Nunito" pitchFamily="2" charset="0"/>
               <a:cs typeface="Arial" pitchFamily="34" charset="0"/>
             </a:endParaRPr>
           </a:p>
@@ -12253,7 +12452,7 @@
           <p:nvPr>
             <p:extLst>
               <p:ext uri="{D42A27DB-BD31-4B8C-83A1-F6EECF244321}">
-                <p14:modId xmlns:p14="http://schemas.microsoft.com/office/powerpoint/2010/main" val="3863749285"/>
+                <p14:modId xmlns:p14="http://schemas.microsoft.com/office/powerpoint/2010/main" val="1939561346"/>
               </p:ext>
             </p:extLst>
           </p:nvPr>
@@ -12329,13 +12528,13 @@
           <a:p>
             <a:r>
               <a:rPr lang="en-US" dirty="0" smtClean="0">
-                <a:latin typeface="Arial" pitchFamily="34" charset="0"/>
+                <a:latin typeface="Nunito" pitchFamily="2" charset="0"/>
                 <a:cs typeface="Arial" pitchFamily="34" charset="0"/>
               </a:rPr>
               <a:t>GIẢI PHÁP</a:t>
             </a:r>
             <a:endParaRPr lang="en-AU" dirty="0">
-              <a:latin typeface="Arial" pitchFamily="34" charset="0"/>
+              <a:latin typeface="Nunito" pitchFamily="2" charset="0"/>
               <a:cs typeface="Arial" pitchFamily="34" charset="0"/>
             </a:endParaRPr>
           </a:p>
@@ -12365,21 +12564,21 @@
           <a:p>
             <a:r>
               <a:rPr lang="en-US" dirty="0">
-                <a:latin typeface="Arial" pitchFamily="34" charset="0"/>
+                <a:latin typeface="Nunito" pitchFamily="2" charset="0"/>
                 <a:cs typeface="Arial" pitchFamily="34" charset="0"/>
               </a:rPr>
               <a:t>G</a:t>
             </a:r>
             <a:r>
               <a:rPr lang="vi-VN" dirty="0">
-                <a:latin typeface="Arial" pitchFamily="34" charset="0"/>
+                <a:latin typeface="Nunito" pitchFamily="2" charset="0"/>
                 <a:cs typeface="Arial" pitchFamily="34" charset="0"/>
               </a:rPr>
               <a:t>iải pháp kết hợp phần cứng và phần mềm</a:t>
             </a:r>
             <a:r>
               <a:rPr lang="en-US" dirty="0" smtClean="0">
-                <a:latin typeface="Arial" pitchFamily="34" charset="0"/>
+                <a:latin typeface="Nunito" pitchFamily="2" charset="0"/>
                 <a:cs typeface="Arial" pitchFamily="34" charset="0"/>
               </a:rPr>
               <a:t>.</a:t>
@@ -12388,70 +12587,70 @@
           <a:p>
             <a:r>
               <a:rPr lang="en-US" dirty="0" err="1" smtClean="0">
-                <a:latin typeface="Arial" pitchFamily="34" charset="0"/>
+                <a:latin typeface="Nunito" pitchFamily="2" charset="0"/>
                 <a:cs typeface="Arial" pitchFamily="34" charset="0"/>
               </a:rPr>
               <a:t>Nhằm</a:t>
             </a:r>
             <a:r>
               <a:rPr lang="en-US" dirty="0" smtClean="0">
-                <a:latin typeface="Arial" pitchFamily="34" charset="0"/>
+                <a:latin typeface="Nunito" pitchFamily="2" charset="0"/>
                 <a:cs typeface="Arial" pitchFamily="34" charset="0"/>
               </a:rPr>
               <a:t> </a:t>
             </a:r>
             <a:r>
               <a:rPr lang="en-US" dirty="0">
-                <a:latin typeface="Arial" pitchFamily="34" charset="0"/>
+                <a:latin typeface="Nunito" pitchFamily="2" charset="0"/>
                 <a:cs typeface="Arial" pitchFamily="34" charset="0"/>
               </a:rPr>
               <a:t>t</a:t>
             </a:r>
             <a:r>
               <a:rPr lang="vi-VN" dirty="0" smtClean="0">
-                <a:latin typeface="Arial" pitchFamily="34" charset="0"/>
+                <a:latin typeface="Nunito" pitchFamily="2" charset="0"/>
                 <a:cs typeface="Arial" pitchFamily="34" charset="0"/>
               </a:rPr>
               <a:t>ăng tính chủ động cho người khiếm thị </a:t>
             </a:r>
             <a:r>
               <a:rPr lang="en-US" dirty="0" err="1" smtClean="0">
-                <a:latin typeface="Arial" pitchFamily="34" charset="0"/>
+                <a:latin typeface="Nunito" pitchFamily="2" charset="0"/>
                 <a:cs typeface="Arial" pitchFamily="34" charset="0"/>
               </a:rPr>
               <a:t>khi</a:t>
             </a:r>
             <a:r>
               <a:rPr lang="en-US" dirty="0" smtClean="0">
-                <a:latin typeface="Arial" pitchFamily="34" charset="0"/>
+                <a:latin typeface="Nunito" pitchFamily="2" charset="0"/>
                 <a:cs typeface="Arial" pitchFamily="34" charset="0"/>
               </a:rPr>
               <a:t> </a:t>
             </a:r>
             <a:r>
               <a:rPr lang="en-US" dirty="0" err="1" smtClean="0">
-                <a:latin typeface="Arial" pitchFamily="34" charset="0"/>
+                <a:latin typeface="Nunito" pitchFamily="2" charset="0"/>
                 <a:cs typeface="Arial" pitchFamily="34" charset="0"/>
               </a:rPr>
               <a:t>đi</a:t>
             </a:r>
             <a:r>
               <a:rPr lang="en-US" dirty="0" smtClean="0">
-                <a:latin typeface="Arial" pitchFamily="34" charset="0"/>
+                <a:latin typeface="Nunito" pitchFamily="2" charset="0"/>
                 <a:cs typeface="Arial" pitchFamily="34" charset="0"/>
               </a:rPr>
               <a:t> </a:t>
             </a:r>
             <a:r>
               <a:rPr lang="en-US" dirty="0" err="1" smtClean="0">
-                <a:latin typeface="Arial" pitchFamily="34" charset="0"/>
+                <a:latin typeface="Nunito" pitchFamily="2" charset="0"/>
                 <a:cs typeface="Arial" pitchFamily="34" charset="0"/>
               </a:rPr>
               <a:t>lại</a:t>
             </a:r>
             <a:r>
               <a:rPr lang="en-US" dirty="0" smtClean="0">
-                <a:latin typeface="Arial" pitchFamily="34" charset="0"/>
+                <a:latin typeface="Nunito" pitchFamily="2" charset="0"/>
                 <a:cs typeface="Arial" pitchFamily="34" charset="0"/>
               </a:rPr>
               <a:t>.</a:t>
@@ -12647,10 +12846,14 @@
           <a:lstStyle/>
           <a:p>
             <a:r>
-              <a:rPr lang="en-US" dirty="0" smtClean="0"/>
+              <a:rPr lang="en-US" dirty="0" smtClean="0">
+                <a:latin typeface="Nunito" pitchFamily="2" charset="0"/>
+              </a:rPr>
               <a:t>GIẢI PHÁP</a:t>
             </a:r>
-            <a:endParaRPr lang="en-AU" dirty="0"/>
+            <a:endParaRPr lang="en-AU" dirty="0">
+              <a:latin typeface="Nunito" pitchFamily="2" charset="0"/>
+            </a:endParaRPr>
           </a:p>
         </p:txBody>
       </p:sp>
@@ -12672,324 +12875,480 @@
         </p:spPr>
         <p:txBody>
           <a:bodyPr>
-            <a:normAutofit fontScale="92500" lnSpcReduction="10000"/>
+            <a:normAutofit fontScale="92500" lnSpcReduction="20000"/>
           </a:bodyPr>
           <a:lstStyle/>
           <a:p>
             <a:r>
-              <a:rPr lang="en-US" dirty="0" err="1" smtClean="0"/>
+              <a:rPr lang="en-US" dirty="0" err="1" smtClean="0">
+                <a:latin typeface="Nunito" pitchFamily="2" charset="0"/>
+              </a:rPr>
               <a:t>Thuật</a:t>
             </a:r>
             <a:r>
-              <a:rPr lang="en-US" dirty="0" smtClean="0"/>
+              <a:rPr lang="en-US" dirty="0" smtClean="0">
+                <a:latin typeface="Nunito" pitchFamily="2" charset="0"/>
+              </a:rPr>
               <a:t> </a:t>
             </a:r>
             <a:r>
-              <a:rPr lang="en-US" dirty="0" err="1" smtClean="0"/>
+              <a:rPr lang="en-US" dirty="0" err="1" smtClean="0">
+                <a:latin typeface="Nunito" pitchFamily="2" charset="0"/>
+              </a:rPr>
               <a:t>toán</a:t>
             </a:r>
             <a:r>
-              <a:rPr lang="en-US" dirty="0" smtClean="0"/>
+              <a:rPr lang="en-US" dirty="0" smtClean="0">
+                <a:latin typeface="Nunito" pitchFamily="2" charset="0"/>
+              </a:rPr>
               <a:t> </a:t>
             </a:r>
             <a:r>
-              <a:rPr lang="en-US" dirty="0" err="1" smtClean="0"/>
+              <a:rPr lang="en-US" dirty="0" err="1" smtClean="0">
+                <a:latin typeface="Nunito" pitchFamily="2" charset="0"/>
+              </a:rPr>
               <a:t>nhận</a:t>
             </a:r>
             <a:r>
-              <a:rPr lang="en-US" dirty="0" smtClean="0"/>
+              <a:rPr lang="en-US" dirty="0" smtClean="0">
+                <a:latin typeface="Nunito" pitchFamily="2" charset="0"/>
+              </a:rPr>
               <a:t> </a:t>
             </a:r>
             <a:r>
-              <a:rPr lang="en-US" dirty="0" err="1" smtClean="0"/>
+              <a:rPr lang="en-US" dirty="0" err="1" smtClean="0">
+                <a:latin typeface="Nunito" pitchFamily="2" charset="0"/>
+              </a:rPr>
               <a:t>diện</a:t>
             </a:r>
             <a:r>
-              <a:rPr lang="en-US" dirty="0" smtClean="0"/>
+              <a:rPr lang="en-US" dirty="0" smtClean="0">
+                <a:latin typeface="Nunito" pitchFamily="2" charset="0"/>
+              </a:rPr>
               <a:t> </a:t>
             </a:r>
             <a:r>
-              <a:rPr lang="en-US" dirty="0" err="1" smtClean="0"/>
+              <a:rPr lang="en-US" dirty="0" err="1" smtClean="0">
+                <a:latin typeface="Nunito" pitchFamily="2" charset="0"/>
+              </a:rPr>
               <a:t>vật</a:t>
             </a:r>
             <a:r>
-              <a:rPr lang="en-US" dirty="0" smtClean="0"/>
+              <a:rPr lang="en-US" dirty="0" smtClean="0">
+                <a:latin typeface="Nunito" pitchFamily="2" charset="0"/>
+              </a:rPr>
               <a:t> </a:t>
             </a:r>
             <a:r>
-              <a:rPr lang="en-US" dirty="0" err="1" smtClean="0"/>
+              <a:rPr lang="en-US" dirty="0" err="1" smtClean="0">
+                <a:latin typeface="Nunito" pitchFamily="2" charset="0"/>
+              </a:rPr>
               <a:t>thể</a:t>
             </a:r>
             <a:r>
-              <a:rPr lang="en-US" dirty="0" smtClean="0"/>
+              <a:rPr lang="en-US" dirty="0" smtClean="0">
+                <a:latin typeface="Nunito" pitchFamily="2" charset="0"/>
+              </a:rPr>
               <a:t> </a:t>
             </a:r>
             <a:r>
-              <a:rPr lang="en-US" dirty="0" err="1" smtClean="0"/>
+              <a:rPr lang="en-US" dirty="0" err="1" smtClean="0">
+                <a:latin typeface="Nunito" pitchFamily="2" charset="0"/>
+              </a:rPr>
               <a:t>sử</a:t>
             </a:r>
             <a:r>
-              <a:rPr lang="en-US" dirty="0" smtClean="0"/>
+              <a:rPr lang="en-US" dirty="0" smtClean="0">
+                <a:latin typeface="Nunito" pitchFamily="2" charset="0"/>
+              </a:rPr>
               <a:t> </a:t>
             </a:r>
             <a:r>
-              <a:rPr lang="en-US" dirty="0" err="1" smtClean="0"/>
+              <a:rPr lang="en-US" dirty="0" err="1" smtClean="0">
+                <a:latin typeface="Nunito" pitchFamily="2" charset="0"/>
+              </a:rPr>
               <a:t>dụng</a:t>
             </a:r>
             <a:r>
-              <a:rPr lang="en-US" dirty="0" smtClean="0"/>
+              <a:rPr lang="en-US" dirty="0" smtClean="0">
+                <a:latin typeface="Nunito" pitchFamily="2" charset="0"/>
+              </a:rPr>
               <a:t> </a:t>
             </a:r>
             <a:r>
-              <a:rPr lang="en-US" dirty="0" err="1" smtClean="0"/>
+              <a:rPr lang="en-US" dirty="0" err="1" smtClean="0">
+                <a:latin typeface="Nunito" pitchFamily="2" charset="0"/>
+              </a:rPr>
               <a:t>mạng</a:t>
             </a:r>
             <a:r>
-              <a:rPr lang="en-US" dirty="0" smtClean="0"/>
+              <a:rPr lang="en-US" dirty="0" smtClean="0">
+                <a:latin typeface="Nunito" pitchFamily="2" charset="0"/>
+              </a:rPr>
               <a:t> </a:t>
             </a:r>
             <a:r>
-              <a:rPr lang="en-US" dirty="0" err="1" smtClean="0"/>
+              <a:rPr lang="en-US" dirty="0" err="1" smtClean="0">
+                <a:latin typeface="Nunito" pitchFamily="2" charset="0"/>
+              </a:rPr>
               <a:t>neurol</a:t>
             </a:r>
             <a:r>
-              <a:rPr lang="en-US" dirty="0" smtClean="0"/>
+              <a:rPr lang="en-US" dirty="0" smtClean="0">
+                <a:latin typeface="Nunito" pitchFamily="2" charset="0"/>
+              </a:rPr>
               <a:t> </a:t>
             </a:r>
             <a:r>
-              <a:rPr lang="en-US" dirty="0" err="1" smtClean="0"/>
+              <a:rPr lang="en-US" dirty="0" err="1" smtClean="0">
+                <a:latin typeface="Nunito" pitchFamily="2" charset="0"/>
+              </a:rPr>
               <a:t>sâu</a:t>
             </a:r>
             <a:r>
-              <a:rPr lang="en-US" dirty="0" smtClean="0"/>
+              <a:rPr lang="en-US" dirty="0" smtClean="0">
+                <a:latin typeface="Nunito" pitchFamily="2" charset="0"/>
+              </a:rPr>
               <a:t>.</a:t>
             </a:r>
           </a:p>
           <a:p>
             <a:r>
-              <a:rPr lang="en-US" dirty="0" err="1" smtClean="0"/>
+              <a:rPr lang="en-US" dirty="0" err="1" smtClean="0">
+                <a:latin typeface="Nunito" pitchFamily="2" charset="0"/>
+              </a:rPr>
               <a:t>Thuật</a:t>
             </a:r>
             <a:r>
-              <a:rPr lang="en-US" dirty="0" smtClean="0"/>
+              <a:rPr lang="en-US" dirty="0" smtClean="0">
+                <a:latin typeface="Nunito" pitchFamily="2" charset="0"/>
+              </a:rPr>
               <a:t> </a:t>
             </a:r>
             <a:r>
-              <a:rPr lang="en-US" dirty="0" err="1" smtClean="0"/>
+              <a:rPr lang="en-US" dirty="0" err="1" smtClean="0">
+                <a:latin typeface="Nunito" pitchFamily="2" charset="0"/>
+              </a:rPr>
               <a:t>toán</a:t>
             </a:r>
             <a:r>
-              <a:rPr lang="en-US" dirty="0" smtClean="0"/>
+              <a:rPr lang="en-US" dirty="0" smtClean="0">
+                <a:latin typeface="Nunito" pitchFamily="2" charset="0"/>
+              </a:rPr>
               <a:t> </a:t>
             </a:r>
             <a:r>
-              <a:rPr lang="en-US" dirty="0" err="1" smtClean="0"/>
+              <a:rPr lang="en-US" dirty="0" err="1" smtClean="0">
+                <a:latin typeface="Nunito" pitchFamily="2" charset="0"/>
+              </a:rPr>
               <a:t>vừa</a:t>
             </a:r>
             <a:r>
-              <a:rPr lang="en-US" dirty="0" smtClean="0"/>
+              <a:rPr lang="en-US" dirty="0" smtClean="0">
+                <a:latin typeface="Nunito" pitchFamily="2" charset="0"/>
+              </a:rPr>
               <a:t> </a:t>
             </a:r>
             <a:r>
-              <a:rPr lang="en-US" dirty="0" err="1" smtClean="0"/>
+              <a:rPr lang="en-US" dirty="0" err="1" smtClean="0">
+                <a:latin typeface="Nunito" pitchFamily="2" charset="0"/>
+              </a:rPr>
               <a:t>có</a:t>
             </a:r>
             <a:r>
-              <a:rPr lang="en-US" dirty="0" smtClean="0"/>
+              <a:rPr lang="en-US" dirty="0" smtClean="0">
+                <a:latin typeface="Nunito" pitchFamily="2" charset="0"/>
+              </a:rPr>
               <a:t> </a:t>
             </a:r>
             <a:r>
-              <a:rPr lang="en-US" dirty="0" err="1" smtClean="0"/>
+              <a:rPr lang="en-US" dirty="0" err="1" smtClean="0">
+                <a:latin typeface="Nunito" pitchFamily="2" charset="0"/>
+              </a:rPr>
               <a:t>độ</a:t>
             </a:r>
             <a:r>
-              <a:rPr lang="en-US" dirty="0" smtClean="0"/>
+              <a:rPr lang="en-US" dirty="0" smtClean="0">
+                <a:latin typeface="Nunito" pitchFamily="2" charset="0"/>
+              </a:rPr>
               <a:t> </a:t>
             </a:r>
             <a:r>
-              <a:rPr lang="en-US" dirty="0" err="1" smtClean="0"/>
+              <a:rPr lang="en-US" dirty="0" err="1" smtClean="0">
+                <a:latin typeface="Nunito" pitchFamily="2" charset="0"/>
+              </a:rPr>
               <a:t>chính</a:t>
             </a:r>
             <a:r>
-              <a:rPr lang="en-US" dirty="0" smtClean="0"/>
+              <a:rPr lang="en-US" dirty="0" smtClean="0">
+                <a:latin typeface="Nunito" pitchFamily="2" charset="0"/>
+              </a:rPr>
               <a:t> </a:t>
             </a:r>
             <a:r>
-              <a:rPr lang="en-US" dirty="0" err="1" smtClean="0"/>
+              <a:rPr lang="en-US" dirty="0" err="1" smtClean="0">
+                <a:latin typeface="Nunito" pitchFamily="2" charset="0"/>
+              </a:rPr>
               <a:t>xác</a:t>
             </a:r>
             <a:r>
-              <a:rPr lang="en-US" dirty="0" smtClean="0"/>
+              <a:rPr lang="en-US" dirty="0" smtClean="0">
+                <a:latin typeface="Nunito" pitchFamily="2" charset="0"/>
+              </a:rPr>
               <a:t> </a:t>
             </a:r>
             <a:r>
-              <a:rPr lang="en-US" dirty="0" err="1" smtClean="0"/>
+              <a:rPr lang="en-US" dirty="0" err="1" smtClean="0">
+                <a:latin typeface="Nunito" pitchFamily="2" charset="0"/>
+              </a:rPr>
               <a:t>cao</a:t>
             </a:r>
             <a:r>
-              <a:rPr lang="en-US" dirty="0" smtClean="0"/>
+              <a:rPr lang="en-US" dirty="0" smtClean="0">
+                <a:latin typeface="Nunito" pitchFamily="2" charset="0"/>
+              </a:rPr>
               <a:t>, </a:t>
             </a:r>
             <a:r>
-              <a:rPr lang="en-US" dirty="0" err="1" smtClean="0"/>
+              <a:rPr lang="en-US" dirty="0" err="1" smtClean="0">
+                <a:latin typeface="Nunito" pitchFamily="2" charset="0"/>
+              </a:rPr>
               <a:t>vừa</a:t>
             </a:r>
             <a:r>
-              <a:rPr lang="en-US" dirty="0" smtClean="0"/>
+              <a:rPr lang="en-US" dirty="0" smtClean="0">
+                <a:latin typeface="Nunito" pitchFamily="2" charset="0"/>
+              </a:rPr>
               <a:t> </a:t>
             </a:r>
             <a:r>
-              <a:rPr lang="en-US" dirty="0" err="1" smtClean="0"/>
+              <a:rPr lang="en-US" dirty="0" err="1" smtClean="0">
+                <a:latin typeface="Nunito" pitchFamily="2" charset="0"/>
+              </a:rPr>
               <a:t>có</a:t>
             </a:r>
             <a:r>
-              <a:rPr lang="en-US" dirty="0" smtClean="0"/>
+              <a:rPr lang="en-US" dirty="0" smtClean="0">
+                <a:latin typeface="Nunito" pitchFamily="2" charset="0"/>
+              </a:rPr>
               <a:t> </a:t>
             </a:r>
             <a:r>
-              <a:rPr lang="en-US" dirty="0" err="1" smtClean="0"/>
+              <a:rPr lang="en-US" dirty="0" err="1" smtClean="0">
+                <a:latin typeface="Nunito" pitchFamily="2" charset="0"/>
+              </a:rPr>
               <a:t>tốc</a:t>
             </a:r>
             <a:r>
-              <a:rPr lang="en-US" dirty="0" smtClean="0"/>
+              <a:rPr lang="en-US" dirty="0" smtClean="0">
+                <a:latin typeface="Nunito" pitchFamily="2" charset="0"/>
+              </a:rPr>
               <a:t> </a:t>
             </a:r>
             <a:r>
-              <a:rPr lang="en-US" dirty="0" err="1" smtClean="0"/>
+              <a:rPr lang="en-US" dirty="0" err="1" smtClean="0">
+                <a:latin typeface="Nunito" pitchFamily="2" charset="0"/>
+              </a:rPr>
               <a:t>độ</a:t>
             </a:r>
             <a:r>
-              <a:rPr lang="en-US" dirty="0" smtClean="0"/>
+              <a:rPr lang="en-US" dirty="0" smtClean="0">
+                <a:latin typeface="Nunito" pitchFamily="2" charset="0"/>
+              </a:rPr>
               <a:t> </a:t>
             </a:r>
             <a:r>
-              <a:rPr lang="en-US" dirty="0" err="1" smtClean="0"/>
+              <a:rPr lang="en-US" dirty="0" err="1" smtClean="0">
+                <a:latin typeface="Nunito" pitchFamily="2" charset="0"/>
+              </a:rPr>
               <a:t>thực</a:t>
             </a:r>
             <a:r>
-              <a:rPr lang="en-US" dirty="0" smtClean="0"/>
+              <a:rPr lang="en-US" dirty="0" smtClean="0">
+                <a:latin typeface="Nunito" pitchFamily="2" charset="0"/>
+              </a:rPr>
               <a:t> </a:t>
             </a:r>
             <a:r>
-              <a:rPr lang="en-US" dirty="0" err="1" smtClean="0"/>
+              <a:rPr lang="en-US" dirty="0" err="1" smtClean="0">
+                <a:latin typeface="Nunito" pitchFamily="2" charset="0"/>
+              </a:rPr>
               <a:t>thi</a:t>
             </a:r>
             <a:r>
-              <a:rPr lang="en-US" dirty="0" smtClean="0"/>
+              <a:rPr lang="en-US" dirty="0" smtClean="0">
+                <a:latin typeface="Nunito" pitchFamily="2" charset="0"/>
+              </a:rPr>
               <a:t> </a:t>
             </a:r>
             <a:r>
-              <a:rPr lang="en-US" dirty="0" err="1" smtClean="0"/>
+              <a:rPr lang="en-US" dirty="0" err="1" smtClean="0">
+                <a:latin typeface="Nunito" pitchFamily="2" charset="0"/>
+              </a:rPr>
               <a:t>cao</a:t>
             </a:r>
             <a:r>
-              <a:rPr lang="en-US" dirty="0" smtClean="0"/>
+              <a:rPr lang="en-US" dirty="0" smtClean="0">
+                <a:latin typeface="Nunito" pitchFamily="2" charset="0"/>
+              </a:rPr>
               <a:t>.</a:t>
             </a:r>
           </a:p>
           <a:p>
             <a:r>
-              <a:rPr lang="en-US" dirty="0" err="1" smtClean="0"/>
+              <a:rPr lang="en-US" dirty="0" err="1" smtClean="0">
+                <a:latin typeface="Nunito" pitchFamily="2" charset="0"/>
+              </a:rPr>
               <a:t>Thường</a:t>
             </a:r>
             <a:r>
-              <a:rPr lang="en-US" dirty="0" smtClean="0"/>
+              <a:rPr lang="en-US" dirty="0" smtClean="0">
+                <a:latin typeface="Nunito" pitchFamily="2" charset="0"/>
+              </a:rPr>
               <a:t> </a:t>
             </a:r>
             <a:r>
-              <a:rPr lang="en-US" dirty="0" err="1" smtClean="0"/>
+              <a:rPr lang="en-US" dirty="0" err="1" smtClean="0">
+                <a:latin typeface="Nunito" pitchFamily="2" charset="0"/>
+              </a:rPr>
               <a:t>được</a:t>
             </a:r>
             <a:r>
-              <a:rPr lang="en-US" dirty="0" smtClean="0"/>
+              <a:rPr lang="en-US" dirty="0" smtClean="0">
+                <a:latin typeface="Nunito" pitchFamily="2" charset="0"/>
+              </a:rPr>
               <a:t> </a:t>
             </a:r>
             <a:r>
-              <a:rPr lang="en-US" dirty="0" err="1" smtClean="0"/>
+              <a:rPr lang="en-US" dirty="0" err="1" smtClean="0">
+                <a:latin typeface="Nunito" pitchFamily="2" charset="0"/>
+              </a:rPr>
               <a:t>dùng</a:t>
             </a:r>
             <a:r>
-              <a:rPr lang="en-US" dirty="0" smtClean="0"/>
+              <a:rPr lang="en-US" dirty="0" smtClean="0">
+                <a:latin typeface="Nunito" pitchFamily="2" charset="0"/>
+              </a:rPr>
               <a:t> </a:t>
             </a:r>
             <a:r>
-              <a:rPr lang="en-US" dirty="0" err="1" smtClean="0"/>
+              <a:rPr lang="en-US" dirty="0" err="1" smtClean="0">
+                <a:latin typeface="Nunito" pitchFamily="2" charset="0"/>
+              </a:rPr>
               <a:t>trong</a:t>
             </a:r>
             <a:r>
-              <a:rPr lang="en-US" dirty="0" smtClean="0"/>
+              <a:rPr lang="en-US" dirty="0" smtClean="0">
+                <a:latin typeface="Nunito" pitchFamily="2" charset="0"/>
+              </a:rPr>
               <a:t> </a:t>
             </a:r>
             <a:r>
-              <a:rPr lang="en-US" dirty="0" err="1" smtClean="0"/>
+              <a:rPr lang="en-US" dirty="0" err="1" smtClean="0">
+                <a:latin typeface="Nunito" pitchFamily="2" charset="0"/>
+              </a:rPr>
               <a:t>hệ</a:t>
             </a:r>
             <a:r>
-              <a:rPr lang="en-US" dirty="0" smtClean="0"/>
+              <a:rPr lang="en-US" dirty="0" smtClean="0">
+                <a:latin typeface="Nunito" pitchFamily="2" charset="0"/>
+              </a:rPr>
               <a:t> </a:t>
             </a:r>
             <a:r>
-              <a:rPr lang="en-US" dirty="0" err="1" smtClean="0"/>
+              <a:rPr lang="en-US" dirty="0" err="1" smtClean="0">
+                <a:latin typeface="Nunito" pitchFamily="2" charset="0"/>
+              </a:rPr>
               <a:t>thống</a:t>
             </a:r>
             <a:r>
-              <a:rPr lang="en-US" dirty="0" smtClean="0"/>
+              <a:rPr lang="en-US" dirty="0" smtClean="0">
+                <a:latin typeface="Nunito" pitchFamily="2" charset="0"/>
+              </a:rPr>
               <a:t> </a:t>
             </a:r>
             <a:r>
-              <a:rPr lang="en-US" dirty="0" err="1" smtClean="0"/>
+              <a:rPr lang="en-US" dirty="0" err="1" smtClean="0">
+                <a:latin typeface="Nunito" pitchFamily="2" charset="0"/>
+              </a:rPr>
               <a:t>nhận</a:t>
             </a:r>
             <a:r>
-              <a:rPr lang="en-US" dirty="0" smtClean="0"/>
+              <a:rPr lang="en-US" dirty="0" smtClean="0">
+                <a:latin typeface="Nunito" pitchFamily="2" charset="0"/>
+              </a:rPr>
               <a:t> </a:t>
             </a:r>
             <a:r>
-              <a:rPr lang="en-US" dirty="0" err="1" smtClean="0"/>
+              <a:rPr lang="en-US" dirty="0" err="1" smtClean="0">
+                <a:latin typeface="Nunito" pitchFamily="2" charset="0"/>
+              </a:rPr>
               <a:t>diện</a:t>
             </a:r>
             <a:r>
-              <a:rPr lang="en-US" dirty="0" smtClean="0"/>
+              <a:rPr lang="en-US" dirty="0" smtClean="0">
+                <a:latin typeface="Nunito" pitchFamily="2" charset="0"/>
+              </a:rPr>
               <a:t> </a:t>
             </a:r>
             <a:r>
-              <a:rPr lang="en-US" dirty="0" err="1" smtClean="0"/>
+              <a:rPr lang="en-US" dirty="0" err="1" smtClean="0">
+                <a:latin typeface="Nunito" pitchFamily="2" charset="0"/>
+              </a:rPr>
               <a:t>vật</a:t>
             </a:r>
             <a:r>
-              <a:rPr lang="en-US" dirty="0" smtClean="0"/>
+              <a:rPr lang="en-US" dirty="0" smtClean="0">
+                <a:latin typeface="Nunito" pitchFamily="2" charset="0"/>
+              </a:rPr>
               <a:t> </a:t>
             </a:r>
             <a:r>
-              <a:rPr lang="en-US" dirty="0" err="1" smtClean="0"/>
+              <a:rPr lang="en-US" dirty="0" err="1" smtClean="0">
+                <a:latin typeface="Nunito" pitchFamily="2" charset="0"/>
+              </a:rPr>
               <a:t>thể</a:t>
             </a:r>
             <a:r>
-              <a:rPr lang="en-US" dirty="0" smtClean="0"/>
+              <a:rPr lang="en-US" dirty="0" smtClean="0">
+                <a:latin typeface="Nunito" pitchFamily="2" charset="0"/>
+              </a:rPr>
               <a:t> </a:t>
             </a:r>
             <a:r>
-              <a:rPr lang="en-US" dirty="0" err="1" smtClean="0"/>
+              <a:rPr lang="en-US" dirty="0" err="1" smtClean="0">
+                <a:latin typeface="Nunito" pitchFamily="2" charset="0"/>
+              </a:rPr>
               <a:t>thời</a:t>
             </a:r>
             <a:r>
-              <a:rPr lang="en-US" dirty="0" smtClean="0"/>
+              <a:rPr lang="en-US" dirty="0" smtClean="0">
+                <a:latin typeface="Nunito" pitchFamily="2" charset="0"/>
+              </a:rPr>
               <a:t> </a:t>
             </a:r>
             <a:r>
-              <a:rPr lang="en-US" dirty="0" err="1" smtClean="0"/>
+              <a:rPr lang="en-US" dirty="0" err="1" smtClean="0">
+                <a:latin typeface="Nunito" pitchFamily="2" charset="0"/>
+              </a:rPr>
               <a:t>gian</a:t>
             </a:r>
             <a:r>
-              <a:rPr lang="en-US" dirty="0" smtClean="0"/>
+              <a:rPr lang="en-US" dirty="0" smtClean="0">
+                <a:latin typeface="Nunito" pitchFamily="2" charset="0"/>
+              </a:rPr>
               <a:t> </a:t>
             </a:r>
             <a:r>
-              <a:rPr lang="en-US" dirty="0" err="1" smtClean="0"/>
+              <a:rPr lang="en-US" dirty="0" err="1" smtClean="0">
+                <a:latin typeface="Nunito" pitchFamily="2" charset="0"/>
+              </a:rPr>
               <a:t>thực</a:t>
             </a:r>
             <a:r>
-              <a:rPr lang="en-US" dirty="0" smtClean="0"/>
+              <a:rPr lang="en-US" dirty="0" smtClean="0">
+                <a:latin typeface="Nunito" pitchFamily="2" charset="0"/>
+              </a:rPr>
               <a:t>.</a:t>
             </a:r>
           </a:p>
@@ -13036,34 +13395,34 @@
             <a:pPr algn="l"/>
             <a:r>
               <a:rPr lang="en-US" sz="3600" dirty="0" err="1" smtClean="0">
-                <a:latin typeface="Arial" pitchFamily="34" charset="0"/>
+                <a:latin typeface="Nunito" pitchFamily="2" charset="0"/>
                 <a:cs typeface="Arial" pitchFamily="34" charset="0"/>
               </a:rPr>
               <a:t>Thuật</a:t>
             </a:r>
             <a:r>
               <a:rPr lang="en-US" sz="3600" dirty="0" smtClean="0">
-                <a:latin typeface="Arial" pitchFamily="34" charset="0"/>
+                <a:latin typeface="Nunito" pitchFamily="2" charset="0"/>
                 <a:cs typeface="Arial" pitchFamily="34" charset="0"/>
               </a:rPr>
               <a:t> </a:t>
             </a:r>
             <a:r>
               <a:rPr lang="en-US" sz="3600" dirty="0" err="1" smtClean="0">
-                <a:latin typeface="Arial" pitchFamily="34" charset="0"/>
+                <a:latin typeface="Nunito" pitchFamily="2" charset="0"/>
                 <a:cs typeface="Arial" pitchFamily="34" charset="0"/>
               </a:rPr>
               <a:t>toán</a:t>
             </a:r>
             <a:r>
               <a:rPr lang="en-US" sz="3600" dirty="0" smtClean="0">
-                <a:latin typeface="Arial" pitchFamily="34" charset="0"/>
+                <a:latin typeface="Nunito" pitchFamily="2" charset="0"/>
                 <a:cs typeface="Arial" pitchFamily="34" charset="0"/>
               </a:rPr>
               <a:t> YOLOv3</a:t>
             </a:r>
             <a:endParaRPr lang="en-AU" sz="3600" dirty="0">
-              <a:latin typeface="Arial" pitchFamily="34" charset="0"/>
+              <a:latin typeface="Nunito" pitchFamily="2" charset="0"/>
               <a:cs typeface="Arial" pitchFamily="34" charset="0"/>
             </a:endParaRPr>
           </a:p>
@@ -13175,18 +13534,26 @@
           <a:p>
             <a:pPr algn="ctr"/>
             <a:r>
-              <a:rPr lang="en-US" sz="1400" i="1" dirty="0" smtClean="0"/>
+              <a:rPr lang="en-US" sz="1400" i="1" dirty="0" smtClean="0">
+                <a:latin typeface="Nunito" pitchFamily="2" charset="0"/>
+              </a:rPr>
               <a:t>Logo </a:t>
             </a:r>
             <a:r>
-              <a:rPr lang="en-US" sz="1400" i="1" dirty="0" err="1" smtClean="0"/>
+              <a:rPr lang="en-US" sz="1400" i="1" dirty="0" err="1" smtClean="0">
+                <a:latin typeface="Nunito" pitchFamily="2" charset="0"/>
+              </a:rPr>
               <a:t>của</a:t>
             </a:r>
             <a:r>
-              <a:rPr lang="en-US" sz="1400" i="1" dirty="0" smtClean="0"/>
+              <a:rPr lang="en-US" sz="1400" i="1" dirty="0" smtClean="0">
+                <a:latin typeface="Nunito" pitchFamily="2" charset="0"/>
+              </a:rPr>
               <a:t> project YOLO</a:t>
             </a:r>
-            <a:endParaRPr lang="en-AU" sz="1400" i="1" dirty="0"/>
+            <a:endParaRPr lang="en-AU" sz="1400" i="1" dirty="0">
+              <a:latin typeface="Nunito" pitchFamily="2" charset="0"/>
+            </a:endParaRPr>
           </a:p>
         </p:txBody>
       </p:sp>
@@ -13214,118 +13581,176 @@
           <a:p>
             <a:pPr algn="ctr"/>
             <a:r>
-              <a:rPr lang="en-US" i="1" dirty="0" err="1" smtClean="0"/>
+              <a:rPr lang="en-US" i="1" dirty="0" err="1" smtClean="0">
+                <a:latin typeface="Nunito" pitchFamily="2" charset="0"/>
+              </a:rPr>
               <a:t>Biểu</a:t>
             </a:r>
             <a:r>
-              <a:rPr lang="en-US" i="1" dirty="0" smtClean="0"/>
+              <a:rPr lang="en-US" i="1" dirty="0" smtClean="0">
+                <a:latin typeface="Nunito" pitchFamily="2" charset="0"/>
+              </a:rPr>
               <a:t> </a:t>
             </a:r>
             <a:r>
-              <a:rPr lang="en-US" i="1" dirty="0" err="1" smtClean="0"/>
+              <a:rPr lang="en-US" i="1" dirty="0" err="1" smtClean="0">
+                <a:latin typeface="Nunito" pitchFamily="2" charset="0"/>
+              </a:rPr>
               <a:t>đồ</a:t>
             </a:r>
             <a:r>
-              <a:rPr lang="en-US" i="1" dirty="0" smtClean="0"/>
+              <a:rPr lang="en-US" i="1" dirty="0" smtClean="0">
+                <a:latin typeface="Nunito" pitchFamily="2" charset="0"/>
+              </a:rPr>
               <a:t> so </a:t>
             </a:r>
             <a:r>
-              <a:rPr lang="en-US" i="1" dirty="0" err="1" smtClean="0"/>
+              <a:rPr lang="en-US" i="1" dirty="0" err="1" smtClean="0">
+                <a:latin typeface="Nunito" pitchFamily="2" charset="0"/>
+              </a:rPr>
               <a:t>giữa</a:t>
             </a:r>
             <a:r>
-              <a:rPr lang="en-US" i="1" dirty="0" smtClean="0"/>
+              <a:rPr lang="en-US" i="1" dirty="0" smtClean="0">
+                <a:latin typeface="Nunito" pitchFamily="2" charset="0"/>
+              </a:rPr>
               <a:t> </a:t>
             </a:r>
             <a:r>
-              <a:rPr lang="en-US" i="1" dirty="0" err="1" smtClean="0"/>
+              <a:rPr lang="en-US" i="1" dirty="0" err="1" smtClean="0">
+                <a:latin typeface="Nunito" pitchFamily="2" charset="0"/>
+              </a:rPr>
               <a:t>các</a:t>
             </a:r>
             <a:r>
-              <a:rPr lang="en-US" i="1" dirty="0" smtClean="0"/>
+              <a:rPr lang="en-US" i="1" dirty="0" smtClean="0">
+                <a:latin typeface="Nunito" pitchFamily="2" charset="0"/>
+              </a:rPr>
               <a:t> </a:t>
             </a:r>
             <a:r>
-              <a:rPr lang="en-US" i="1" dirty="0" err="1" smtClean="0"/>
+              <a:rPr lang="en-US" i="1" dirty="0" err="1" smtClean="0">
+                <a:latin typeface="Nunito" pitchFamily="2" charset="0"/>
+              </a:rPr>
               <a:t>mô</a:t>
             </a:r>
             <a:r>
-              <a:rPr lang="en-US" i="1" dirty="0" smtClean="0"/>
+              <a:rPr lang="en-US" i="1" dirty="0" smtClean="0">
+                <a:latin typeface="Nunito" pitchFamily="2" charset="0"/>
+              </a:rPr>
               <a:t> </a:t>
             </a:r>
             <a:r>
-              <a:rPr lang="en-US" i="1" dirty="0" err="1" smtClean="0"/>
+              <a:rPr lang="en-US" i="1" dirty="0" err="1" smtClean="0">
+                <a:latin typeface="Nunito" pitchFamily="2" charset="0"/>
+              </a:rPr>
               <a:t>hình</a:t>
             </a:r>
             <a:r>
-              <a:rPr lang="en-US" i="1" dirty="0" smtClean="0"/>
+              <a:rPr lang="en-US" i="1" dirty="0" smtClean="0">
+                <a:latin typeface="Nunito" pitchFamily="2" charset="0"/>
+              </a:rPr>
               <a:t> </a:t>
             </a:r>
             <a:r>
-              <a:rPr lang="en-US" i="1" dirty="0" err="1" smtClean="0"/>
+              <a:rPr lang="en-US" i="1" dirty="0" err="1" smtClean="0">
+                <a:latin typeface="Nunito" pitchFamily="2" charset="0"/>
+              </a:rPr>
               <a:t>nhận</a:t>
             </a:r>
             <a:r>
-              <a:rPr lang="en-US" i="1" dirty="0" smtClean="0"/>
+              <a:rPr lang="en-US" i="1" dirty="0" smtClean="0">
+                <a:latin typeface="Nunito" pitchFamily="2" charset="0"/>
+              </a:rPr>
               <a:t> </a:t>
             </a:r>
             <a:r>
-              <a:rPr lang="en-US" i="1" dirty="0" err="1" smtClean="0"/>
+              <a:rPr lang="en-US" i="1" dirty="0" err="1" smtClean="0">
+                <a:latin typeface="Nunito" pitchFamily="2" charset="0"/>
+              </a:rPr>
               <a:t>diện</a:t>
             </a:r>
             <a:r>
-              <a:rPr lang="en-US" i="1" dirty="0" smtClean="0"/>
+              <a:rPr lang="en-US" i="1" dirty="0" smtClean="0">
+                <a:latin typeface="Nunito" pitchFamily="2" charset="0"/>
+              </a:rPr>
               <a:t> </a:t>
             </a:r>
             <a:r>
-              <a:rPr lang="en-US" i="1" dirty="0" err="1" smtClean="0"/>
+              <a:rPr lang="en-US" i="1" dirty="0" err="1" smtClean="0">
+                <a:latin typeface="Nunito" pitchFamily="2" charset="0"/>
+              </a:rPr>
               <a:t>vật</a:t>
             </a:r>
             <a:r>
-              <a:rPr lang="en-US" i="1" dirty="0" smtClean="0"/>
+              <a:rPr lang="en-US" i="1" dirty="0" smtClean="0">
+                <a:latin typeface="Nunito" pitchFamily="2" charset="0"/>
+              </a:rPr>
               <a:t> </a:t>
             </a:r>
             <a:r>
-              <a:rPr lang="en-US" i="1" dirty="0" err="1" smtClean="0"/>
+              <a:rPr lang="en-US" i="1" dirty="0" err="1" smtClean="0">
+                <a:latin typeface="Nunito" pitchFamily="2" charset="0"/>
+              </a:rPr>
               <a:t>thể</a:t>
             </a:r>
             <a:r>
-              <a:rPr lang="en-US" i="1" dirty="0" smtClean="0"/>
+              <a:rPr lang="en-US" i="1" dirty="0" smtClean="0">
+                <a:latin typeface="Nunito" pitchFamily="2" charset="0"/>
+              </a:rPr>
               <a:t> </a:t>
             </a:r>
             <a:r>
-              <a:rPr lang="en-US" i="1" dirty="0" err="1" smtClean="0"/>
+              <a:rPr lang="en-US" i="1" dirty="0" err="1" smtClean="0">
+                <a:latin typeface="Nunito" pitchFamily="2" charset="0"/>
+              </a:rPr>
               <a:t>trên</a:t>
             </a:r>
             <a:r>
-              <a:rPr lang="en-US" i="1" dirty="0" smtClean="0"/>
+              <a:rPr lang="en-US" i="1" dirty="0" smtClean="0">
+                <a:latin typeface="Nunito" pitchFamily="2" charset="0"/>
+              </a:rPr>
               <a:t> </a:t>
             </a:r>
             <a:r>
-              <a:rPr lang="en-US" i="1" dirty="0" err="1" smtClean="0"/>
+              <a:rPr lang="en-US" i="1" dirty="0" err="1" smtClean="0">
+                <a:latin typeface="Nunito" pitchFamily="2" charset="0"/>
+              </a:rPr>
               <a:t>bộ</a:t>
             </a:r>
             <a:r>
-              <a:rPr lang="en-US" i="1" dirty="0" smtClean="0"/>
+              <a:rPr lang="en-US" i="1" dirty="0" smtClean="0">
+                <a:latin typeface="Nunito" pitchFamily="2" charset="0"/>
+              </a:rPr>
               <a:t> </a:t>
             </a:r>
             <a:r>
-              <a:rPr lang="en-US" i="1" dirty="0" err="1" smtClean="0"/>
+              <a:rPr lang="en-US" i="1" dirty="0" err="1" smtClean="0">
+                <a:latin typeface="Nunito" pitchFamily="2" charset="0"/>
+              </a:rPr>
               <a:t>dữ</a:t>
             </a:r>
             <a:r>
-              <a:rPr lang="en-US" i="1" dirty="0" smtClean="0"/>
+              <a:rPr lang="en-US" i="1" dirty="0" smtClean="0">
+                <a:latin typeface="Nunito" pitchFamily="2" charset="0"/>
+              </a:rPr>
               <a:t> </a:t>
             </a:r>
             <a:r>
-              <a:rPr lang="en-US" i="1" dirty="0" err="1" smtClean="0"/>
+              <a:rPr lang="en-US" i="1" dirty="0" err="1" smtClean="0">
+                <a:latin typeface="Nunito" pitchFamily="2" charset="0"/>
+              </a:rPr>
               <a:t>liệu</a:t>
             </a:r>
             <a:r>
-              <a:rPr lang="en-US" i="1" dirty="0" smtClean="0"/>
+              <a:rPr lang="en-US" i="1" dirty="0" smtClean="0">
+                <a:latin typeface="Nunito" pitchFamily="2" charset="0"/>
+              </a:rPr>
               <a:t> COCO</a:t>
             </a:r>
-            <a:endParaRPr lang="en-AU" dirty="0"/>
+            <a:endParaRPr lang="en-AU" dirty="0">
+              <a:latin typeface="Nunito" pitchFamily="2" charset="0"/>
+            </a:endParaRPr>
           </a:p>
         </p:txBody>
       </p:sp>
@@ -13390,13 +13815,13 @@
           <a:p>
             <a:r>
               <a:rPr lang="en-US" dirty="0" smtClean="0">
-                <a:latin typeface="Arial" pitchFamily="34" charset="0"/>
+                <a:latin typeface="Nunito" pitchFamily="2" charset="0"/>
                 <a:cs typeface="Arial" pitchFamily="34" charset="0"/>
               </a:rPr>
               <a:t>PHÂN CHIA CÔNG VIỆC</a:t>
             </a:r>
             <a:endParaRPr lang="en-AU" dirty="0">
-              <a:latin typeface="Arial" pitchFamily="34" charset="0"/>
+              <a:latin typeface="Nunito" pitchFamily="2" charset="0"/>
               <a:cs typeface="Arial" pitchFamily="34" charset="0"/>
             </a:endParaRPr>
           </a:p>
@@ -13411,7 +13836,7 @@
           <p:nvPr>
             <p:extLst>
               <p:ext uri="{D42A27DB-BD31-4B8C-83A1-F6EECF244321}">
-                <p14:modId xmlns:p14="http://schemas.microsoft.com/office/powerpoint/2010/main" val="2589749644"/>
+                <p14:modId xmlns:p14="http://schemas.microsoft.com/office/powerpoint/2010/main" val="1112180456"/>
               </p:ext>
             </p:extLst>
           </p:nvPr>
@@ -15012,27 +15437,27 @@
             <a:pPr algn="ctr"/>
             <a:r>
               <a:rPr lang="en-US" dirty="0" err="1" smtClean="0">
-                <a:latin typeface="Arial" pitchFamily="34" charset="0"/>
+                <a:latin typeface="Nunito" pitchFamily="2" charset="0"/>
                 <a:cs typeface="Arial" pitchFamily="34" charset="0"/>
               </a:rPr>
               <a:t>Học</a:t>
             </a:r>
             <a:r>
               <a:rPr lang="en-US" dirty="0" smtClean="0">
-                <a:latin typeface="Arial" pitchFamily="34" charset="0"/>
+                <a:latin typeface="Nunito" pitchFamily="2" charset="0"/>
                 <a:cs typeface="Arial" pitchFamily="34" charset="0"/>
               </a:rPr>
               <a:t> </a:t>
             </a:r>
             <a:r>
               <a:rPr lang="en-US" dirty="0" err="1" smtClean="0">
-                <a:latin typeface="Arial" pitchFamily="34" charset="0"/>
+                <a:latin typeface="Nunito" pitchFamily="2" charset="0"/>
                 <a:cs typeface="Arial" pitchFamily="34" charset="0"/>
               </a:rPr>
               <a:t>máy</a:t>
             </a:r>
             <a:endParaRPr lang="en-AU" dirty="0">
-              <a:latin typeface="Arial" pitchFamily="34" charset="0"/>
+              <a:latin typeface="Nunito" pitchFamily="2" charset="0"/>
               <a:cs typeface="Arial" pitchFamily="34" charset="0"/>
             </a:endParaRPr>
           </a:p>
@@ -15076,55 +15501,55 @@
             <a:pPr algn="ctr"/>
             <a:r>
               <a:rPr lang="en-US" dirty="0" err="1" smtClean="0">
-                <a:latin typeface="Arial" pitchFamily="34" charset="0"/>
+                <a:latin typeface="Nunito" pitchFamily="2" charset="0"/>
                 <a:cs typeface="Arial" pitchFamily="34" charset="0"/>
               </a:rPr>
               <a:t>Xử</a:t>
             </a:r>
             <a:r>
               <a:rPr lang="en-US" dirty="0" smtClean="0">
-                <a:latin typeface="Arial" pitchFamily="34" charset="0"/>
+                <a:latin typeface="Nunito" pitchFamily="2" charset="0"/>
                 <a:cs typeface="Arial" pitchFamily="34" charset="0"/>
               </a:rPr>
               <a:t> </a:t>
             </a:r>
             <a:r>
               <a:rPr lang="en-US" dirty="0" err="1" smtClean="0">
-                <a:latin typeface="Arial" pitchFamily="34" charset="0"/>
+                <a:latin typeface="Nunito" pitchFamily="2" charset="0"/>
                 <a:cs typeface="Arial" pitchFamily="34" charset="0"/>
               </a:rPr>
               <a:t>lý</a:t>
             </a:r>
             <a:r>
               <a:rPr lang="en-US" dirty="0" smtClean="0">
-                <a:latin typeface="Arial" pitchFamily="34" charset="0"/>
+                <a:latin typeface="Nunito" pitchFamily="2" charset="0"/>
                 <a:cs typeface="Arial" pitchFamily="34" charset="0"/>
               </a:rPr>
               <a:t> </a:t>
             </a:r>
             <a:r>
               <a:rPr lang="en-US" dirty="0" err="1" smtClean="0">
-                <a:latin typeface="Arial" pitchFamily="34" charset="0"/>
+                <a:latin typeface="Nunito" pitchFamily="2" charset="0"/>
                 <a:cs typeface="Arial" pitchFamily="34" charset="0"/>
               </a:rPr>
               <a:t>phần</a:t>
             </a:r>
             <a:r>
               <a:rPr lang="en-US" dirty="0" smtClean="0">
-                <a:latin typeface="Arial" pitchFamily="34" charset="0"/>
+                <a:latin typeface="Nunito" pitchFamily="2" charset="0"/>
                 <a:cs typeface="Arial" pitchFamily="34" charset="0"/>
               </a:rPr>
               <a:t> </a:t>
             </a:r>
             <a:r>
               <a:rPr lang="en-US" dirty="0" err="1" smtClean="0">
-                <a:latin typeface="Arial" pitchFamily="34" charset="0"/>
+                <a:latin typeface="Nunito" pitchFamily="2" charset="0"/>
                 <a:cs typeface="Arial" pitchFamily="34" charset="0"/>
               </a:rPr>
               <a:t>cứng</a:t>
             </a:r>
             <a:endParaRPr lang="en-AU" dirty="0">
-              <a:latin typeface="Arial" pitchFamily="34" charset="0"/>
+              <a:latin typeface="Nunito" pitchFamily="2" charset="0"/>
               <a:cs typeface="Arial" pitchFamily="34" charset="0"/>
             </a:endParaRPr>
           </a:p>
@@ -15168,13 +15593,13 @@
             <a:pPr algn="ctr"/>
             <a:r>
               <a:rPr lang="en-US" dirty="0" smtClean="0">
-                <a:latin typeface="Arial" pitchFamily="34" charset="0"/>
+                <a:latin typeface="Nunito" pitchFamily="2" charset="0"/>
                 <a:cs typeface="Arial" pitchFamily="34" charset="0"/>
               </a:rPr>
               <a:t>Web app</a:t>
             </a:r>
             <a:endParaRPr lang="en-AU" dirty="0">
-              <a:latin typeface="Arial" pitchFamily="34" charset="0"/>
+              <a:latin typeface="Nunito" pitchFamily="2" charset="0"/>
               <a:cs typeface="Arial" pitchFamily="34" charset="0"/>
             </a:endParaRPr>
           </a:p>
@@ -15218,13 +15643,13 @@
             <a:pPr algn="ctr"/>
             <a:r>
               <a:rPr lang="en-US" dirty="0" smtClean="0">
-                <a:latin typeface="Arial" pitchFamily="34" charset="0"/>
+                <a:latin typeface="Nunito" pitchFamily="2" charset="0"/>
                 <a:cs typeface="Arial" pitchFamily="34" charset="0"/>
               </a:rPr>
               <a:t>Tasks</a:t>
             </a:r>
             <a:endParaRPr lang="en-AU" dirty="0">
-              <a:latin typeface="Arial" pitchFamily="34" charset="0"/>
+              <a:latin typeface="Nunito" pitchFamily="2" charset="0"/>
               <a:cs typeface="Arial" pitchFamily="34" charset="0"/>
             </a:endParaRPr>
           </a:p>
@@ -15369,83 +15794,83 @@
             <a:pPr algn="ctr"/>
             <a:r>
               <a:rPr lang="en-US" sz="1600" i="1" dirty="0" err="1" smtClean="0">
-                <a:latin typeface="Arial" pitchFamily="34" charset="0"/>
+                <a:latin typeface="Nunito" pitchFamily="2" charset="0"/>
                 <a:cs typeface="Arial" pitchFamily="34" charset="0"/>
               </a:rPr>
               <a:t>Sơ</a:t>
             </a:r>
             <a:r>
               <a:rPr lang="en-US" sz="1600" i="1" dirty="0" smtClean="0">
-                <a:latin typeface="Arial" pitchFamily="34" charset="0"/>
+                <a:latin typeface="Nunito" pitchFamily="2" charset="0"/>
                 <a:cs typeface="Arial" pitchFamily="34" charset="0"/>
               </a:rPr>
               <a:t> </a:t>
             </a:r>
             <a:r>
               <a:rPr lang="en-US" sz="1600" i="1" dirty="0" err="1" smtClean="0">
-                <a:latin typeface="Arial" pitchFamily="34" charset="0"/>
+                <a:latin typeface="Nunito" pitchFamily="2" charset="0"/>
                 <a:cs typeface="Arial" pitchFamily="34" charset="0"/>
               </a:rPr>
               <a:t>đồ</a:t>
             </a:r>
             <a:r>
               <a:rPr lang="en-US" sz="1600" i="1" dirty="0" smtClean="0">
-                <a:latin typeface="Arial" pitchFamily="34" charset="0"/>
+                <a:latin typeface="Nunito" pitchFamily="2" charset="0"/>
                 <a:cs typeface="Arial" pitchFamily="34" charset="0"/>
               </a:rPr>
               <a:t> </a:t>
             </a:r>
             <a:r>
               <a:rPr lang="en-US" sz="1600" i="1" dirty="0" err="1" smtClean="0">
-                <a:latin typeface="Arial" pitchFamily="34" charset="0"/>
+                <a:latin typeface="Nunito" pitchFamily="2" charset="0"/>
                 <a:cs typeface="Arial" pitchFamily="34" charset="0"/>
               </a:rPr>
               <a:t>khối</a:t>
             </a:r>
             <a:r>
               <a:rPr lang="en-US" sz="1600" i="1" dirty="0" smtClean="0">
-                <a:latin typeface="Arial" pitchFamily="34" charset="0"/>
+                <a:latin typeface="Nunito" pitchFamily="2" charset="0"/>
                 <a:cs typeface="Arial" pitchFamily="34" charset="0"/>
               </a:rPr>
               <a:t> chia </a:t>
             </a:r>
             <a:r>
               <a:rPr lang="en-US" sz="1600" i="1" dirty="0" err="1" smtClean="0">
-                <a:latin typeface="Arial" pitchFamily="34" charset="0"/>
+                <a:latin typeface="Nunito" pitchFamily="2" charset="0"/>
                 <a:cs typeface="Arial" pitchFamily="34" charset="0"/>
               </a:rPr>
               <a:t>nhỏ</a:t>
             </a:r>
             <a:r>
               <a:rPr lang="en-US" sz="1600" i="1" dirty="0" smtClean="0">
-                <a:latin typeface="Arial" pitchFamily="34" charset="0"/>
+                <a:latin typeface="Nunito" pitchFamily="2" charset="0"/>
                 <a:cs typeface="Arial" pitchFamily="34" charset="0"/>
               </a:rPr>
               <a:t> </a:t>
             </a:r>
             <a:r>
               <a:rPr lang="en-US" sz="1600" i="1" dirty="0" err="1" smtClean="0">
-                <a:latin typeface="Arial" pitchFamily="34" charset="0"/>
+                <a:latin typeface="Nunito" pitchFamily="2" charset="0"/>
                 <a:cs typeface="Arial" pitchFamily="34" charset="0"/>
               </a:rPr>
               <a:t>công</a:t>
             </a:r>
             <a:r>
               <a:rPr lang="en-US" sz="1600" i="1" dirty="0" smtClean="0">
-                <a:latin typeface="Arial" pitchFamily="34" charset="0"/>
+                <a:latin typeface="Nunito" pitchFamily="2" charset="0"/>
                 <a:cs typeface="Arial" pitchFamily="34" charset="0"/>
               </a:rPr>
               <a:t> </a:t>
             </a:r>
             <a:r>
               <a:rPr lang="en-US" sz="1600" i="1" dirty="0" err="1" smtClean="0">
-                <a:latin typeface="Arial" pitchFamily="34" charset="0"/>
+                <a:latin typeface="Nunito" pitchFamily="2" charset="0"/>
                 <a:cs typeface="Arial" pitchFamily="34" charset="0"/>
               </a:rPr>
               <a:t>việc</a:t>
             </a:r>
             <a:endParaRPr lang="en-AU" sz="1600" i="1" dirty="0">
-              <a:latin typeface="Arial" pitchFamily="34" charset="0"/>
+              <a:latin typeface="Nunito" pitchFamily="2" charset="0"/>
               <a:cs typeface="Arial" pitchFamily="34" charset="0"/>
             </a:endParaRPr>
           </a:p>
@@ -15476,111 +15901,111 @@
             <a:pPr algn="ctr"/>
             <a:r>
               <a:rPr lang="en-US" sz="1600" i="1" dirty="0" err="1" smtClean="0">
-                <a:latin typeface="Arial" pitchFamily="34" charset="0"/>
+                <a:latin typeface="Nunito" pitchFamily="2" charset="0"/>
                 <a:cs typeface="Arial" pitchFamily="34" charset="0"/>
               </a:rPr>
               <a:t>Bảng</a:t>
             </a:r>
             <a:r>
               <a:rPr lang="en-US" sz="1600" i="1" dirty="0" smtClean="0">
-                <a:latin typeface="Arial" pitchFamily="34" charset="0"/>
+                <a:latin typeface="Nunito" pitchFamily="2" charset="0"/>
                 <a:cs typeface="Arial" pitchFamily="34" charset="0"/>
               </a:rPr>
               <a:t> </a:t>
             </a:r>
             <a:r>
               <a:rPr lang="en-US" sz="1600" i="1" dirty="0" err="1" smtClean="0">
-                <a:latin typeface="Arial" pitchFamily="34" charset="0"/>
+                <a:latin typeface="Nunito" pitchFamily="2" charset="0"/>
                 <a:cs typeface="Arial" pitchFamily="34" charset="0"/>
               </a:rPr>
               <a:t>phân</a:t>
             </a:r>
             <a:r>
               <a:rPr lang="en-US" sz="1600" i="1" dirty="0" smtClean="0">
-                <a:latin typeface="Arial" pitchFamily="34" charset="0"/>
+                <a:latin typeface="Nunito" pitchFamily="2" charset="0"/>
                 <a:cs typeface="Arial" pitchFamily="34" charset="0"/>
               </a:rPr>
               <a:t> chia </a:t>
             </a:r>
             <a:r>
               <a:rPr lang="en-US" sz="1600" i="1" dirty="0" err="1" smtClean="0">
-                <a:latin typeface="Arial" pitchFamily="34" charset="0"/>
+                <a:latin typeface="Nunito" pitchFamily="2" charset="0"/>
                 <a:cs typeface="Arial" pitchFamily="34" charset="0"/>
               </a:rPr>
               <a:t>công</a:t>
             </a:r>
             <a:r>
               <a:rPr lang="en-US" sz="1600" i="1" dirty="0" smtClean="0">
-                <a:latin typeface="Arial" pitchFamily="34" charset="0"/>
+                <a:latin typeface="Nunito" pitchFamily="2" charset="0"/>
                 <a:cs typeface="Arial" pitchFamily="34" charset="0"/>
               </a:rPr>
               <a:t> </a:t>
             </a:r>
             <a:r>
               <a:rPr lang="en-US" sz="1600" i="1" dirty="0" err="1" smtClean="0">
-                <a:latin typeface="Arial" pitchFamily="34" charset="0"/>
+                <a:latin typeface="Nunito" pitchFamily="2" charset="0"/>
                 <a:cs typeface="Arial" pitchFamily="34" charset="0"/>
               </a:rPr>
               <a:t>việc</a:t>
             </a:r>
             <a:r>
               <a:rPr lang="en-US" sz="1600" i="1" dirty="0" smtClean="0">
-                <a:latin typeface="Arial" pitchFamily="34" charset="0"/>
+                <a:latin typeface="Nunito" pitchFamily="2" charset="0"/>
                 <a:cs typeface="Arial" pitchFamily="34" charset="0"/>
               </a:rPr>
               <a:t> </a:t>
             </a:r>
             <a:r>
               <a:rPr lang="en-US" sz="1600" i="1" dirty="0" err="1" smtClean="0">
-                <a:latin typeface="Arial" pitchFamily="34" charset="0"/>
+                <a:latin typeface="Nunito" pitchFamily="2" charset="0"/>
                 <a:cs typeface="Arial" pitchFamily="34" charset="0"/>
               </a:rPr>
               <a:t>cho</a:t>
             </a:r>
             <a:r>
               <a:rPr lang="en-US" sz="1600" i="1" dirty="0" smtClean="0">
-                <a:latin typeface="Arial" pitchFamily="34" charset="0"/>
+                <a:latin typeface="Nunito" pitchFamily="2" charset="0"/>
                 <a:cs typeface="Arial" pitchFamily="34" charset="0"/>
               </a:rPr>
               <a:t> </a:t>
             </a:r>
             <a:r>
               <a:rPr lang="en-US" sz="1600" i="1" dirty="0" err="1" smtClean="0">
-                <a:latin typeface="Arial" pitchFamily="34" charset="0"/>
+                <a:latin typeface="Nunito" pitchFamily="2" charset="0"/>
                 <a:cs typeface="Arial" pitchFamily="34" charset="0"/>
               </a:rPr>
               <a:t>các</a:t>
             </a:r>
             <a:r>
               <a:rPr lang="en-US" sz="1600" i="1" dirty="0" smtClean="0">
-                <a:latin typeface="Arial" pitchFamily="34" charset="0"/>
+                <a:latin typeface="Nunito" pitchFamily="2" charset="0"/>
                 <a:cs typeface="Arial" pitchFamily="34" charset="0"/>
               </a:rPr>
               <a:t> </a:t>
             </a:r>
             <a:r>
               <a:rPr lang="en-US" sz="1600" i="1" dirty="0" err="1" smtClean="0">
-                <a:latin typeface="Arial" pitchFamily="34" charset="0"/>
+                <a:latin typeface="Nunito" pitchFamily="2" charset="0"/>
                 <a:cs typeface="Arial" pitchFamily="34" charset="0"/>
               </a:rPr>
               <a:t>thành</a:t>
             </a:r>
             <a:r>
               <a:rPr lang="en-US" sz="1600" i="1" dirty="0" smtClean="0">
-                <a:latin typeface="Arial" pitchFamily="34" charset="0"/>
+                <a:latin typeface="Nunito" pitchFamily="2" charset="0"/>
                 <a:cs typeface="Arial" pitchFamily="34" charset="0"/>
               </a:rPr>
               <a:t> </a:t>
             </a:r>
             <a:r>
               <a:rPr lang="en-US" sz="1600" i="1" dirty="0" err="1" smtClean="0">
-                <a:latin typeface="Arial" pitchFamily="34" charset="0"/>
+                <a:latin typeface="Nunito" pitchFamily="2" charset="0"/>
                 <a:cs typeface="Arial" pitchFamily="34" charset="0"/>
               </a:rPr>
               <a:t>viên</a:t>
             </a:r>
             <a:endParaRPr lang="en-AU" sz="1600" i="1" dirty="0">
-              <a:latin typeface="Arial" pitchFamily="34" charset="0"/>
+              <a:latin typeface="Nunito" pitchFamily="2" charset="0"/>
               <a:cs typeface="Arial" pitchFamily="34" charset="0"/>
             </a:endParaRPr>
           </a:p>
@@ -15652,13 +16077,13 @@
           <a:p>
             <a:r>
               <a:rPr lang="en-US" dirty="0" smtClean="0">
-                <a:latin typeface="Arial" pitchFamily="34" charset="0"/>
+                <a:latin typeface="Nunito" pitchFamily="2" charset="0"/>
                 <a:cs typeface="Arial" pitchFamily="34" charset="0"/>
               </a:rPr>
               <a:t>TIẾN ĐỘ TRIỂN KHAI</a:t>
             </a:r>
             <a:endParaRPr lang="en-AU" dirty="0">
-              <a:latin typeface="Arial" pitchFamily="34" charset="0"/>
+              <a:latin typeface="Nunito" pitchFamily="2" charset="0"/>
               <a:cs typeface="Arial" pitchFamily="34" charset="0"/>
             </a:endParaRPr>
           </a:p>
@@ -15708,27 +16133,27 @@
             </a:pPr>
             <a:r>
               <a:rPr lang="en-US" sz="3600" dirty="0" err="1" smtClean="0">
-                <a:latin typeface="Arial" pitchFamily="34" charset="0"/>
+                <a:latin typeface="Nunito" pitchFamily="2" charset="0"/>
                 <a:cs typeface="Arial" pitchFamily="34" charset="0"/>
               </a:rPr>
               <a:t>Học</a:t>
             </a:r>
             <a:r>
               <a:rPr lang="en-US" sz="3600" dirty="0" smtClean="0">
-                <a:latin typeface="Arial" pitchFamily="34" charset="0"/>
+                <a:latin typeface="Nunito" pitchFamily="2" charset="0"/>
                 <a:cs typeface="Arial" pitchFamily="34" charset="0"/>
               </a:rPr>
               <a:t> </a:t>
             </a:r>
             <a:r>
               <a:rPr lang="en-US" sz="3600" dirty="0" err="1" smtClean="0">
-                <a:latin typeface="Arial" pitchFamily="34" charset="0"/>
+                <a:latin typeface="Nunito" pitchFamily="2" charset="0"/>
                 <a:cs typeface="Arial" pitchFamily="34" charset="0"/>
               </a:rPr>
               <a:t>máy</a:t>
             </a:r>
             <a:endParaRPr lang="en-AU" sz="3600" dirty="0">
-              <a:latin typeface="Arial" pitchFamily="34" charset="0"/>
+              <a:latin typeface="Nunito" pitchFamily="2" charset="0"/>
               <a:cs typeface="Arial" pitchFamily="34" charset="0"/>
             </a:endParaRPr>
           </a:p>
@@ -15800,97 +16225,97 @@
             <a:pPr algn="ctr"/>
             <a:r>
               <a:rPr lang="en-US" sz="1600" i="1" dirty="0" err="1" smtClean="0">
-                <a:latin typeface="Arial" pitchFamily="34" charset="0"/>
+                <a:latin typeface="Nunito" pitchFamily="2" charset="0"/>
                 <a:cs typeface="Arial" pitchFamily="34" charset="0"/>
               </a:rPr>
               <a:t>Quy</a:t>
             </a:r>
             <a:r>
               <a:rPr lang="en-US" sz="1600" i="1" dirty="0" smtClean="0">
-                <a:latin typeface="Arial" pitchFamily="34" charset="0"/>
+                <a:latin typeface="Nunito" pitchFamily="2" charset="0"/>
                 <a:cs typeface="Arial" pitchFamily="34" charset="0"/>
               </a:rPr>
               <a:t> </a:t>
             </a:r>
             <a:r>
               <a:rPr lang="en-US" sz="1600" i="1" dirty="0" err="1" smtClean="0">
-                <a:latin typeface="Arial" pitchFamily="34" charset="0"/>
+                <a:latin typeface="Nunito" pitchFamily="2" charset="0"/>
                 <a:cs typeface="Arial" pitchFamily="34" charset="0"/>
               </a:rPr>
               <a:t>trình</a:t>
             </a:r>
             <a:r>
               <a:rPr lang="en-US" sz="1600" i="1" dirty="0" smtClean="0">
-                <a:latin typeface="Arial" pitchFamily="34" charset="0"/>
+                <a:latin typeface="Nunito" pitchFamily="2" charset="0"/>
                 <a:cs typeface="Arial" pitchFamily="34" charset="0"/>
               </a:rPr>
               <a:t> </a:t>
             </a:r>
             <a:r>
               <a:rPr lang="en-US" sz="1600" i="1" dirty="0" err="1" smtClean="0">
-                <a:latin typeface="Arial" pitchFamily="34" charset="0"/>
+                <a:latin typeface="Nunito" pitchFamily="2" charset="0"/>
                 <a:cs typeface="Arial" pitchFamily="34" charset="0"/>
               </a:rPr>
               <a:t>tạo</a:t>
             </a:r>
             <a:r>
               <a:rPr lang="en-US" sz="1600" i="1" dirty="0" smtClean="0">
-                <a:latin typeface="Arial" pitchFamily="34" charset="0"/>
+                <a:latin typeface="Nunito" pitchFamily="2" charset="0"/>
                 <a:cs typeface="Arial" pitchFamily="34" charset="0"/>
               </a:rPr>
               <a:t> </a:t>
             </a:r>
             <a:r>
               <a:rPr lang="en-US" sz="1600" i="1" dirty="0" err="1" smtClean="0">
-                <a:latin typeface="Arial" pitchFamily="34" charset="0"/>
+                <a:latin typeface="Nunito" pitchFamily="2" charset="0"/>
                 <a:cs typeface="Arial" pitchFamily="34" charset="0"/>
               </a:rPr>
               <a:t>mô</a:t>
             </a:r>
             <a:r>
               <a:rPr lang="en-US" sz="1600" i="1" dirty="0" smtClean="0">
-                <a:latin typeface="Arial" pitchFamily="34" charset="0"/>
+                <a:latin typeface="Nunito" pitchFamily="2" charset="0"/>
                 <a:cs typeface="Arial" pitchFamily="34" charset="0"/>
               </a:rPr>
               <a:t> </a:t>
             </a:r>
             <a:r>
               <a:rPr lang="en-US" sz="1600" i="1" dirty="0" err="1" smtClean="0">
-                <a:latin typeface="Arial" pitchFamily="34" charset="0"/>
+                <a:latin typeface="Nunito" pitchFamily="2" charset="0"/>
                 <a:cs typeface="Arial" pitchFamily="34" charset="0"/>
               </a:rPr>
               <a:t>hình</a:t>
             </a:r>
             <a:r>
               <a:rPr lang="en-US" sz="1600" i="1" dirty="0" smtClean="0">
-                <a:latin typeface="Arial" pitchFamily="34" charset="0"/>
+                <a:latin typeface="Nunito" pitchFamily="2" charset="0"/>
                 <a:cs typeface="Arial" pitchFamily="34" charset="0"/>
               </a:rPr>
               <a:t> </a:t>
             </a:r>
             <a:r>
               <a:rPr lang="en-US" sz="1600" i="1" dirty="0" err="1" smtClean="0">
-                <a:latin typeface="Arial" pitchFamily="34" charset="0"/>
+                <a:latin typeface="Nunito" pitchFamily="2" charset="0"/>
                 <a:cs typeface="Arial" pitchFamily="34" charset="0"/>
               </a:rPr>
               <a:t>học</a:t>
             </a:r>
             <a:r>
               <a:rPr lang="en-US" sz="1600" i="1" dirty="0" smtClean="0">
-                <a:latin typeface="Arial" pitchFamily="34" charset="0"/>
+                <a:latin typeface="Nunito" pitchFamily="2" charset="0"/>
                 <a:cs typeface="Arial" pitchFamily="34" charset="0"/>
               </a:rPr>
               <a:t> </a:t>
             </a:r>
             <a:r>
               <a:rPr lang="en-US" sz="1600" i="1" dirty="0" err="1" smtClean="0">
-                <a:latin typeface="Arial" pitchFamily="34" charset="0"/>
+                <a:latin typeface="Nunito" pitchFamily="2" charset="0"/>
                 <a:cs typeface="Arial" pitchFamily="34" charset="0"/>
               </a:rPr>
               <a:t>máy</a:t>
             </a:r>
             <a:endParaRPr lang="en-AU" sz="1600" i="1" dirty="0">
-              <a:latin typeface="Arial" pitchFamily="34" charset="0"/>
+              <a:latin typeface="Nunito" pitchFamily="2" charset="0"/>
               <a:cs typeface="Arial" pitchFamily="34" charset="0"/>
             </a:endParaRPr>
           </a:p>
@@ -15962,13 +16387,13 @@
           <a:p>
             <a:r>
               <a:rPr lang="en-US" dirty="0" smtClean="0">
-                <a:latin typeface="Arial" pitchFamily="34" charset="0"/>
+                <a:latin typeface="Nunito" pitchFamily="2" charset="0"/>
                 <a:cs typeface="Arial" pitchFamily="34" charset="0"/>
               </a:rPr>
               <a:t>TIẾN ĐỘ TRIỂN KHAI</a:t>
             </a:r>
             <a:endParaRPr lang="en-AU" dirty="0">
-              <a:latin typeface="Arial" pitchFamily="34" charset="0"/>
+              <a:latin typeface="Nunito" pitchFamily="2" charset="0"/>
               <a:cs typeface="Arial" pitchFamily="34" charset="0"/>
             </a:endParaRPr>
           </a:p>
@@ -16002,49 +16427,49 @@
             </a:pPr>
             <a:r>
               <a:rPr lang="en-US" sz="2000" dirty="0" smtClean="0">
-                <a:latin typeface="Arial" pitchFamily="34" charset="0"/>
+                <a:latin typeface="Nunito" pitchFamily="2" charset="0"/>
                 <a:cs typeface="Arial" pitchFamily="34" charset="0"/>
               </a:rPr>
               <a:t>Thu </a:t>
             </a:r>
             <a:r>
               <a:rPr lang="en-US" sz="2000" dirty="0" err="1" smtClean="0">
-                <a:latin typeface="Arial" pitchFamily="34" charset="0"/>
+                <a:latin typeface="Nunito" pitchFamily="2" charset="0"/>
                 <a:cs typeface="Arial" pitchFamily="34" charset="0"/>
               </a:rPr>
               <a:t>thập</a:t>
             </a:r>
             <a:r>
               <a:rPr lang="en-US" sz="2000" dirty="0" smtClean="0">
-                <a:latin typeface="Arial" pitchFamily="34" charset="0"/>
+                <a:latin typeface="Nunito" pitchFamily="2" charset="0"/>
                 <a:cs typeface="Arial" pitchFamily="34" charset="0"/>
               </a:rPr>
               <a:t> </a:t>
             </a:r>
             <a:r>
               <a:rPr lang="en-US" sz="2000" dirty="0" err="1" smtClean="0">
-                <a:latin typeface="Arial" pitchFamily="34" charset="0"/>
+                <a:latin typeface="Nunito" pitchFamily="2" charset="0"/>
                 <a:cs typeface="Arial" pitchFamily="34" charset="0"/>
               </a:rPr>
               <a:t>dữ</a:t>
             </a:r>
             <a:r>
               <a:rPr lang="en-US" sz="2000" dirty="0" smtClean="0">
-                <a:latin typeface="Arial" pitchFamily="34" charset="0"/>
+                <a:latin typeface="Nunito" pitchFamily="2" charset="0"/>
                 <a:cs typeface="Arial" pitchFamily="34" charset="0"/>
               </a:rPr>
               <a:t> </a:t>
             </a:r>
             <a:r>
               <a:rPr lang="en-US" sz="2000" dirty="0" err="1" smtClean="0">
-                <a:latin typeface="Arial" pitchFamily="34" charset="0"/>
+                <a:latin typeface="Nunito" pitchFamily="2" charset="0"/>
                 <a:cs typeface="Arial" pitchFamily="34" charset="0"/>
               </a:rPr>
               <a:t>liệu</a:t>
             </a:r>
             <a:r>
               <a:rPr lang="en-US" sz="2000" dirty="0" smtClean="0">
-                <a:latin typeface="Arial" pitchFamily="34" charset="0"/>
+                <a:latin typeface="Nunito" pitchFamily="2" charset="0"/>
                 <a:cs typeface="Arial" pitchFamily="34" charset="0"/>
               </a:rPr>
               <a:t>:</a:t>
@@ -16096,27 +16521,27 @@
             </a:pPr>
             <a:r>
               <a:rPr lang="en-US" sz="3600" dirty="0" err="1" smtClean="0">
-                <a:latin typeface="Arial" pitchFamily="34" charset="0"/>
+                <a:latin typeface="Nunito" pitchFamily="2" charset="0"/>
                 <a:cs typeface="Arial" pitchFamily="34" charset="0"/>
               </a:rPr>
               <a:t>Học</a:t>
             </a:r>
             <a:r>
               <a:rPr lang="en-US" sz="3600" dirty="0" smtClean="0">
-                <a:latin typeface="Arial" pitchFamily="34" charset="0"/>
+                <a:latin typeface="Nunito" pitchFamily="2" charset="0"/>
                 <a:cs typeface="Arial" pitchFamily="34" charset="0"/>
               </a:rPr>
               <a:t> </a:t>
             </a:r>
             <a:r>
               <a:rPr lang="en-US" sz="3600" dirty="0" err="1" smtClean="0">
-                <a:latin typeface="Arial" pitchFamily="34" charset="0"/>
+                <a:latin typeface="Nunito" pitchFamily="2" charset="0"/>
                 <a:cs typeface="Arial" pitchFamily="34" charset="0"/>
               </a:rPr>
               <a:t>máy</a:t>
             </a:r>
             <a:endParaRPr lang="en-AU" sz="3600" dirty="0">
-              <a:latin typeface="Arial" pitchFamily="34" charset="0"/>
+              <a:latin typeface="Nunito" pitchFamily="2" charset="0"/>
               <a:cs typeface="Arial" pitchFamily="34" charset="0"/>
             </a:endParaRPr>
           </a:p>
@@ -16194,133 +16619,133 @@
             </a:pPr>
             <a:r>
               <a:rPr lang="en-US" dirty="0" err="1">
-                <a:latin typeface="Arial" pitchFamily="34" charset="0"/>
+                <a:latin typeface="Nunito" pitchFamily="2" charset="0"/>
                 <a:cs typeface="Arial" pitchFamily="34" charset="0"/>
               </a:rPr>
               <a:t>Bộ</a:t>
             </a:r>
             <a:r>
               <a:rPr lang="en-US" dirty="0">
-                <a:latin typeface="Arial" pitchFamily="34" charset="0"/>
+                <a:latin typeface="Nunito" pitchFamily="2" charset="0"/>
                 <a:cs typeface="Arial" pitchFamily="34" charset="0"/>
               </a:rPr>
               <a:t> </a:t>
             </a:r>
             <a:r>
               <a:rPr lang="en-US" dirty="0" err="1">
-                <a:latin typeface="Arial" pitchFamily="34" charset="0"/>
+                <a:latin typeface="Nunito" pitchFamily="2" charset="0"/>
                 <a:cs typeface="Arial" pitchFamily="34" charset="0"/>
               </a:rPr>
               <a:t>dữ</a:t>
             </a:r>
             <a:r>
               <a:rPr lang="en-US" dirty="0">
-                <a:latin typeface="Arial" pitchFamily="34" charset="0"/>
+                <a:latin typeface="Nunito" pitchFamily="2" charset="0"/>
                 <a:cs typeface="Arial" pitchFamily="34" charset="0"/>
               </a:rPr>
               <a:t> </a:t>
             </a:r>
             <a:r>
               <a:rPr lang="en-US" dirty="0" err="1">
-                <a:latin typeface="Arial" pitchFamily="34" charset="0"/>
+                <a:latin typeface="Nunito" pitchFamily="2" charset="0"/>
                 <a:cs typeface="Arial" pitchFamily="34" charset="0"/>
               </a:rPr>
               <a:t>liệu</a:t>
             </a:r>
             <a:r>
               <a:rPr lang="en-US" dirty="0">
-                <a:latin typeface="Arial" pitchFamily="34" charset="0"/>
+                <a:latin typeface="Nunito" pitchFamily="2" charset="0"/>
                 <a:cs typeface="Arial" pitchFamily="34" charset="0"/>
               </a:rPr>
               <a:t> </a:t>
             </a:r>
             <a:r>
               <a:rPr lang="en-AU" dirty="0">
-                <a:latin typeface="Arial" pitchFamily="34" charset="0"/>
+                <a:latin typeface="Nunito" pitchFamily="2" charset="0"/>
                 <a:cs typeface="Arial" pitchFamily="34" charset="0"/>
               </a:rPr>
               <a:t>45173 </a:t>
             </a:r>
             <a:r>
               <a:rPr lang="en-AU" dirty="0" err="1">
-                <a:latin typeface="Arial" pitchFamily="34" charset="0"/>
+                <a:latin typeface="Nunito" pitchFamily="2" charset="0"/>
                 <a:cs typeface="Arial" pitchFamily="34" charset="0"/>
               </a:rPr>
               <a:t>ảnh</a:t>
             </a:r>
             <a:r>
               <a:rPr lang="en-AU" dirty="0">
-                <a:latin typeface="Arial" pitchFamily="34" charset="0"/>
+                <a:latin typeface="Nunito" pitchFamily="2" charset="0"/>
                 <a:cs typeface="Arial" pitchFamily="34" charset="0"/>
               </a:rPr>
               <a:t> </a:t>
             </a:r>
             <a:r>
               <a:rPr lang="en-AU" dirty="0" err="1">
-                <a:latin typeface="Arial" pitchFamily="34" charset="0"/>
+                <a:latin typeface="Nunito" pitchFamily="2" charset="0"/>
                 <a:cs typeface="Arial" pitchFamily="34" charset="0"/>
               </a:rPr>
               <a:t>từ</a:t>
             </a:r>
             <a:r>
               <a:rPr lang="en-US" dirty="0">
-                <a:latin typeface="Arial" pitchFamily="34" charset="0"/>
+                <a:latin typeface="Nunito" pitchFamily="2" charset="0"/>
                 <a:cs typeface="Arial" pitchFamily="34" charset="0"/>
               </a:rPr>
               <a:t> COCO 2017 </a:t>
             </a:r>
             <a:r>
               <a:rPr lang="en-US" dirty="0" err="1">
-                <a:latin typeface="Arial" pitchFamily="34" charset="0"/>
+                <a:latin typeface="Nunito" pitchFamily="2" charset="0"/>
                 <a:cs typeface="Arial" pitchFamily="34" charset="0"/>
               </a:rPr>
               <a:t>và</a:t>
             </a:r>
             <a:r>
               <a:rPr lang="en-US" dirty="0">
-                <a:latin typeface="Arial" pitchFamily="34" charset="0"/>
+                <a:latin typeface="Nunito" pitchFamily="2" charset="0"/>
                 <a:cs typeface="Arial" pitchFamily="34" charset="0"/>
               </a:rPr>
               <a:t> </a:t>
             </a:r>
             <a:r>
               <a:rPr lang="en-US" dirty="0" err="1">
-                <a:latin typeface="Arial" pitchFamily="34" charset="0"/>
+                <a:latin typeface="Nunito" pitchFamily="2" charset="0"/>
                 <a:cs typeface="Arial" pitchFamily="34" charset="0"/>
               </a:rPr>
               <a:t>tự</a:t>
             </a:r>
             <a:r>
               <a:rPr lang="en-US" dirty="0">
-                <a:latin typeface="Arial" pitchFamily="34" charset="0"/>
+                <a:latin typeface="Nunito" pitchFamily="2" charset="0"/>
                 <a:cs typeface="Arial" pitchFamily="34" charset="0"/>
               </a:rPr>
               <a:t> </a:t>
             </a:r>
             <a:r>
               <a:rPr lang="en-US" dirty="0" err="1">
-                <a:latin typeface="Arial" pitchFamily="34" charset="0"/>
+                <a:latin typeface="Nunito" pitchFamily="2" charset="0"/>
                 <a:cs typeface="Arial" pitchFamily="34" charset="0"/>
               </a:rPr>
               <a:t>thu</a:t>
             </a:r>
             <a:r>
               <a:rPr lang="en-US" dirty="0">
-                <a:latin typeface="Arial" pitchFamily="34" charset="0"/>
+                <a:latin typeface="Nunito" pitchFamily="2" charset="0"/>
                 <a:cs typeface="Arial" pitchFamily="34" charset="0"/>
               </a:rPr>
               <a:t> </a:t>
             </a:r>
             <a:r>
               <a:rPr lang="en-US" dirty="0" err="1">
-                <a:latin typeface="Arial" pitchFamily="34" charset="0"/>
+                <a:latin typeface="Nunito" pitchFamily="2" charset="0"/>
                 <a:cs typeface="Arial" pitchFamily="34" charset="0"/>
               </a:rPr>
               <a:t>thập</a:t>
             </a:r>
             <a:r>
               <a:rPr lang="en-US" dirty="0">
-                <a:latin typeface="Arial" pitchFamily="34" charset="0"/>
+                <a:latin typeface="Nunito" pitchFamily="2" charset="0"/>
                 <a:cs typeface="Arial" pitchFamily="34" charset="0"/>
               </a:rPr>
               <a:t>.</a:t>
@@ -16336,98 +16761,98 @@
             </a:pPr>
             <a:r>
               <a:rPr lang="en-US" dirty="0" err="1">
-                <a:latin typeface="Arial" pitchFamily="34" charset="0"/>
+                <a:latin typeface="Nunito" pitchFamily="2" charset="0"/>
                 <a:cs typeface="Arial" pitchFamily="34" charset="0"/>
               </a:rPr>
               <a:t>Các</a:t>
             </a:r>
             <a:r>
               <a:rPr lang="en-US" dirty="0">
-                <a:latin typeface="Arial" pitchFamily="34" charset="0"/>
+                <a:latin typeface="Nunito" pitchFamily="2" charset="0"/>
                 <a:cs typeface="Arial" pitchFamily="34" charset="0"/>
               </a:rPr>
               <a:t> </a:t>
             </a:r>
             <a:r>
               <a:rPr lang="en-US" dirty="0" err="1">
-                <a:latin typeface="Arial" pitchFamily="34" charset="0"/>
+                <a:latin typeface="Nunito" pitchFamily="2" charset="0"/>
                 <a:cs typeface="Arial" pitchFamily="34" charset="0"/>
               </a:rPr>
               <a:t>loại</a:t>
             </a:r>
             <a:r>
               <a:rPr lang="en-US" dirty="0">
-                <a:latin typeface="Arial" pitchFamily="34" charset="0"/>
+                <a:latin typeface="Nunito" pitchFamily="2" charset="0"/>
                 <a:cs typeface="Arial" pitchFamily="34" charset="0"/>
               </a:rPr>
               <a:t> </a:t>
             </a:r>
             <a:r>
               <a:rPr lang="en-US" dirty="0" err="1">
-                <a:latin typeface="Arial" pitchFamily="34" charset="0"/>
+                <a:latin typeface="Nunito" pitchFamily="2" charset="0"/>
                 <a:cs typeface="Arial" pitchFamily="34" charset="0"/>
               </a:rPr>
               <a:t>đối</a:t>
             </a:r>
             <a:r>
               <a:rPr lang="en-US" dirty="0">
-                <a:latin typeface="Arial" pitchFamily="34" charset="0"/>
+                <a:latin typeface="Nunito" pitchFamily="2" charset="0"/>
                 <a:cs typeface="Arial" pitchFamily="34" charset="0"/>
               </a:rPr>
               <a:t> </a:t>
             </a:r>
             <a:r>
               <a:rPr lang="en-US" dirty="0" err="1">
-                <a:latin typeface="Arial" pitchFamily="34" charset="0"/>
+                <a:latin typeface="Nunito" pitchFamily="2" charset="0"/>
                 <a:cs typeface="Arial" pitchFamily="34" charset="0"/>
               </a:rPr>
               <a:t>tượng</a:t>
             </a:r>
             <a:r>
               <a:rPr lang="en-US" dirty="0">
-                <a:latin typeface="Arial" pitchFamily="34" charset="0"/>
+                <a:latin typeface="Nunito" pitchFamily="2" charset="0"/>
                 <a:cs typeface="Arial" pitchFamily="34" charset="0"/>
               </a:rPr>
               <a:t>: person, bicycle, car, motorcycle, cat, dog, </a:t>
             </a:r>
             <a:r>
               <a:rPr lang="en-US" dirty="0" err="1">
-                <a:latin typeface="Arial" pitchFamily="34" charset="0"/>
+                <a:latin typeface="Nunito" pitchFamily="2" charset="0"/>
                 <a:cs typeface="Arial" pitchFamily="34" charset="0"/>
               </a:rPr>
               <a:t>duy</a:t>
             </a:r>
             <a:r>
               <a:rPr lang="en-US" dirty="0">
-                <a:latin typeface="Arial" pitchFamily="34" charset="0"/>
+                <a:latin typeface="Nunito" pitchFamily="2" charset="0"/>
                 <a:cs typeface="Arial" pitchFamily="34" charset="0"/>
               </a:rPr>
               <a:t>, long, </a:t>
             </a:r>
             <a:r>
               <a:rPr lang="en-US" dirty="0" err="1">
-                <a:latin typeface="Arial" pitchFamily="34" charset="0"/>
+                <a:latin typeface="Nunito" pitchFamily="2" charset="0"/>
                 <a:cs typeface="Arial" pitchFamily="34" charset="0"/>
               </a:rPr>
               <a:t>tung</a:t>
             </a:r>
             <a:r>
               <a:rPr lang="en-US" dirty="0">
-                <a:latin typeface="Arial" pitchFamily="34" charset="0"/>
+                <a:latin typeface="Nunito" pitchFamily="2" charset="0"/>
                 <a:cs typeface="Arial" pitchFamily="34" charset="0"/>
               </a:rPr>
               <a:t>, </a:t>
             </a:r>
             <a:r>
               <a:rPr lang="en-US" dirty="0" err="1">
-                <a:latin typeface="Arial" pitchFamily="34" charset="0"/>
+                <a:latin typeface="Nunito" pitchFamily="2" charset="0"/>
                 <a:cs typeface="Arial" pitchFamily="34" charset="0"/>
               </a:rPr>
               <a:t>vinh</a:t>
             </a:r>
             <a:r>
               <a:rPr lang="en-US" dirty="0">
-                <a:latin typeface="Arial" pitchFamily="34" charset="0"/>
+                <a:latin typeface="Nunito" pitchFamily="2" charset="0"/>
                 <a:cs typeface="Arial" pitchFamily="34" charset="0"/>
               </a:rPr>
               <a:t>.</a:t>
@@ -16443,84 +16868,84 @@
             </a:pPr>
             <a:r>
               <a:rPr lang="en-US" dirty="0" err="1">
-                <a:latin typeface="Arial" pitchFamily="34" charset="0"/>
+                <a:latin typeface="Nunito" pitchFamily="2" charset="0"/>
                 <a:cs typeface="Arial" pitchFamily="34" charset="0"/>
               </a:rPr>
               <a:t>Đánh</a:t>
             </a:r>
             <a:r>
               <a:rPr lang="en-US" dirty="0">
-                <a:latin typeface="Arial" pitchFamily="34" charset="0"/>
+                <a:latin typeface="Nunito" pitchFamily="2" charset="0"/>
                 <a:cs typeface="Arial" pitchFamily="34" charset="0"/>
               </a:rPr>
               <a:t> </a:t>
             </a:r>
             <a:r>
               <a:rPr lang="en-US" dirty="0" err="1">
-                <a:latin typeface="Arial" pitchFamily="34" charset="0"/>
+                <a:latin typeface="Nunito" pitchFamily="2" charset="0"/>
                 <a:cs typeface="Arial" pitchFamily="34" charset="0"/>
               </a:rPr>
               <a:t>dấu</a:t>
             </a:r>
             <a:r>
               <a:rPr lang="en-US" dirty="0">
-                <a:latin typeface="Arial" pitchFamily="34" charset="0"/>
+                <a:latin typeface="Nunito" pitchFamily="2" charset="0"/>
                 <a:cs typeface="Arial" pitchFamily="34" charset="0"/>
               </a:rPr>
               <a:t> bounding box (</a:t>
             </a:r>
             <a:r>
               <a:rPr lang="en-US" dirty="0" err="1">
-                <a:latin typeface="Arial" pitchFamily="34" charset="0"/>
+                <a:latin typeface="Nunito" pitchFamily="2" charset="0"/>
                 <a:cs typeface="Arial" pitchFamily="34" charset="0"/>
               </a:rPr>
               <a:t>bbox</a:t>
             </a:r>
             <a:r>
               <a:rPr lang="en-US" dirty="0">
-                <a:latin typeface="Arial" pitchFamily="34" charset="0"/>
+                <a:latin typeface="Nunito" pitchFamily="2" charset="0"/>
                 <a:cs typeface="Arial" pitchFamily="34" charset="0"/>
               </a:rPr>
               <a:t>) </a:t>
             </a:r>
             <a:r>
               <a:rPr lang="en-US" dirty="0" err="1">
-                <a:latin typeface="Arial" pitchFamily="34" charset="0"/>
+                <a:latin typeface="Nunito" pitchFamily="2" charset="0"/>
                 <a:cs typeface="Arial" pitchFamily="34" charset="0"/>
               </a:rPr>
               <a:t>cho</a:t>
             </a:r>
             <a:r>
               <a:rPr lang="en-US" dirty="0">
-                <a:latin typeface="Arial" pitchFamily="34" charset="0"/>
+                <a:latin typeface="Nunito" pitchFamily="2" charset="0"/>
                 <a:cs typeface="Arial" pitchFamily="34" charset="0"/>
               </a:rPr>
               <a:t> </a:t>
             </a:r>
             <a:r>
               <a:rPr lang="en-US" dirty="0" err="1">
-                <a:latin typeface="Arial" pitchFamily="34" charset="0"/>
+                <a:latin typeface="Nunito" pitchFamily="2" charset="0"/>
                 <a:cs typeface="Arial" pitchFamily="34" charset="0"/>
               </a:rPr>
               <a:t>các</a:t>
             </a:r>
             <a:r>
               <a:rPr lang="en-US" dirty="0">
-                <a:latin typeface="Arial" pitchFamily="34" charset="0"/>
+                <a:latin typeface="Nunito" pitchFamily="2" charset="0"/>
                 <a:cs typeface="Arial" pitchFamily="34" charset="0"/>
               </a:rPr>
               <a:t> </a:t>
             </a:r>
             <a:r>
               <a:rPr lang="en-US" dirty="0" err="1">
-                <a:latin typeface="Arial" pitchFamily="34" charset="0"/>
+                <a:latin typeface="Nunito" pitchFamily="2" charset="0"/>
                 <a:cs typeface="Arial" pitchFamily="34" charset="0"/>
               </a:rPr>
               <a:t>ảnh</a:t>
             </a:r>
             <a:r>
               <a:rPr lang="en-US" dirty="0">
-                <a:latin typeface="Arial" pitchFamily="34" charset="0"/>
+                <a:latin typeface="Nunito" pitchFamily="2" charset="0"/>
                 <a:cs typeface="Arial" pitchFamily="34" charset="0"/>
               </a:rPr>
               <a:t>.</a:t>
@@ -16536,77 +16961,77 @@
             </a:pPr>
             <a:r>
               <a:rPr lang="en-US" dirty="0">
-                <a:latin typeface="Arial" pitchFamily="34" charset="0"/>
+                <a:latin typeface="Nunito" pitchFamily="2" charset="0"/>
                 <a:cs typeface="Arial" pitchFamily="34" charset="0"/>
               </a:rPr>
               <a:t>Augmenting: </a:t>
             </a:r>
             <a:r>
               <a:rPr lang="en-US" dirty="0" err="1">
-                <a:latin typeface="Arial" pitchFamily="34" charset="0"/>
+                <a:latin typeface="Nunito" pitchFamily="2" charset="0"/>
                 <a:cs typeface="Arial" pitchFamily="34" charset="0"/>
               </a:rPr>
               <a:t>Lật</a:t>
             </a:r>
             <a:r>
               <a:rPr lang="en-US" dirty="0">
-                <a:latin typeface="Arial" pitchFamily="34" charset="0"/>
+                <a:latin typeface="Nunito" pitchFamily="2" charset="0"/>
                 <a:cs typeface="Arial" pitchFamily="34" charset="0"/>
               </a:rPr>
               <a:t> </a:t>
             </a:r>
             <a:r>
               <a:rPr lang="en-US" dirty="0" err="1">
-                <a:latin typeface="Arial" pitchFamily="34" charset="0"/>
+                <a:latin typeface="Nunito" pitchFamily="2" charset="0"/>
                 <a:cs typeface="Arial" pitchFamily="34" charset="0"/>
               </a:rPr>
               <a:t>ngang</a:t>
             </a:r>
             <a:r>
               <a:rPr lang="en-US" dirty="0">
-                <a:latin typeface="Arial" pitchFamily="34" charset="0"/>
+                <a:latin typeface="Nunito" pitchFamily="2" charset="0"/>
                 <a:cs typeface="Arial" pitchFamily="34" charset="0"/>
               </a:rPr>
               <a:t>, scale, </a:t>
             </a:r>
             <a:r>
               <a:rPr lang="en-US" dirty="0" err="1">
-                <a:latin typeface="Arial" pitchFamily="34" charset="0"/>
+                <a:latin typeface="Nunito" pitchFamily="2" charset="0"/>
                 <a:cs typeface="Arial" pitchFamily="34" charset="0"/>
               </a:rPr>
               <a:t>xoay</a:t>
             </a:r>
             <a:r>
               <a:rPr lang="en-US" dirty="0">
-                <a:latin typeface="Arial" pitchFamily="34" charset="0"/>
+                <a:latin typeface="Nunito" pitchFamily="2" charset="0"/>
                 <a:cs typeface="Arial" pitchFamily="34" charset="0"/>
               </a:rPr>
               <a:t>, HSV, </a:t>
             </a:r>
             <a:r>
               <a:rPr lang="en-US" dirty="0" err="1">
-                <a:latin typeface="Arial" pitchFamily="34" charset="0"/>
+                <a:latin typeface="Nunito" pitchFamily="2" charset="0"/>
                 <a:cs typeface="Arial" pitchFamily="34" charset="0"/>
               </a:rPr>
               <a:t>tổng</a:t>
             </a:r>
             <a:r>
               <a:rPr lang="en-US" dirty="0">
-                <a:latin typeface="Arial" pitchFamily="34" charset="0"/>
+                <a:latin typeface="Nunito" pitchFamily="2" charset="0"/>
                 <a:cs typeface="Arial" pitchFamily="34" charset="0"/>
               </a:rPr>
               <a:t> </a:t>
             </a:r>
             <a:r>
               <a:rPr lang="en-US" dirty="0" err="1">
-                <a:latin typeface="Arial" pitchFamily="34" charset="0"/>
+                <a:latin typeface="Nunito" pitchFamily="2" charset="0"/>
                 <a:cs typeface="Arial" pitchFamily="34" charset="0"/>
               </a:rPr>
               <a:t>hợp</a:t>
             </a:r>
             <a:r>
               <a:rPr lang="en-US" dirty="0">
-                <a:latin typeface="Arial" pitchFamily="34" charset="0"/>
+                <a:latin typeface="Nunito" pitchFamily="2" charset="0"/>
                 <a:cs typeface="Arial" pitchFamily="34" charset="0"/>
               </a:rPr>
               <a:t>.</a:t>
@@ -16618,7 +17043,9 @@
                 <a:spcPct val="114000"/>
               </a:lnSpc>
             </a:pPr>
-            <a:endParaRPr lang="en-AU" dirty="0"/>
+            <a:endParaRPr lang="en-AU" dirty="0">
+              <a:latin typeface="Nunito" pitchFamily="2" charset="0"/>
+            </a:endParaRPr>
           </a:p>
         </p:txBody>
       </p:sp>
@@ -16688,13 +17115,13 @@
           <a:p>
             <a:r>
               <a:rPr lang="en-US" dirty="0" smtClean="0">
-                <a:latin typeface="Arial" pitchFamily="34" charset="0"/>
+                <a:latin typeface="Nunito" pitchFamily="2" charset="0"/>
                 <a:cs typeface="Arial" pitchFamily="34" charset="0"/>
               </a:rPr>
               <a:t>TIẾN ĐỘ TRIỂN KHAI</a:t>
             </a:r>
             <a:endParaRPr lang="en-AU" dirty="0">
-              <a:latin typeface="Arial" pitchFamily="34" charset="0"/>
+              <a:latin typeface="Nunito" pitchFamily="2" charset="0"/>
               <a:cs typeface="Arial" pitchFamily="34" charset="0"/>
             </a:endParaRPr>
           </a:p>
@@ -16727,118 +17154,118 @@
             </a:pPr>
             <a:r>
               <a:rPr lang="en-US" dirty="0" smtClean="0">
-                <a:latin typeface="Arial" pitchFamily="34" charset="0"/>
+                <a:latin typeface="Nunito" pitchFamily="2" charset="0"/>
                 <a:cs typeface="Arial" pitchFamily="34" charset="0"/>
               </a:rPr>
               <a:t>b) </a:t>
             </a:r>
             <a:r>
               <a:rPr lang="en-US" dirty="0" err="1" smtClean="0">
-                <a:latin typeface="Arial" pitchFamily="34" charset="0"/>
+                <a:latin typeface="Nunito" pitchFamily="2" charset="0"/>
                 <a:cs typeface="Arial" pitchFamily="34" charset="0"/>
               </a:rPr>
               <a:t>Cấu</a:t>
             </a:r>
             <a:r>
               <a:rPr lang="en-US" dirty="0" smtClean="0">
-                <a:latin typeface="Arial" pitchFamily="34" charset="0"/>
+                <a:latin typeface="Nunito" pitchFamily="2" charset="0"/>
                 <a:cs typeface="Arial" pitchFamily="34" charset="0"/>
               </a:rPr>
               <a:t> </a:t>
             </a:r>
             <a:r>
               <a:rPr lang="en-US" dirty="0" err="1" smtClean="0">
-                <a:latin typeface="Arial" pitchFamily="34" charset="0"/>
+                <a:latin typeface="Nunito" pitchFamily="2" charset="0"/>
                 <a:cs typeface="Arial" pitchFamily="34" charset="0"/>
               </a:rPr>
               <a:t>hình</a:t>
             </a:r>
             <a:r>
               <a:rPr lang="en-US" dirty="0" smtClean="0">
-                <a:latin typeface="Arial" pitchFamily="34" charset="0"/>
+                <a:latin typeface="Nunito" pitchFamily="2" charset="0"/>
                 <a:cs typeface="Arial" pitchFamily="34" charset="0"/>
               </a:rPr>
               <a:t> </a:t>
             </a:r>
             <a:r>
               <a:rPr lang="en-US" dirty="0" err="1" smtClean="0">
-                <a:latin typeface="Arial" pitchFamily="34" charset="0"/>
+                <a:latin typeface="Nunito" pitchFamily="2" charset="0"/>
                 <a:cs typeface="Arial" pitchFamily="34" charset="0"/>
               </a:rPr>
               <a:t>và</a:t>
             </a:r>
             <a:r>
               <a:rPr lang="en-US" dirty="0" smtClean="0">
-                <a:latin typeface="Arial" pitchFamily="34" charset="0"/>
+                <a:latin typeface="Nunito" pitchFamily="2" charset="0"/>
                 <a:cs typeface="Arial" pitchFamily="34" charset="0"/>
               </a:rPr>
               <a:t> </a:t>
             </a:r>
             <a:r>
               <a:rPr lang="en-US" dirty="0" err="1" smtClean="0">
-                <a:latin typeface="Arial" pitchFamily="34" charset="0"/>
+                <a:latin typeface="Nunito" pitchFamily="2" charset="0"/>
                 <a:cs typeface="Arial" pitchFamily="34" charset="0"/>
               </a:rPr>
               <a:t>tạo</a:t>
             </a:r>
             <a:r>
               <a:rPr lang="en-US" dirty="0" smtClean="0">
-                <a:latin typeface="Arial" pitchFamily="34" charset="0"/>
+                <a:latin typeface="Nunito" pitchFamily="2" charset="0"/>
                 <a:cs typeface="Arial" pitchFamily="34" charset="0"/>
               </a:rPr>
               <a:t> </a:t>
             </a:r>
             <a:r>
               <a:rPr lang="en-US" dirty="0" err="1" smtClean="0">
-                <a:latin typeface="Arial" pitchFamily="34" charset="0"/>
+                <a:latin typeface="Nunito" pitchFamily="2" charset="0"/>
                 <a:cs typeface="Arial" pitchFamily="34" charset="0"/>
               </a:rPr>
               <a:t>mô</a:t>
             </a:r>
             <a:r>
               <a:rPr lang="en-US" dirty="0" smtClean="0">
-                <a:latin typeface="Arial" pitchFamily="34" charset="0"/>
+                <a:latin typeface="Nunito" pitchFamily="2" charset="0"/>
                 <a:cs typeface="Arial" pitchFamily="34" charset="0"/>
               </a:rPr>
               <a:t> </a:t>
             </a:r>
             <a:r>
               <a:rPr lang="en-US" dirty="0" err="1" smtClean="0">
-                <a:latin typeface="Arial" pitchFamily="34" charset="0"/>
+                <a:latin typeface="Nunito" pitchFamily="2" charset="0"/>
                 <a:cs typeface="Arial" pitchFamily="34" charset="0"/>
               </a:rPr>
               <a:t>hình</a:t>
             </a:r>
             <a:r>
               <a:rPr lang="en-US" dirty="0" smtClean="0">
-                <a:latin typeface="Arial" pitchFamily="34" charset="0"/>
+                <a:latin typeface="Nunito" pitchFamily="2" charset="0"/>
                 <a:cs typeface="Arial" pitchFamily="34" charset="0"/>
               </a:rPr>
               <a:t> </a:t>
             </a:r>
             <a:r>
               <a:rPr lang="en-US" dirty="0" err="1" smtClean="0">
-                <a:latin typeface="Arial" pitchFamily="34" charset="0"/>
+                <a:latin typeface="Nunito" pitchFamily="2" charset="0"/>
                 <a:cs typeface="Arial" pitchFamily="34" charset="0"/>
               </a:rPr>
               <a:t>học</a:t>
             </a:r>
             <a:r>
               <a:rPr lang="en-US" dirty="0" smtClean="0">
-                <a:latin typeface="Arial" pitchFamily="34" charset="0"/>
+                <a:latin typeface="Nunito" pitchFamily="2" charset="0"/>
                 <a:cs typeface="Arial" pitchFamily="34" charset="0"/>
               </a:rPr>
               <a:t> </a:t>
             </a:r>
             <a:r>
               <a:rPr lang="en-US" dirty="0" err="1" smtClean="0">
-                <a:latin typeface="Arial" pitchFamily="34" charset="0"/>
+                <a:latin typeface="Nunito" pitchFamily="2" charset="0"/>
                 <a:cs typeface="Arial" pitchFamily="34" charset="0"/>
               </a:rPr>
               <a:t>máy</a:t>
             </a:r>
             <a:endParaRPr lang="en-US" dirty="0" smtClean="0">
-              <a:latin typeface="Arial" pitchFamily="34" charset="0"/>
+              <a:latin typeface="Nunito" pitchFamily="2" charset="0"/>
               <a:cs typeface="Arial" pitchFamily="34" charset="0"/>
             </a:endParaRPr>
           </a:p>
@@ -16849,104 +17276,104 @@
             </a:pPr>
             <a:r>
               <a:rPr lang="en-US" dirty="0" err="1" smtClean="0">
-                <a:latin typeface="Arial" pitchFamily="34" charset="0"/>
+                <a:latin typeface="Nunito" pitchFamily="2" charset="0"/>
                 <a:cs typeface="Arial" pitchFamily="34" charset="0"/>
               </a:rPr>
               <a:t>Cấu</a:t>
             </a:r>
             <a:r>
               <a:rPr lang="en-US" dirty="0" smtClean="0">
-                <a:latin typeface="Arial" pitchFamily="34" charset="0"/>
+                <a:latin typeface="Nunito" pitchFamily="2" charset="0"/>
                 <a:cs typeface="Arial" pitchFamily="34" charset="0"/>
               </a:rPr>
               <a:t> </a:t>
             </a:r>
             <a:r>
               <a:rPr lang="en-US" dirty="0" err="1" smtClean="0">
-                <a:latin typeface="Arial" pitchFamily="34" charset="0"/>
+                <a:latin typeface="Nunito" pitchFamily="2" charset="0"/>
                 <a:cs typeface="Arial" pitchFamily="34" charset="0"/>
               </a:rPr>
               <a:t>hình</a:t>
             </a:r>
             <a:r>
               <a:rPr lang="en-US" dirty="0" smtClean="0">
-                <a:latin typeface="Arial" pitchFamily="34" charset="0"/>
+                <a:latin typeface="Nunito" pitchFamily="2" charset="0"/>
                 <a:cs typeface="Arial" pitchFamily="34" charset="0"/>
               </a:rPr>
               <a:t> </a:t>
             </a:r>
             <a:r>
               <a:rPr lang="en-US" dirty="0" err="1" smtClean="0">
-                <a:latin typeface="Arial" pitchFamily="34" charset="0"/>
+                <a:latin typeface="Nunito" pitchFamily="2" charset="0"/>
                 <a:cs typeface="Arial" pitchFamily="34" charset="0"/>
               </a:rPr>
               <a:t>của</a:t>
             </a:r>
             <a:r>
               <a:rPr lang="en-US" dirty="0" smtClean="0">
-                <a:latin typeface="Arial" pitchFamily="34" charset="0"/>
+                <a:latin typeface="Nunito" pitchFamily="2" charset="0"/>
                 <a:cs typeface="Arial" pitchFamily="34" charset="0"/>
               </a:rPr>
               <a:t> YOLOv3: </a:t>
             </a:r>
             <a:r>
               <a:rPr lang="en-US" dirty="0" err="1" smtClean="0">
-                <a:latin typeface="Arial" pitchFamily="34" charset="0"/>
+                <a:latin typeface="Nunito" pitchFamily="2" charset="0"/>
                 <a:cs typeface="Arial" pitchFamily="34" charset="0"/>
               </a:rPr>
               <a:t>sự</a:t>
             </a:r>
             <a:r>
               <a:rPr lang="en-US" dirty="0" smtClean="0">
-                <a:latin typeface="Arial" pitchFamily="34" charset="0"/>
+                <a:latin typeface="Nunito" pitchFamily="2" charset="0"/>
                 <a:cs typeface="Arial" pitchFamily="34" charset="0"/>
               </a:rPr>
               <a:t> </a:t>
             </a:r>
             <a:r>
               <a:rPr lang="en-US" dirty="0" err="1" smtClean="0">
-                <a:latin typeface="Arial" pitchFamily="34" charset="0"/>
+                <a:latin typeface="Nunito" pitchFamily="2" charset="0"/>
                 <a:cs typeface="Arial" pitchFamily="34" charset="0"/>
               </a:rPr>
               <a:t>kết</a:t>
             </a:r>
             <a:r>
               <a:rPr lang="en-US" dirty="0" smtClean="0">
-                <a:latin typeface="Arial" pitchFamily="34" charset="0"/>
+                <a:latin typeface="Nunito" pitchFamily="2" charset="0"/>
                 <a:cs typeface="Arial" pitchFamily="34" charset="0"/>
               </a:rPr>
               <a:t> </a:t>
             </a:r>
             <a:r>
               <a:rPr lang="en-US" dirty="0" err="1" smtClean="0">
-                <a:latin typeface="Arial" pitchFamily="34" charset="0"/>
+                <a:latin typeface="Nunito" pitchFamily="2" charset="0"/>
                 <a:cs typeface="Arial" pitchFamily="34" charset="0"/>
               </a:rPr>
               <a:t>hợp</a:t>
             </a:r>
             <a:r>
               <a:rPr lang="en-US" dirty="0" smtClean="0">
-                <a:latin typeface="Arial" pitchFamily="34" charset="0"/>
+                <a:latin typeface="Nunito" pitchFamily="2" charset="0"/>
                 <a:cs typeface="Arial" pitchFamily="34" charset="0"/>
               </a:rPr>
               <a:t> </a:t>
             </a:r>
             <a:r>
               <a:rPr lang="en-US" dirty="0" err="1" smtClean="0">
-                <a:latin typeface="Arial" pitchFamily="34" charset="0"/>
+                <a:latin typeface="Nunito" pitchFamily="2" charset="0"/>
                 <a:cs typeface="Arial" pitchFamily="34" charset="0"/>
               </a:rPr>
               <a:t>của</a:t>
             </a:r>
             <a:r>
               <a:rPr lang="en-US" dirty="0" smtClean="0">
-                <a:latin typeface="Arial" pitchFamily="34" charset="0"/>
+                <a:latin typeface="Nunito" pitchFamily="2" charset="0"/>
                 <a:cs typeface="Arial" pitchFamily="34" charset="0"/>
               </a:rPr>
               <a:t> darknet53 (backbone), FPN (neck).</a:t>
             </a:r>
             <a:endParaRPr lang="en-AU" dirty="0" smtClean="0">
-              <a:latin typeface="Arial" pitchFamily="34" charset="0"/>
+              <a:latin typeface="Nunito" pitchFamily="2" charset="0"/>
               <a:cs typeface="Arial" pitchFamily="34" charset="0"/>
             </a:endParaRPr>
           </a:p>
@@ -16996,27 +17423,27 @@
             </a:pPr>
             <a:r>
               <a:rPr lang="en-US" sz="3600" dirty="0" err="1" smtClean="0">
-                <a:latin typeface="Arial" pitchFamily="34" charset="0"/>
+                <a:latin typeface="Nunito" pitchFamily="2" charset="0"/>
                 <a:cs typeface="Arial" pitchFamily="34" charset="0"/>
               </a:rPr>
               <a:t>Học</a:t>
             </a:r>
             <a:r>
               <a:rPr lang="en-US" sz="3600" dirty="0" smtClean="0">
-                <a:latin typeface="Arial" pitchFamily="34" charset="0"/>
+                <a:latin typeface="Nunito" pitchFamily="2" charset="0"/>
                 <a:cs typeface="Arial" pitchFamily="34" charset="0"/>
               </a:rPr>
               <a:t> </a:t>
             </a:r>
             <a:r>
               <a:rPr lang="en-US" sz="3600" dirty="0" err="1" smtClean="0">
-                <a:latin typeface="Arial" pitchFamily="34" charset="0"/>
+                <a:latin typeface="Nunito" pitchFamily="2" charset="0"/>
                 <a:cs typeface="Arial" pitchFamily="34" charset="0"/>
               </a:rPr>
               <a:t>máy</a:t>
             </a:r>
             <a:endParaRPr lang="en-AU" sz="3600" dirty="0">
-              <a:latin typeface="Arial" pitchFamily="34" charset="0"/>
+              <a:latin typeface="Nunito" pitchFamily="2" charset="0"/>
               <a:cs typeface="Arial" pitchFamily="34" charset="0"/>
             </a:endParaRPr>
           </a:p>
@@ -17088,34 +17515,34 @@
             <a:pPr algn="ctr"/>
             <a:r>
               <a:rPr lang="en-US" sz="1200" i="1" dirty="0" err="1" smtClean="0">
-                <a:latin typeface="Arial" pitchFamily="34" charset="0"/>
+                <a:latin typeface="Nunito" pitchFamily="2" charset="0"/>
                 <a:cs typeface="Arial" pitchFamily="34" charset="0"/>
               </a:rPr>
               <a:t>Kiến</a:t>
             </a:r>
             <a:r>
               <a:rPr lang="en-US" sz="1200" i="1" dirty="0" smtClean="0">
-                <a:latin typeface="Arial" pitchFamily="34" charset="0"/>
+                <a:latin typeface="Nunito" pitchFamily="2" charset="0"/>
                 <a:cs typeface="Arial" pitchFamily="34" charset="0"/>
               </a:rPr>
               <a:t> </a:t>
             </a:r>
             <a:r>
               <a:rPr lang="en-US" sz="1200" i="1" dirty="0" err="1" smtClean="0">
-                <a:latin typeface="Arial" pitchFamily="34" charset="0"/>
+                <a:latin typeface="Nunito" pitchFamily="2" charset="0"/>
                 <a:cs typeface="Arial" pitchFamily="34" charset="0"/>
               </a:rPr>
               <a:t>trúc</a:t>
             </a:r>
             <a:r>
               <a:rPr lang="en-US" sz="1200" i="1" dirty="0" smtClean="0">
-                <a:latin typeface="Arial" pitchFamily="34" charset="0"/>
+                <a:latin typeface="Nunito" pitchFamily="2" charset="0"/>
                 <a:cs typeface="Arial" pitchFamily="34" charset="0"/>
               </a:rPr>
               <a:t> YOLOv3</a:t>
             </a:r>
             <a:endParaRPr lang="en-AU" sz="1200" i="1" dirty="0">
-              <a:latin typeface="Arial" pitchFamily="34" charset="0"/>
+              <a:latin typeface="Nunito" pitchFamily="2" charset="0"/>
               <a:cs typeface="Arial" pitchFamily="34" charset="0"/>
             </a:endParaRPr>
           </a:p>
@@ -17187,13 +17614,13 @@
           <a:p>
             <a:r>
               <a:rPr lang="en-US" dirty="0" smtClean="0">
-                <a:latin typeface="Arial" pitchFamily="34" charset="0"/>
+                <a:latin typeface="Nunito" pitchFamily="2" charset="0"/>
                 <a:cs typeface="Arial" pitchFamily="34" charset="0"/>
               </a:rPr>
               <a:t>TIẾN ĐỘ TRIỂN KHAI</a:t>
             </a:r>
             <a:endParaRPr lang="en-AU" dirty="0">
-              <a:latin typeface="Arial" pitchFamily="34" charset="0"/>
+              <a:latin typeface="Nunito" pitchFamily="2" charset="0"/>
               <a:cs typeface="Arial" pitchFamily="34" charset="0"/>
             </a:endParaRPr>
           </a:p>
@@ -17226,91 +17653,91 @@
             </a:pPr>
             <a:r>
               <a:rPr lang="en-US" dirty="0" smtClean="0">
-                <a:latin typeface="Arial" pitchFamily="34" charset="0"/>
+                <a:latin typeface="Nunito" pitchFamily="2" charset="0"/>
                 <a:cs typeface="Arial" pitchFamily="34" charset="0"/>
               </a:rPr>
               <a:t>c) </a:t>
             </a:r>
             <a:r>
               <a:rPr lang="en-US" dirty="0" err="1" smtClean="0">
-                <a:latin typeface="Arial" pitchFamily="34" charset="0"/>
+                <a:latin typeface="Nunito" pitchFamily="2" charset="0"/>
                 <a:cs typeface="Arial" pitchFamily="34" charset="0"/>
               </a:rPr>
               <a:t>Huấn</a:t>
             </a:r>
             <a:r>
               <a:rPr lang="en-US" dirty="0" smtClean="0">
-                <a:latin typeface="Arial" pitchFamily="34" charset="0"/>
+                <a:latin typeface="Nunito" pitchFamily="2" charset="0"/>
                 <a:cs typeface="Arial" pitchFamily="34" charset="0"/>
               </a:rPr>
               <a:t> </a:t>
             </a:r>
             <a:r>
               <a:rPr lang="en-US" dirty="0" err="1" smtClean="0">
-                <a:latin typeface="Arial" pitchFamily="34" charset="0"/>
+                <a:latin typeface="Nunito" pitchFamily="2" charset="0"/>
                 <a:cs typeface="Arial" pitchFamily="34" charset="0"/>
               </a:rPr>
               <a:t>luyện</a:t>
             </a:r>
             <a:r>
               <a:rPr lang="en-US" dirty="0" smtClean="0">
-                <a:latin typeface="Arial" pitchFamily="34" charset="0"/>
+                <a:latin typeface="Nunito" pitchFamily="2" charset="0"/>
                 <a:cs typeface="Arial" pitchFamily="34" charset="0"/>
               </a:rPr>
               <a:t> </a:t>
             </a:r>
             <a:r>
               <a:rPr lang="en-US" dirty="0" err="1" smtClean="0">
-                <a:latin typeface="Arial" pitchFamily="34" charset="0"/>
+                <a:latin typeface="Nunito" pitchFamily="2" charset="0"/>
                 <a:cs typeface="Arial" pitchFamily="34" charset="0"/>
               </a:rPr>
               <a:t>mô</a:t>
             </a:r>
             <a:r>
               <a:rPr lang="en-US" dirty="0" smtClean="0">
-                <a:latin typeface="Arial" pitchFamily="34" charset="0"/>
+                <a:latin typeface="Nunito" pitchFamily="2" charset="0"/>
                 <a:cs typeface="Arial" pitchFamily="34" charset="0"/>
               </a:rPr>
               <a:t> </a:t>
             </a:r>
             <a:r>
               <a:rPr lang="en-US" dirty="0" err="1" smtClean="0">
-                <a:latin typeface="Arial" pitchFamily="34" charset="0"/>
+                <a:latin typeface="Nunito" pitchFamily="2" charset="0"/>
                 <a:cs typeface="Arial" pitchFamily="34" charset="0"/>
               </a:rPr>
               <a:t>hình</a:t>
             </a:r>
             <a:r>
               <a:rPr lang="en-US" dirty="0" smtClean="0">
-                <a:latin typeface="Arial" pitchFamily="34" charset="0"/>
+                <a:latin typeface="Nunito" pitchFamily="2" charset="0"/>
                 <a:cs typeface="Arial" pitchFamily="34" charset="0"/>
               </a:rPr>
               <a:t> </a:t>
             </a:r>
             <a:r>
               <a:rPr lang="en-US" dirty="0" err="1" smtClean="0">
-                <a:latin typeface="Arial" pitchFamily="34" charset="0"/>
+                <a:latin typeface="Nunito" pitchFamily="2" charset="0"/>
                 <a:cs typeface="Arial" pitchFamily="34" charset="0"/>
               </a:rPr>
               <a:t>học</a:t>
             </a:r>
             <a:r>
               <a:rPr lang="en-US" dirty="0" smtClean="0">
-                <a:latin typeface="Arial" pitchFamily="34" charset="0"/>
+                <a:latin typeface="Nunito" pitchFamily="2" charset="0"/>
                 <a:cs typeface="Arial" pitchFamily="34" charset="0"/>
               </a:rPr>
               <a:t> </a:t>
             </a:r>
             <a:r>
               <a:rPr lang="en-US" dirty="0" err="1" smtClean="0">
-                <a:latin typeface="Arial" pitchFamily="34" charset="0"/>
+                <a:latin typeface="Nunito" pitchFamily="2" charset="0"/>
                 <a:cs typeface="Arial" pitchFamily="34" charset="0"/>
               </a:rPr>
               <a:t>máy</a:t>
             </a:r>
             <a:r>
               <a:rPr lang="en-US" dirty="0" smtClean="0">
-                <a:latin typeface="Arial" pitchFamily="34" charset="0"/>
+                <a:latin typeface="Nunito" pitchFamily="2" charset="0"/>
                 <a:cs typeface="Arial" pitchFamily="34" charset="0"/>
               </a:rPr>
               <a:t>:</a:t>
@@ -17323,98 +17750,98 @@
             </a:pPr>
             <a:r>
               <a:rPr lang="en-US" dirty="0" err="1" smtClean="0">
-                <a:latin typeface="Arial" pitchFamily="34" charset="0"/>
+                <a:latin typeface="Nunito" pitchFamily="2" charset="0"/>
                 <a:cs typeface="Arial" pitchFamily="34" charset="0"/>
               </a:rPr>
               <a:t>Darknet</a:t>
             </a:r>
             <a:r>
               <a:rPr lang="en-US" dirty="0" smtClean="0">
-                <a:latin typeface="Arial" pitchFamily="34" charset="0"/>
+                <a:latin typeface="Nunito" pitchFamily="2" charset="0"/>
                 <a:cs typeface="Arial" pitchFamily="34" charset="0"/>
               </a:rPr>
               <a:t> framework </a:t>
             </a:r>
             <a:r>
               <a:rPr lang="en-US" dirty="0" err="1" smtClean="0">
-                <a:latin typeface="Arial" pitchFamily="34" charset="0"/>
+                <a:latin typeface="Nunito" pitchFamily="2" charset="0"/>
                 <a:cs typeface="Arial" pitchFamily="34" charset="0"/>
               </a:rPr>
               <a:t>giúp</a:t>
             </a:r>
             <a:r>
               <a:rPr lang="en-US" dirty="0" smtClean="0">
-                <a:latin typeface="Arial" pitchFamily="34" charset="0"/>
+                <a:latin typeface="Nunito" pitchFamily="2" charset="0"/>
                 <a:cs typeface="Arial" pitchFamily="34" charset="0"/>
               </a:rPr>
               <a:t> </a:t>
             </a:r>
             <a:r>
               <a:rPr lang="en-US" dirty="0" err="1" smtClean="0">
-                <a:latin typeface="Arial" pitchFamily="34" charset="0"/>
+                <a:latin typeface="Nunito" pitchFamily="2" charset="0"/>
                 <a:cs typeface="Arial" pitchFamily="34" charset="0"/>
               </a:rPr>
               <a:t>việc</a:t>
             </a:r>
             <a:r>
               <a:rPr lang="en-US" dirty="0" smtClean="0">
-                <a:latin typeface="Arial" pitchFamily="34" charset="0"/>
+                <a:latin typeface="Nunito" pitchFamily="2" charset="0"/>
                 <a:cs typeface="Arial" pitchFamily="34" charset="0"/>
               </a:rPr>
               <a:t> training </a:t>
             </a:r>
             <a:r>
               <a:rPr lang="en-US" dirty="0" err="1" smtClean="0">
-                <a:latin typeface="Arial" pitchFamily="34" charset="0"/>
+                <a:latin typeface="Nunito" pitchFamily="2" charset="0"/>
                 <a:cs typeface="Arial" pitchFamily="34" charset="0"/>
               </a:rPr>
               <a:t>nhanh</a:t>
             </a:r>
             <a:r>
               <a:rPr lang="en-US" dirty="0" smtClean="0">
-                <a:latin typeface="Arial" pitchFamily="34" charset="0"/>
+                <a:latin typeface="Nunito" pitchFamily="2" charset="0"/>
                 <a:cs typeface="Arial" pitchFamily="34" charset="0"/>
               </a:rPr>
               <a:t> </a:t>
             </a:r>
             <a:r>
               <a:rPr lang="en-US" dirty="0" err="1" smtClean="0">
-                <a:latin typeface="Arial" pitchFamily="34" charset="0"/>
+                <a:latin typeface="Nunito" pitchFamily="2" charset="0"/>
                 <a:cs typeface="Arial" pitchFamily="34" charset="0"/>
               </a:rPr>
               <a:t>và</a:t>
             </a:r>
             <a:r>
               <a:rPr lang="en-US" dirty="0" smtClean="0">
-                <a:latin typeface="Arial" pitchFamily="34" charset="0"/>
+                <a:latin typeface="Nunito" pitchFamily="2" charset="0"/>
                 <a:cs typeface="Arial" pitchFamily="34" charset="0"/>
               </a:rPr>
               <a:t> </a:t>
             </a:r>
             <a:r>
               <a:rPr lang="en-US" dirty="0" err="1" smtClean="0">
-                <a:latin typeface="Arial" pitchFamily="34" charset="0"/>
+                <a:latin typeface="Nunito" pitchFamily="2" charset="0"/>
                 <a:cs typeface="Arial" pitchFamily="34" charset="0"/>
               </a:rPr>
               <a:t>hiệu</a:t>
             </a:r>
             <a:r>
               <a:rPr lang="en-US" dirty="0" smtClean="0">
-                <a:latin typeface="Arial" pitchFamily="34" charset="0"/>
+                <a:latin typeface="Nunito" pitchFamily="2" charset="0"/>
                 <a:cs typeface="Arial" pitchFamily="34" charset="0"/>
               </a:rPr>
               <a:t> </a:t>
             </a:r>
             <a:r>
               <a:rPr lang="en-US" dirty="0" err="1" smtClean="0">
-                <a:latin typeface="Arial" pitchFamily="34" charset="0"/>
+                <a:latin typeface="Nunito" pitchFamily="2" charset="0"/>
                 <a:cs typeface="Arial" pitchFamily="34" charset="0"/>
               </a:rPr>
               <a:t>quả</a:t>
             </a:r>
             <a:r>
               <a:rPr lang="en-US" dirty="0" smtClean="0">
-                <a:latin typeface="Arial" pitchFamily="34" charset="0"/>
+                <a:latin typeface="Nunito" pitchFamily="2" charset="0"/>
                 <a:cs typeface="Arial" pitchFamily="34" charset="0"/>
               </a:rPr>
               <a:t>.</a:t>
@@ -17427,77 +17854,77 @@
             </a:pPr>
             <a:r>
               <a:rPr lang="en-US" dirty="0" smtClean="0">
-                <a:latin typeface="Arial" pitchFamily="34" charset="0"/>
+                <a:latin typeface="Nunito" pitchFamily="2" charset="0"/>
                 <a:cs typeface="Arial" pitchFamily="34" charset="0"/>
               </a:rPr>
               <a:t>Training </a:t>
             </a:r>
             <a:r>
               <a:rPr lang="en-US" dirty="0" err="1" smtClean="0">
-                <a:latin typeface="Arial" pitchFamily="34" charset="0"/>
+                <a:latin typeface="Nunito" pitchFamily="2" charset="0"/>
                 <a:cs typeface="Arial" pitchFamily="34" charset="0"/>
               </a:rPr>
               <a:t>trên</a:t>
             </a:r>
             <a:r>
               <a:rPr lang="en-US" dirty="0" smtClean="0">
-                <a:latin typeface="Arial" pitchFamily="34" charset="0"/>
+                <a:latin typeface="Nunito" pitchFamily="2" charset="0"/>
                 <a:cs typeface="Arial" pitchFamily="34" charset="0"/>
               </a:rPr>
               <a:t> Google </a:t>
             </a:r>
             <a:r>
               <a:rPr lang="en-US" dirty="0" err="1" smtClean="0">
-                <a:latin typeface="Arial" pitchFamily="34" charset="0"/>
+                <a:latin typeface="Nunito" pitchFamily="2" charset="0"/>
                 <a:cs typeface="Arial" pitchFamily="34" charset="0"/>
               </a:rPr>
               <a:t>Colab</a:t>
             </a:r>
             <a:r>
               <a:rPr lang="en-US" dirty="0" smtClean="0">
-                <a:latin typeface="Arial" pitchFamily="34" charset="0"/>
+                <a:latin typeface="Nunito" pitchFamily="2" charset="0"/>
                 <a:cs typeface="Arial" pitchFamily="34" charset="0"/>
               </a:rPr>
               <a:t> </a:t>
             </a:r>
             <a:r>
               <a:rPr lang="en-US" dirty="0" err="1" smtClean="0">
-                <a:latin typeface="Arial" pitchFamily="34" charset="0"/>
+                <a:latin typeface="Nunito" pitchFamily="2" charset="0"/>
                 <a:cs typeface="Arial" pitchFamily="34" charset="0"/>
               </a:rPr>
               <a:t>và</a:t>
             </a:r>
             <a:r>
               <a:rPr lang="en-US" dirty="0" smtClean="0">
-                <a:latin typeface="Arial" pitchFamily="34" charset="0"/>
+                <a:latin typeface="Nunito" pitchFamily="2" charset="0"/>
                 <a:cs typeface="Arial" pitchFamily="34" charset="0"/>
               </a:rPr>
               <a:t> </a:t>
             </a:r>
             <a:r>
               <a:rPr lang="en-US" dirty="0" err="1" smtClean="0">
-                <a:latin typeface="Arial" pitchFamily="34" charset="0"/>
+                <a:latin typeface="Nunito" pitchFamily="2" charset="0"/>
                 <a:cs typeface="Arial" pitchFamily="34" charset="0"/>
               </a:rPr>
               <a:t>lưu</a:t>
             </a:r>
             <a:r>
               <a:rPr lang="en-US" dirty="0" smtClean="0">
-                <a:latin typeface="Arial" pitchFamily="34" charset="0"/>
+                <a:latin typeface="Nunito" pitchFamily="2" charset="0"/>
                 <a:cs typeface="Arial" pitchFamily="34" charset="0"/>
               </a:rPr>
               <a:t> backup </a:t>
             </a:r>
             <a:r>
               <a:rPr lang="en-US" dirty="0" err="1" smtClean="0">
-                <a:latin typeface="Arial" pitchFamily="34" charset="0"/>
+                <a:latin typeface="Nunito" pitchFamily="2" charset="0"/>
                 <a:cs typeface="Arial" pitchFamily="34" charset="0"/>
               </a:rPr>
               <a:t>trên</a:t>
             </a:r>
             <a:r>
               <a:rPr lang="en-US" dirty="0" smtClean="0">
-                <a:latin typeface="Arial" pitchFamily="34" charset="0"/>
+                <a:latin typeface="Nunito" pitchFamily="2" charset="0"/>
                 <a:cs typeface="Arial" pitchFamily="34" charset="0"/>
               </a:rPr>
               <a:t> Google Drive.</a:t>
@@ -17546,41 +17973,41 @@
             <a:pPr algn="l"/>
             <a:r>
               <a:rPr lang="en-US" sz="3600" dirty="0" err="1" smtClean="0">
-                <a:latin typeface="Arial" pitchFamily="34" charset="0"/>
+                <a:latin typeface="Nunito" pitchFamily="2" charset="0"/>
                 <a:cs typeface="Arial" pitchFamily="34" charset="0"/>
               </a:rPr>
               <a:t>Phần</a:t>
             </a:r>
             <a:r>
               <a:rPr lang="en-US" sz="3600" dirty="0" smtClean="0">
-                <a:latin typeface="Arial" pitchFamily="34" charset="0"/>
+                <a:latin typeface="Nunito" pitchFamily="2" charset="0"/>
                 <a:cs typeface="Arial" pitchFamily="34" charset="0"/>
               </a:rPr>
               <a:t> </a:t>
             </a:r>
             <a:r>
               <a:rPr lang="en-US" sz="3600" dirty="0" err="1" smtClean="0">
-                <a:latin typeface="Arial" pitchFamily="34" charset="0"/>
+                <a:latin typeface="Nunito" pitchFamily="2" charset="0"/>
                 <a:cs typeface="Arial" pitchFamily="34" charset="0"/>
               </a:rPr>
               <a:t>học</a:t>
             </a:r>
             <a:r>
               <a:rPr lang="en-US" sz="3600" dirty="0" smtClean="0">
-                <a:latin typeface="Arial" pitchFamily="34" charset="0"/>
+                <a:latin typeface="Nunito" pitchFamily="2" charset="0"/>
                 <a:cs typeface="Arial" pitchFamily="34" charset="0"/>
               </a:rPr>
               <a:t> </a:t>
             </a:r>
             <a:r>
               <a:rPr lang="en-US" sz="3600" dirty="0" err="1" smtClean="0">
-                <a:latin typeface="Arial" pitchFamily="34" charset="0"/>
+                <a:latin typeface="Nunito" pitchFamily="2" charset="0"/>
                 <a:cs typeface="Arial" pitchFamily="34" charset="0"/>
               </a:rPr>
               <a:t>máy</a:t>
             </a:r>
             <a:endParaRPr lang="en-AU" sz="3600" dirty="0">
-              <a:latin typeface="Arial" pitchFamily="34" charset="0"/>
+              <a:latin typeface="Nunito" pitchFamily="2" charset="0"/>
               <a:cs typeface="Arial" pitchFamily="34" charset="0"/>
             </a:endParaRPr>
           </a:p>
@@ -17693,41 +18120,41 @@
             <a:pPr algn="ctr"/>
             <a:r>
               <a:rPr lang="en-US" sz="1400" i="1" dirty="0" smtClean="0">
-                <a:latin typeface="Arial" pitchFamily="34" charset="0"/>
+                <a:latin typeface="Nunito" pitchFamily="2" charset="0"/>
                 <a:cs typeface="Arial" pitchFamily="34" charset="0"/>
               </a:rPr>
               <a:t>Logo </a:t>
             </a:r>
             <a:r>
               <a:rPr lang="en-US" sz="1400" i="1" dirty="0" err="1" smtClean="0">
-                <a:latin typeface="Arial" pitchFamily="34" charset="0"/>
+                <a:latin typeface="Nunito" pitchFamily="2" charset="0"/>
                 <a:cs typeface="Arial" pitchFamily="34" charset="0"/>
               </a:rPr>
               <a:t>của</a:t>
             </a:r>
             <a:r>
               <a:rPr lang="en-US" sz="1400" i="1" dirty="0" smtClean="0">
-                <a:latin typeface="Arial" pitchFamily="34" charset="0"/>
+                <a:latin typeface="Nunito" pitchFamily="2" charset="0"/>
                 <a:cs typeface="Arial" pitchFamily="34" charset="0"/>
               </a:rPr>
               <a:t> project </a:t>
             </a:r>
             <a:r>
               <a:rPr lang="en-US" sz="1400" i="1" dirty="0" err="1" smtClean="0">
-                <a:latin typeface="Arial" pitchFamily="34" charset="0"/>
+                <a:latin typeface="Nunito" pitchFamily="2" charset="0"/>
                 <a:cs typeface="Arial" pitchFamily="34" charset="0"/>
               </a:rPr>
               <a:t>Darknet</a:t>
             </a:r>
             <a:r>
               <a:rPr lang="en-US" sz="1400" i="1" dirty="0" smtClean="0">
-                <a:latin typeface="Arial" pitchFamily="34" charset="0"/>
+                <a:latin typeface="Nunito" pitchFamily="2" charset="0"/>
                 <a:cs typeface="Arial" pitchFamily="34" charset="0"/>
               </a:rPr>
               <a:t> framework</a:t>
             </a:r>
             <a:endParaRPr lang="en-AU" sz="1400" i="1" dirty="0">
-              <a:latin typeface="Arial" pitchFamily="34" charset="0"/>
+              <a:latin typeface="Nunito" pitchFamily="2" charset="0"/>
               <a:cs typeface="Arial" pitchFamily="34" charset="0"/>
             </a:endParaRPr>
           </a:p>
@@ -17758,34 +18185,34 @@
             <a:pPr algn="ctr"/>
             <a:r>
               <a:rPr lang="en-US" sz="1400" i="1" dirty="0" smtClean="0">
-                <a:latin typeface="Arial" pitchFamily="34" charset="0"/>
+                <a:latin typeface="Nunito" pitchFamily="2" charset="0"/>
                 <a:cs typeface="Arial" pitchFamily="34" charset="0"/>
               </a:rPr>
               <a:t>Logo </a:t>
             </a:r>
             <a:r>
               <a:rPr lang="en-US" sz="1400" i="1" dirty="0" err="1" smtClean="0">
-                <a:latin typeface="Arial" pitchFamily="34" charset="0"/>
+                <a:latin typeface="Nunito" pitchFamily="2" charset="0"/>
                 <a:cs typeface="Arial" pitchFamily="34" charset="0"/>
               </a:rPr>
               <a:t>của</a:t>
             </a:r>
             <a:r>
               <a:rPr lang="en-US" sz="1400" i="1" dirty="0" smtClean="0">
-                <a:latin typeface="Arial" pitchFamily="34" charset="0"/>
+                <a:latin typeface="Nunito" pitchFamily="2" charset="0"/>
                 <a:cs typeface="Arial" pitchFamily="34" charset="0"/>
               </a:rPr>
               <a:t> Google </a:t>
             </a:r>
             <a:r>
               <a:rPr lang="en-US" sz="1400" i="1" dirty="0" err="1" smtClean="0">
-                <a:latin typeface="Arial" pitchFamily="34" charset="0"/>
+                <a:latin typeface="Nunito" pitchFamily="2" charset="0"/>
                 <a:cs typeface="Arial" pitchFamily="34" charset="0"/>
               </a:rPr>
               <a:t>Colab</a:t>
             </a:r>
             <a:endParaRPr lang="en-AU" sz="1400" i="1" dirty="0">
-              <a:latin typeface="Arial" pitchFamily="34" charset="0"/>
+              <a:latin typeface="Nunito" pitchFamily="2" charset="0"/>
               <a:cs typeface="Arial" pitchFamily="34" charset="0"/>
             </a:endParaRPr>
           </a:p>
